--- a/Angular JS - Workshop.pptx
+++ b/Angular JS - Workshop.pptx
@@ -11,12 +11,18 @@
     <p:sldId id="259" r:id="rId5"/>
     <p:sldId id="260" r:id="rId6"/>
     <p:sldId id="267" r:id="rId7"/>
-    <p:sldId id="261" r:id="rId8"/>
-    <p:sldId id="262" r:id="rId9"/>
-    <p:sldId id="263" r:id="rId10"/>
-    <p:sldId id="264" r:id="rId11"/>
-    <p:sldId id="265" r:id="rId12"/>
-    <p:sldId id="266" r:id="rId13"/>
+    <p:sldId id="269" r:id="rId8"/>
+    <p:sldId id="261" r:id="rId9"/>
+    <p:sldId id="262" r:id="rId10"/>
+    <p:sldId id="263" r:id="rId11"/>
+    <p:sldId id="264" r:id="rId12"/>
+    <p:sldId id="265" r:id="rId13"/>
+    <p:sldId id="266" r:id="rId14"/>
+    <p:sldId id="268" r:id="rId15"/>
+    <p:sldId id="273" r:id="rId16"/>
+    <p:sldId id="270" r:id="rId17"/>
+    <p:sldId id="271" r:id="rId18"/>
+    <p:sldId id="272" r:id="rId19"/>
   </p:sldIdLst>
   <p:sldSz cx="12192000" cy="6858000"/>
   <p:notesSz cx="6858000" cy="9144000"/>
@@ -3487,42 +3493,174 @@
           <a:lstStyle/>
           <a:p>
             <a:r>
-              <a:rPr lang="en-US" dirty="0"/>
+              <a:rPr lang="en-US" dirty="0" smtClean="0"/>
               <a:t>Registering a controller with a module</a:t>
             </a:r>
-          </a:p>
-        </p:txBody>
-      </p:sp>
-      <p:pic>
-        <p:nvPicPr>
-          <p:cNvPr id="4" name="Content Placeholder 3"/>
-          <p:cNvPicPr>
-            <a:picLocks noGrp="1" noChangeAspect="1"/>
-          </p:cNvPicPr>
+            <a:endParaRPr lang="en-US" dirty="0"/>
+          </a:p>
+        </p:txBody>
+      </p:sp>
+      <p:sp>
+        <p:nvSpPr>
+          <p:cNvPr id="3" name="Content Placeholder 2"/>
+          <p:cNvSpPr>
+            <a:spLocks noGrp="1"/>
+          </p:cNvSpPr>
           <p:nvPr>
             <p:ph idx="1"/>
           </p:nvPr>
-        </p:nvPicPr>
-        <p:blipFill>
-          <a:blip r:embed="rId2"/>
-          <a:stretch>
-            <a:fillRect/>
-          </a:stretch>
-        </p:blipFill>
-        <p:spPr>
-          <a:xfrm>
-            <a:off x="4357139" y="863600"/>
-            <a:ext cx="6338397" cy="5121275"/>
-          </a:xfrm>
-          <a:prstGeom prst="rect">
-            <a:avLst/>
-          </a:prstGeom>
-        </p:spPr>
-      </p:pic>
+        </p:nvSpPr>
+        <p:spPr/>
+        <p:txBody>
+          <a:bodyPr>
+            <a:normAutofit/>
+          </a:bodyPr>
+          <a:lstStyle/>
+          <a:p>
+            <a:r>
+              <a:rPr lang="en-US" sz="2400" dirty="0">
+                <a:solidFill>
+                  <a:schemeClr val="tx1"/>
+                </a:solidFill>
+              </a:rPr>
+              <a:t>Create a module.</a:t>
+            </a:r>
+          </a:p>
+          <a:p>
+            <a:r>
+              <a:rPr lang="en-US" sz="2400" dirty="0">
+                <a:solidFill>
+                  <a:schemeClr val="tx1"/>
+                </a:solidFill>
+              </a:rPr>
+              <a:t>Create a controller.</a:t>
+            </a:r>
+          </a:p>
+          <a:p>
+            <a:r>
+              <a:rPr lang="en-US" sz="2400" dirty="0">
+                <a:solidFill>
+                  <a:schemeClr val="tx1"/>
+                </a:solidFill>
+              </a:rPr>
+              <a:t>Use controller method to register a controller. </a:t>
+            </a:r>
+          </a:p>
+          <a:p>
+            <a:pPr marL="0" indent="0">
+              <a:buNone/>
+            </a:pPr>
+            <a:r>
+              <a:rPr lang="en-US" sz="2400" dirty="0">
+                <a:solidFill>
+                  <a:schemeClr val="tx1"/>
+                </a:solidFill>
+              </a:rPr>
+              <a:t> </a:t>
+            </a:r>
+            <a:r>
+              <a:rPr lang="en-US" sz="2400" dirty="0">
+                <a:solidFill>
+                  <a:schemeClr val="tx1"/>
+                </a:solidFill>
+              </a:rPr>
+              <a:t>    </a:t>
+            </a:r>
+            <a:r>
+              <a:rPr lang="en-US" sz="2400" dirty="0" err="1">
+                <a:solidFill>
+                  <a:schemeClr val="tx1"/>
+                </a:solidFill>
+              </a:rPr>
+              <a:t>myApp.controller</a:t>
+            </a:r>
+            <a:r>
+              <a:rPr lang="en-US" sz="2400" dirty="0">
+                <a:solidFill>
+                  <a:schemeClr val="tx1"/>
+                </a:solidFill>
+              </a:rPr>
+              <a:t>("</a:t>
+            </a:r>
+            <a:r>
+              <a:rPr lang="en-US" sz="2400" dirty="0" err="1">
+                <a:solidFill>
+                  <a:schemeClr val="tx1"/>
+                </a:solidFill>
+              </a:rPr>
+              <a:t>MyController</a:t>
+            </a:r>
+            <a:r>
+              <a:rPr lang="en-US" sz="2400" dirty="0">
+                <a:solidFill>
+                  <a:schemeClr val="tx1"/>
+                </a:solidFill>
+              </a:rPr>
+              <a:t>",function($scope){</a:t>
+            </a:r>
+          </a:p>
+          <a:p>
+            <a:pPr marL="0" indent="0">
+              <a:buNone/>
+            </a:pPr>
+            <a:r>
+              <a:rPr lang="en-US" sz="2400" dirty="0">
+                <a:solidFill>
+                  <a:schemeClr val="tx1"/>
+                </a:solidFill>
+              </a:rPr>
+              <a:t>    $</a:t>
+            </a:r>
+            <a:r>
+              <a:rPr lang="en-US" sz="2400" dirty="0" err="1">
+                <a:solidFill>
+                  <a:schemeClr val="tx1"/>
+                </a:solidFill>
+              </a:rPr>
+              <a:t>scope.message</a:t>
+            </a:r>
+            <a:r>
+              <a:rPr lang="en-US" sz="2400" dirty="0">
+                <a:solidFill>
+                  <a:schemeClr val="tx1"/>
+                </a:solidFill>
+              </a:rPr>
+              <a:t>= "Hi This is angular";</a:t>
+            </a:r>
+          </a:p>
+          <a:p>
+            <a:pPr marL="0" indent="0">
+              <a:buNone/>
+            </a:pPr>
+            <a:r>
+              <a:rPr lang="en-US" sz="2400" dirty="0">
+                <a:solidFill>
+                  <a:schemeClr val="tx1"/>
+                </a:solidFill>
+              </a:rPr>
+              <a:t>     });</a:t>
+            </a:r>
+          </a:p>
+          <a:p>
+            <a:pPr>
+              <a:buFont typeface="Arial" panose="020B0604020202020204" pitchFamily="34" charset="0"/>
+              <a:buChar char="•"/>
+            </a:pPr>
+            <a:r>
+              <a:rPr lang="en-US" sz="2400" dirty="0">
+                <a:solidFill>
+                  <a:schemeClr val="tx1"/>
+                </a:solidFill>
+              </a:rPr>
+              <a:t>In Views ,use variables created in controller method. </a:t>
+            </a:r>
+          </a:p>
+        </p:txBody>
+      </p:sp>
     </p:spTree>
     <p:extLst>
       <p:ext uri="{BB962C8B-B14F-4D97-AF65-F5344CB8AC3E}">
-        <p14:creationId xmlns:p14="http://schemas.microsoft.com/office/powerpoint/2010/main" val="1805169406"/>
+        <p14:creationId xmlns:p14="http://schemas.microsoft.com/office/powerpoint/2010/main" val="2356886733"/>
       </p:ext>
     </p:extLst>
   </p:cSld>
@@ -3575,51 +3713,165 @@
           <a:lstStyle/>
           <a:p>
             <a:r>
-              <a:rPr lang="en-US" dirty="0" smtClean="0"/>
-              <a:t>Two - Way Data binding</a:t>
-            </a:r>
-            <a:endParaRPr lang="en-US" dirty="0"/>
-          </a:p>
-        </p:txBody>
-      </p:sp>
-      <p:sp>
-        <p:nvSpPr>
-          <p:cNvPr id="3" name="Content Placeholder 2"/>
-          <p:cNvSpPr>
-            <a:spLocks noGrp="1"/>
-          </p:cNvSpPr>
+              <a:rPr lang="en-US" dirty="0"/>
+              <a:t>Registering a controller with a module</a:t>
+            </a:r>
+          </a:p>
+        </p:txBody>
+      </p:sp>
+      <p:pic>
+        <p:nvPicPr>
+          <p:cNvPr id="8" name="Content Placeholder 7"/>
+          <p:cNvPicPr>
+            <a:picLocks noGrp="1" noChangeAspect="1"/>
+          </p:cNvPicPr>
           <p:nvPr>
             <p:ph idx="1"/>
           </p:nvPr>
-        </p:nvSpPr>
-        <p:spPr/>
-        <p:txBody>
-          <a:bodyPr/>
-          <a:lstStyle/>
-          <a:p>
-            <a:r>
-              <a:rPr lang="en-US" sz="2400" dirty="0" smtClean="0"/>
-              <a:t>Keeps the model and view in sync.</a:t>
-            </a:r>
-          </a:p>
-          <a:p>
-            <a:r>
-              <a:rPr lang="en-US" sz="2400" dirty="0" smtClean="0"/>
-              <a:t>ng-model directive is used to bind the data to model.</a:t>
-            </a:r>
-          </a:p>
-          <a:p>
-            <a:endParaRPr lang="en-US" sz="2400" dirty="0" smtClean="0"/>
-          </a:p>
-          <a:p>
-            <a:endParaRPr lang="en-US" dirty="0"/>
-          </a:p>
-        </p:txBody>
-      </p:sp>
+        </p:nvPicPr>
+        <p:blipFill>
+          <a:blip r:embed="rId2"/>
+          <a:stretch>
+            <a:fillRect/>
+          </a:stretch>
+        </p:blipFill>
+        <p:spPr>
+          <a:xfrm>
+            <a:off x="3709398" y="818061"/>
+            <a:ext cx="3819525" cy="2390775"/>
+          </a:xfrm>
+          <a:prstGeom prst="rect">
+            <a:avLst/>
+          </a:prstGeom>
+        </p:spPr>
+      </p:pic>
+      <p:pic>
+        <p:nvPicPr>
+          <p:cNvPr id="9" name="Picture 8"/>
+          <p:cNvPicPr>
+            <a:picLocks noChangeAspect="1"/>
+          </p:cNvPicPr>
+          <p:nvPr/>
+        </p:nvPicPr>
+        <p:blipFill>
+          <a:blip r:embed="rId3"/>
+          <a:stretch>
+            <a:fillRect/>
+          </a:stretch>
+        </p:blipFill>
+        <p:spPr>
+          <a:xfrm>
+            <a:off x="5973263" y="3424428"/>
+            <a:ext cx="3981450" cy="1466850"/>
+          </a:xfrm>
+          <a:prstGeom prst="rect">
+            <a:avLst/>
+          </a:prstGeom>
+        </p:spPr>
+      </p:pic>
+      <p:cxnSp>
+        <p:nvCxnSpPr>
+          <p:cNvPr id="11" name="Straight Arrow Connector 10"/>
+          <p:cNvCxnSpPr/>
+          <p:nvPr/>
+        </p:nvCxnSpPr>
+        <p:spPr>
+          <a:xfrm>
+            <a:off x="4963886" y="2429691"/>
+            <a:ext cx="1828800" cy="2194560"/>
+          </a:xfrm>
+          <a:prstGeom prst="straightConnector1">
+            <a:avLst/>
+          </a:prstGeom>
+          <a:ln w="38100">
+            <a:tailEnd type="triangle"/>
+          </a:ln>
+        </p:spPr>
+        <p:style>
+          <a:lnRef idx="1">
+            <a:schemeClr val="accent1"/>
+          </a:lnRef>
+          <a:fillRef idx="0">
+            <a:schemeClr val="accent1"/>
+          </a:fillRef>
+          <a:effectRef idx="0">
+            <a:schemeClr val="accent1"/>
+          </a:effectRef>
+          <a:fontRef idx="minor">
+            <a:schemeClr val="tx1"/>
+          </a:fontRef>
+        </p:style>
+      </p:cxnSp>
+      <p:cxnSp>
+        <p:nvCxnSpPr>
+          <p:cNvPr id="14" name="Straight Arrow Connector 13"/>
+          <p:cNvCxnSpPr/>
+          <p:nvPr/>
+        </p:nvCxnSpPr>
+        <p:spPr>
+          <a:xfrm>
+            <a:off x="6191794" y="1528354"/>
+            <a:ext cx="2704012" cy="2132131"/>
+          </a:xfrm>
+          <a:prstGeom prst="straightConnector1">
+            <a:avLst/>
+          </a:prstGeom>
+          <a:ln w="38100">
+            <a:tailEnd type="triangle"/>
+          </a:ln>
+        </p:spPr>
+        <p:style>
+          <a:lnRef idx="1">
+            <a:schemeClr val="accent1"/>
+          </a:lnRef>
+          <a:fillRef idx="0">
+            <a:schemeClr val="accent1"/>
+          </a:fillRef>
+          <a:effectRef idx="0">
+            <a:schemeClr val="accent1"/>
+          </a:effectRef>
+          <a:fontRef idx="minor">
+            <a:schemeClr val="tx1"/>
+          </a:fontRef>
+        </p:style>
+      </p:cxnSp>
+      <p:cxnSp>
+        <p:nvCxnSpPr>
+          <p:cNvPr id="17" name="Straight Arrow Connector 16"/>
+          <p:cNvCxnSpPr/>
+          <p:nvPr/>
+        </p:nvCxnSpPr>
+        <p:spPr>
+          <a:xfrm>
+            <a:off x="5973263" y="3108960"/>
+            <a:ext cx="1990725" cy="649849"/>
+          </a:xfrm>
+          <a:prstGeom prst="straightConnector1">
+            <a:avLst/>
+          </a:prstGeom>
+          <a:ln w="38100">
+            <a:tailEnd type="triangle"/>
+          </a:ln>
+        </p:spPr>
+        <p:style>
+          <a:lnRef idx="1">
+            <a:schemeClr val="accent1"/>
+          </a:lnRef>
+          <a:fillRef idx="0">
+            <a:schemeClr val="accent1"/>
+          </a:fillRef>
+          <a:effectRef idx="0">
+            <a:schemeClr val="accent1"/>
+          </a:effectRef>
+          <a:fontRef idx="minor">
+            <a:schemeClr val="tx1"/>
+          </a:fontRef>
+        </p:style>
+      </p:cxnSp>
     </p:spTree>
     <p:extLst>
       <p:ext uri="{BB962C8B-B14F-4D97-AF65-F5344CB8AC3E}">
-        <p14:creationId xmlns:p14="http://schemas.microsoft.com/office/powerpoint/2010/main" val="2146841517"/>
+        <p14:creationId xmlns:p14="http://schemas.microsoft.com/office/powerpoint/2010/main" val="1805169406"/>
       </p:ext>
     </p:extLst>
   </p:cSld>
@@ -3642,6 +3894,11 @@
 <file path=ppt/slides/slide12.xml><?xml version="1.0" encoding="utf-8"?>
 <p:sld xmlns:a="http://schemas.openxmlformats.org/drawingml/2006/main" xmlns:r="http://schemas.openxmlformats.org/officeDocument/2006/relationships" xmlns:p="http://schemas.openxmlformats.org/presentationml/2006/main">
   <p:cSld>
+    <p:bg>
+      <p:bgRef idx="1001">
+        <a:schemeClr val="bg1"/>
+      </p:bgRef>
+    </p:bg>
     <p:spTree>
       <p:nvGrpSpPr>
         <p:cNvPr id="1" name=""/>
@@ -3673,6 +3930,115 @@
           <a:p>
             <a:r>
               <a:rPr lang="en-US" dirty="0" smtClean="0"/>
+              <a:t>Two - Way Data binding</a:t>
+            </a:r>
+            <a:endParaRPr lang="en-US" dirty="0"/>
+          </a:p>
+        </p:txBody>
+      </p:sp>
+      <p:sp>
+        <p:nvSpPr>
+          <p:cNvPr id="3" name="Content Placeholder 2"/>
+          <p:cNvSpPr>
+            <a:spLocks noGrp="1"/>
+          </p:cNvSpPr>
+          <p:nvPr>
+            <p:ph idx="1"/>
+          </p:nvPr>
+        </p:nvSpPr>
+        <p:spPr/>
+        <p:txBody>
+          <a:bodyPr/>
+          <a:lstStyle/>
+          <a:p>
+            <a:r>
+              <a:rPr lang="en-US" sz="2400" dirty="0">
+                <a:solidFill>
+                  <a:schemeClr val="tx1"/>
+                </a:solidFill>
+              </a:rPr>
+              <a:t>Keeps the model and view in sync.</a:t>
+            </a:r>
+          </a:p>
+          <a:p>
+            <a:r>
+              <a:rPr lang="en-US" sz="2400" dirty="0">
+                <a:solidFill>
+                  <a:schemeClr val="tx1"/>
+                </a:solidFill>
+              </a:rPr>
+              <a:t>ng-model directive is used to bind the data to model.</a:t>
+            </a:r>
+          </a:p>
+          <a:p>
+            <a:endParaRPr lang="en-US" sz="2400" dirty="0">
+              <a:solidFill>
+                <a:schemeClr val="tx1"/>
+              </a:solidFill>
+            </a:endParaRPr>
+          </a:p>
+          <a:p>
+            <a:endParaRPr lang="en-US" dirty="0"/>
+          </a:p>
+        </p:txBody>
+      </p:sp>
+    </p:spTree>
+    <p:extLst>
+      <p:ext uri="{BB962C8B-B14F-4D97-AF65-F5344CB8AC3E}">
+        <p14:creationId xmlns:p14="http://schemas.microsoft.com/office/powerpoint/2010/main" val="2146841517"/>
+      </p:ext>
+    </p:extLst>
+  </p:cSld>
+  <p:clrMapOvr>
+    <a:overrideClrMapping bg1="lt1" tx1="dk1" bg2="lt2" tx2="dk2" accent1="accent1" accent2="accent2" accent3="accent3" accent4="accent4" accent5="accent5" accent6="accent6" hlink="hlink" folHlink="folHlink"/>
+  </p:clrMapOvr>
+  <p:transition spd="slow">
+    <p:push dir="u"/>
+  </p:transition>
+  <p:timing>
+    <p:tnLst>
+      <p:par>
+        <p:cTn id="1" dur="indefinite" restart="never" nodeType="tmRoot"/>
+      </p:par>
+    </p:tnLst>
+  </p:timing>
+</p:sld>
+</file>
+
+<file path=ppt/slides/slide13.xml><?xml version="1.0" encoding="utf-8"?>
+<p:sld xmlns:a="http://schemas.openxmlformats.org/drawingml/2006/main" xmlns:r="http://schemas.openxmlformats.org/officeDocument/2006/relationships" xmlns:p="http://schemas.openxmlformats.org/presentationml/2006/main">
+  <p:cSld>
+    <p:spTree>
+      <p:nvGrpSpPr>
+        <p:cNvPr id="1" name=""/>
+        <p:cNvGrpSpPr/>
+        <p:nvPr/>
+      </p:nvGrpSpPr>
+      <p:grpSpPr>
+        <a:xfrm>
+          <a:off x="0" y="0"/>
+          <a:ext cx="0" cy="0"/>
+          <a:chOff x="0" y="0"/>
+          <a:chExt cx="0" cy="0"/>
+        </a:xfrm>
+      </p:grpSpPr>
+      <p:sp>
+        <p:nvSpPr>
+          <p:cNvPr id="2" name="Title 1"/>
+          <p:cNvSpPr>
+            <a:spLocks noGrp="1"/>
+          </p:cNvSpPr>
+          <p:nvPr>
+            <p:ph type="title"/>
+          </p:nvPr>
+        </p:nvSpPr>
+        <p:spPr/>
+        <p:txBody>
+          <a:bodyPr/>
+          <a:lstStyle/>
+          <a:p>
+            <a:r>
+              <a:rPr lang="en-US" dirty="0" smtClean="0"/>
               <a:t>Routing</a:t>
             </a:r>
             <a:endParaRPr lang="en-US" dirty="0"/>
@@ -3692,20 +4058,128 @@
         <p:spPr/>
         <p:txBody>
           <a:bodyPr>
-            <a:normAutofit fontScale="85000" lnSpcReduction="20000"/>
+            <a:normAutofit fontScale="62500" lnSpcReduction="20000"/>
           </a:bodyPr>
           <a:lstStyle/>
           <a:p>
-            <a:r>
-              <a:rPr lang="en-US" sz="2600" dirty="0"/>
-              <a:t>Angular JS is commonly used for Creating Single Page Applications or SPA</a:t>
-            </a:r>
-          </a:p>
-          <a:p>
-            <a:r>
-              <a:rPr lang="en-US" sz="2600" dirty="0"/>
-              <a:t>The routing is done in angular JS using the ng route module </a:t>
-            </a:r>
+            <a:pPr>
+              <a:lnSpc>
+                <a:spcPct val="110000"/>
+              </a:lnSpc>
+            </a:pPr>
+            <a:r>
+              <a:rPr lang="en-US" sz="3800" dirty="0">
+                <a:solidFill>
+                  <a:schemeClr val="tx1"/>
+                </a:solidFill>
+              </a:rPr>
+              <a:t>The </a:t>
+            </a:r>
+            <a:r>
+              <a:rPr lang="en-US" sz="3800" dirty="0">
+                <a:solidFill>
+                  <a:schemeClr val="tx1"/>
+                </a:solidFill>
+              </a:rPr>
+              <a:t>routing is done in angular JS using the ng route module. </a:t>
+            </a:r>
+            <a:endParaRPr lang="en-US" sz="3800" dirty="0">
+              <a:solidFill>
+                <a:schemeClr val="tx1"/>
+              </a:solidFill>
+            </a:endParaRPr>
+          </a:p>
+          <a:p>
+            <a:pPr>
+              <a:lnSpc>
+                <a:spcPct val="110000"/>
+              </a:lnSpc>
+            </a:pPr>
+            <a:r>
+              <a:rPr lang="en-US" sz="3800" dirty="0">
+                <a:solidFill>
+                  <a:schemeClr val="tx1"/>
+                </a:solidFill>
+              </a:rPr>
+              <a:t>Include angular-route in your html  </a:t>
+            </a:r>
+            <a:r>
+              <a:rPr lang="en-US" sz="3800" dirty="0">
+                <a:solidFill>
+                  <a:schemeClr val="tx1"/>
+                </a:solidFill>
+                <a:hlinkClick r:id="rId2"/>
+              </a:rPr>
+              <a:t>https://</a:t>
+            </a:r>
+            <a:r>
+              <a:rPr lang="en-US" sz="3800" dirty="0">
+                <a:solidFill>
+                  <a:schemeClr val="tx1"/>
+                </a:solidFill>
+                <a:hlinkClick r:id="rId2"/>
+              </a:rPr>
+              <a:t>code.angularjs.org/1.7.8/angular-route.min.js</a:t>
+            </a:r>
+            <a:r>
+              <a:rPr lang="en-US" sz="3800" dirty="0">
+                <a:solidFill>
+                  <a:schemeClr val="tx1"/>
+                </a:solidFill>
+              </a:rPr>
+              <a:t>.</a:t>
+            </a:r>
+          </a:p>
+          <a:p>
+            <a:pPr>
+              <a:lnSpc>
+                <a:spcPct val="110000"/>
+              </a:lnSpc>
+            </a:pPr>
+            <a:r>
+              <a:rPr lang="en-US" sz="3800" dirty="0">
+                <a:solidFill>
+                  <a:schemeClr val="tx1"/>
+                </a:solidFill>
+              </a:rPr>
+              <a:t>Create routes.js and include it in your html</a:t>
+            </a:r>
+          </a:p>
+          <a:p>
+            <a:pPr>
+              <a:lnSpc>
+                <a:spcPct val="110000"/>
+              </a:lnSpc>
+            </a:pPr>
+            <a:r>
+              <a:rPr lang="en-US" sz="3800" dirty="0">
+                <a:solidFill>
+                  <a:schemeClr val="tx1"/>
+                </a:solidFill>
+              </a:rPr>
+              <a:t>Add </a:t>
+            </a:r>
+            <a:r>
+              <a:rPr lang="en-US" sz="3800" dirty="0" err="1">
+                <a:solidFill>
+                  <a:schemeClr val="tx1"/>
+                </a:solidFill>
+              </a:rPr>
+              <a:t>ngRoute</a:t>
+            </a:r>
+            <a:r>
+              <a:rPr lang="en-US" sz="3800" dirty="0">
+                <a:solidFill>
+                  <a:schemeClr val="tx1"/>
+                </a:solidFill>
+              </a:rPr>
+              <a:t> dependency to your module. </a:t>
+            </a:r>
+            <a:endParaRPr lang="en-US" sz="3800" dirty="0">
+              <a:solidFill>
+                <a:schemeClr val="tx1"/>
+              </a:solidFill>
+            </a:endParaRPr>
           </a:p>
           <a:p>
             <a:pPr marL="0" indent="0">
@@ -3715,263 +4189,80 @@
               <a:rPr lang="en-US" sz="2600" dirty="0" smtClean="0"/>
               <a:t>   </a:t>
             </a:r>
-            <a:r>
-              <a:rPr lang="en-US" sz="2600" dirty="0" err="1" smtClean="0"/>
-              <a:t>app.config</a:t>
-            </a:r>
+          </a:p>
+          <a:p>
+            <a:pPr marL="0" indent="0">
+              <a:buNone/>
+            </a:pPr>
+            <a:endParaRPr lang="en-US" sz="2600" dirty="0"/>
+          </a:p>
+          <a:p>
+            <a:pPr marL="0" indent="0">
+              <a:buNone/>
+            </a:pPr>
+            <a:endParaRPr lang="en-US" sz="2600" dirty="0" smtClean="0"/>
+          </a:p>
+          <a:p>
+            <a:pPr marL="0" indent="0">
+              <a:buNone/>
+            </a:pPr>
+            <a:endParaRPr lang="en-US" sz="2600" dirty="0"/>
+          </a:p>
+          <a:p>
+            <a:pPr marL="0" indent="0">
+              <a:buNone/>
+            </a:pPr>
+            <a:endParaRPr lang="en-US" sz="2600" dirty="0" smtClean="0"/>
+          </a:p>
+          <a:p>
+            <a:pPr marL="0" indent="0">
+              <a:buNone/>
+            </a:pPr>
+            <a:endParaRPr lang="en-US" sz="2600" dirty="0"/>
+          </a:p>
+          <a:p>
+            <a:pPr marL="0" indent="0">
+              <a:buNone/>
+            </a:pPr>
             <a:r>
               <a:rPr lang="en-US" sz="2600" dirty="0" smtClean="0"/>
-              <a:t>(function</a:t>
-            </a:r>
-            <a:r>
-              <a:rPr lang="en-US" sz="2600" dirty="0"/>
-              <a:t>($</a:t>
-            </a:r>
-            <a:r>
-              <a:rPr lang="en-US" sz="2600" dirty="0" err="1"/>
-              <a:t>routeProvider</a:t>
-            </a:r>
-            <a:r>
-              <a:rPr lang="en-US" sz="2600" dirty="0"/>
-              <a:t>) {</a:t>
+              <a:t/>
             </a:r>
             <a:br>
-              <a:rPr lang="en-US" sz="2600" dirty="0"/>
+              <a:rPr lang="en-US" sz="2600" dirty="0" smtClean="0"/>
             </a:br>
             <a:r>
-              <a:rPr lang="en-US" sz="2600" dirty="0"/>
-              <a:t>  </a:t>
-            </a:r>
-            <a:r>
               <a:rPr lang="en-US" sz="2600" dirty="0" smtClean="0"/>
-              <a:t>  $</a:t>
-            </a:r>
-            <a:r>
-              <a:rPr lang="en-US" sz="2600" dirty="0" err="1"/>
-              <a:t>routeProvider</a:t>
-            </a:r>
-            <a:r>
-              <a:rPr lang="en-US" sz="2600" dirty="0"/>
-              <a:t/>
-            </a:r>
-            <a:br>
-              <a:rPr lang="en-US" sz="2600" dirty="0"/>
-            </a:br>
-            <a:r>
-              <a:rPr lang="en-US" sz="2600" dirty="0"/>
-              <a:t>  </a:t>
-            </a:r>
-            <a:r>
-              <a:rPr lang="en-US" sz="2600" dirty="0" smtClean="0"/>
-              <a:t>   .</a:t>
-            </a:r>
-            <a:r>
-              <a:rPr lang="en-US" sz="2600" dirty="0"/>
-              <a:t>when("/", {</a:t>
-            </a:r>
-            <a:br>
-              <a:rPr lang="en-US" sz="2600" dirty="0"/>
-            </a:br>
-            <a:r>
-              <a:rPr lang="en-US" sz="2600" dirty="0"/>
-              <a:t>    </a:t>
-            </a:r>
-            <a:r>
-              <a:rPr lang="en-US" sz="2600" dirty="0" smtClean="0"/>
-              <a:t>  </a:t>
-            </a:r>
-            <a:r>
-              <a:rPr lang="en-US" sz="2600" dirty="0" err="1" smtClean="0"/>
-              <a:t>templateUrl</a:t>
-            </a:r>
-            <a:r>
-              <a:rPr lang="en-US" sz="2600" dirty="0" smtClean="0"/>
-              <a:t> </a:t>
-            </a:r>
-            <a:r>
-              <a:rPr lang="en-US" sz="2600" dirty="0"/>
-              <a:t>: "main.htm"</a:t>
-            </a:r>
-            <a:br>
-              <a:rPr lang="en-US" sz="2600" dirty="0"/>
-            </a:br>
-            <a:r>
-              <a:rPr lang="en-US" sz="2600" dirty="0"/>
-              <a:t>  </a:t>
-            </a:r>
-            <a:r>
-              <a:rPr lang="en-US" sz="2600" dirty="0" smtClean="0"/>
-              <a:t>   })</a:t>
-            </a:r>
-            <a:r>
-              <a:rPr lang="en-US" sz="2600" dirty="0"/>
-              <a:t/>
-            </a:r>
-            <a:br>
-              <a:rPr lang="en-US" sz="2600" dirty="0"/>
-            </a:br>
-            <a:r>
-              <a:rPr lang="en-US" sz="2600" dirty="0"/>
-              <a:t>  </a:t>
-            </a:r>
-            <a:r>
-              <a:rPr lang="en-US" sz="2600" dirty="0" smtClean="0"/>
-              <a:t>   .</a:t>
-            </a:r>
-            <a:r>
-              <a:rPr lang="en-US" sz="2600" dirty="0"/>
-              <a:t>when("/red", {</a:t>
-            </a:r>
-            <a:br>
-              <a:rPr lang="en-US" sz="2600" dirty="0"/>
-            </a:br>
-            <a:r>
-              <a:rPr lang="en-US" sz="2600" dirty="0"/>
-              <a:t>    </a:t>
-            </a:r>
-            <a:r>
-              <a:rPr lang="en-US" sz="2600" dirty="0" smtClean="0"/>
-              <a:t>  </a:t>
-            </a:r>
-            <a:r>
-              <a:rPr lang="en-US" sz="2600" dirty="0" err="1" smtClean="0"/>
-              <a:t>templateUrl</a:t>
-            </a:r>
-            <a:r>
-              <a:rPr lang="en-US" sz="2600" dirty="0" smtClean="0"/>
-              <a:t> </a:t>
-            </a:r>
-            <a:r>
-              <a:rPr lang="en-US" sz="2600" dirty="0"/>
-              <a:t>: "red.htm"</a:t>
-            </a:r>
-            <a:br>
-              <a:rPr lang="en-US" sz="2600" dirty="0"/>
-            </a:br>
-            <a:r>
-              <a:rPr lang="en-US" sz="2600" dirty="0"/>
-              <a:t>  </a:t>
-            </a:r>
-            <a:r>
-              <a:rPr lang="en-US" sz="2600" dirty="0" smtClean="0"/>
-              <a:t>  })</a:t>
-            </a:r>
-            <a:r>
-              <a:rPr lang="en-US" sz="2600" dirty="0"/>
-              <a:t/>
-            </a:r>
-            <a:br>
-              <a:rPr lang="en-US" sz="2600" dirty="0"/>
-            </a:br>
-            <a:r>
-              <a:rPr lang="en-US" sz="2600" dirty="0"/>
-              <a:t>  </a:t>
-            </a:r>
-            <a:r>
-              <a:rPr lang="en-US" sz="2600" dirty="0" smtClean="0"/>
-              <a:t>  .</a:t>
-            </a:r>
-            <a:r>
-              <a:rPr lang="en-US" sz="2600" dirty="0"/>
-              <a:t>when("/green", {</a:t>
-            </a:r>
-            <a:br>
-              <a:rPr lang="en-US" sz="2600" dirty="0"/>
-            </a:br>
-            <a:r>
-              <a:rPr lang="en-US" sz="2600" dirty="0"/>
-              <a:t>    </a:t>
-            </a:r>
-            <a:r>
-              <a:rPr lang="en-US" sz="2600" dirty="0" smtClean="0"/>
-              <a:t> </a:t>
-            </a:r>
-            <a:r>
-              <a:rPr lang="en-US" sz="2600" dirty="0" err="1" smtClean="0"/>
-              <a:t>templateUrl</a:t>
-            </a:r>
-            <a:r>
-              <a:rPr lang="en-US" sz="2600" dirty="0" smtClean="0"/>
-              <a:t> </a:t>
-            </a:r>
-            <a:r>
-              <a:rPr lang="en-US" sz="2600" dirty="0"/>
-              <a:t>: "green.htm"</a:t>
-            </a:r>
-            <a:br>
-              <a:rPr lang="en-US" sz="2600" dirty="0"/>
-            </a:br>
-            <a:r>
-              <a:rPr lang="en-US" sz="2600" dirty="0"/>
-              <a:t>  </a:t>
-            </a:r>
-            <a:r>
-              <a:rPr lang="en-US" sz="2600" dirty="0" smtClean="0"/>
-              <a:t>  })</a:t>
-            </a:r>
-            <a:r>
-              <a:rPr lang="en-US" sz="2600" dirty="0"/>
-              <a:t/>
-            </a:r>
-            <a:br>
-              <a:rPr lang="en-US" sz="2600" dirty="0"/>
-            </a:br>
-            <a:r>
-              <a:rPr lang="en-US" sz="2600" dirty="0"/>
-              <a:t>  </a:t>
-            </a:r>
-            <a:r>
-              <a:rPr lang="en-US" sz="2600" dirty="0" smtClean="0"/>
-              <a:t>  .</a:t>
-            </a:r>
-            <a:r>
-              <a:rPr lang="en-US" sz="2600" dirty="0"/>
-              <a:t>when("/blue", {</a:t>
-            </a:r>
-            <a:br>
-              <a:rPr lang="en-US" sz="2600" dirty="0"/>
-            </a:br>
-            <a:r>
-              <a:rPr lang="en-US" sz="2600" dirty="0"/>
-              <a:t>    </a:t>
-            </a:r>
-            <a:r>
-              <a:rPr lang="en-US" sz="2600" dirty="0" err="1"/>
-              <a:t>templateUrl</a:t>
-            </a:r>
-            <a:r>
-              <a:rPr lang="en-US" sz="2600" dirty="0"/>
-              <a:t> : "blue.htm"</a:t>
-            </a:r>
-            <a:br>
-              <a:rPr lang="en-US" sz="2600" dirty="0"/>
-            </a:br>
-            <a:r>
-              <a:rPr lang="en-US" sz="2600" dirty="0"/>
-              <a:t>  </a:t>
-            </a:r>
-            <a:r>
-              <a:rPr lang="en-US" sz="2600" dirty="0" smtClean="0"/>
-              <a:t> });</a:t>
-            </a:r>
-            <a:r>
-              <a:rPr lang="en-US" sz="2600" dirty="0"/>
-              <a:t/>
-            </a:r>
-            <a:br>
-              <a:rPr lang="en-US" sz="2600" dirty="0"/>
-            </a:br>
-            <a:r>
-              <a:rPr lang="en-US" sz="2600" dirty="0" smtClean="0"/>
-              <a:t> });</a:t>
-            </a:r>
-            <a:endParaRPr lang="en-US" sz="2600" dirty="0"/>
-          </a:p>
-          <a:p>
-            <a:endParaRPr lang="en-US" dirty="0"/>
-          </a:p>
-        </p:txBody>
-      </p:sp>
+              <a:t> </a:t>
+            </a:r>
+            <a:endParaRPr lang="en-US" dirty="0"/>
+          </a:p>
+        </p:txBody>
+      </p:sp>
+      <p:pic>
+        <p:nvPicPr>
+          <p:cNvPr id="5" name="Picture 4"/>
+          <p:cNvPicPr>
+            <a:picLocks noChangeAspect="1"/>
+          </p:cNvPicPr>
+          <p:nvPr/>
+        </p:nvPicPr>
+        <p:blipFill>
+          <a:blip r:embed="rId3"/>
+          <a:stretch>
+            <a:fillRect/>
+          </a:stretch>
+        </p:blipFill>
+        <p:spPr>
+          <a:xfrm>
+            <a:off x="4153173" y="3424428"/>
+            <a:ext cx="4733925" cy="3067050"/>
+          </a:xfrm>
+          <a:prstGeom prst="rect">
+            <a:avLst/>
+          </a:prstGeom>
+        </p:spPr>
+      </p:pic>
     </p:spTree>
     <p:extLst>
       <p:ext uri="{BB962C8B-B14F-4D97-AF65-F5344CB8AC3E}">
@@ -3995,6 +4286,418 @@
 </p:sld>
 </file>
 
+<file path=ppt/slides/slide14.xml><?xml version="1.0" encoding="utf-8"?>
+<p:sld xmlns:a="http://schemas.openxmlformats.org/drawingml/2006/main" xmlns:r="http://schemas.openxmlformats.org/officeDocument/2006/relationships" xmlns:p="http://schemas.openxmlformats.org/presentationml/2006/main">
+  <p:cSld>
+    <p:spTree>
+      <p:nvGrpSpPr>
+        <p:cNvPr id="1" name=""/>
+        <p:cNvGrpSpPr/>
+        <p:nvPr/>
+      </p:nvGrpSpPr>
+      <p:grpSpPr>
+        <a:xfrm>
+          <a:off x="0" y="0"/>
+          <a:ext cx="0" cy="0"/>
+          <a:chOff x="0" y="0"/>
+          <a:chExt cx="0" cy="0"/>
+        </a:xfrm>
+      </p:grpSpPr>
+      <p:sp>
+        <p:nvSpPr>
+          <p:cNvPr id="2" name="Title 1"/>
+          <p:cNvSpPr>
+            <a:spLocks noGrp="1"/>
+          </p:cNvSpPr>
+          <p:nvPr>
+            <p:ph type="title"/>
+          </p:nvPr>
+        </p:nvSpPr>
+        <p:spPr/>
+        <p:txBody>
+          <a:bodyPr/>
+          <a:lstStyle/>
+          <a:p>
+            <a:r>
+              <a:rPr lang="en-US" dirty="0" smtClean="0"/>
+              <a:t>How to invoke APIs</a:t>
+            </a:r>
+            <a:endParaRPr lang="en-US" dirty="0"/>
+          </a:p>
+        </p:txBody>
+      </p:sp>
+      <p:sp>
+        <p:nvSpPr>
+          <p:cNvPr id="3" name="Content Placeholder 2"/>
+          <p:cNvSpPr>
+            <a:spLocks noGrp="1"/>
+          </p:cNvSpPr>
+          <p:nvPr>
+            <p:ph idx="1"/>
+          </p:nvPr>
+        </p:nvSpPr>
+        <p:spPr/>
+        <p:txBody>
+          <a:bodyPr/>
+          <a:lstStyle/>
+          <a:p>
+            <a:r>
+              <a:rPr lang="en-US" dirty="0" smtClean="0"/>
+              <a:t>Angular Factory is used to  </a:t>
+            </a:r>
+            <a:endParaRPr lang="en-US" dirty="0"/>
+          </a:p>
+        </p:txBody>
+      </p:sp>
+    </p:spTree>
+    <p:extLst>
+      <p:ext uri="{BB962C8B-B14F-4D97-AF65-F5344CB8AC3E}">
+        <p14:creationId xmlns:p14="http://schemas.microsoft.com/office/powerpoint/2010/main" val="1980359767"/>
+      </p:ext>
+    </p:extLst>
+  </p:cSld>
+  <p:clrMapOvr>
+    <a:masterClrMapping/>
+  </p:clrMapOvr>
+  <p:timing>
+    <p:tnLst>
+      <p:par>
+        <p:cTn id="1" dur="indefinite" restart="never" nodeType="tmRoot"/>
+      </p:par>
+    </p:tnLst>
+  </p:timing>
+</p:sld>
+</file>
+
+<file path=ppt/slides/slide15.xml><?xml version="1.0" encoding="utf-8"?>
+<p:sld xmlns:a="http://schemas.openxmlformats.org/drawingml/2006/main" xmlns:r="http://schemas.openxmlformats.org/officeDocument/2006/relationships" xmlns:p="http://schemas.openxmlformats.org/presentationml/2006/main">
+  <p:cSld>
+    <p:spTree>
+      <p:nvGrpSpPr>
+        <p:cNvPr id="1" name=""/>
+        <p:cNvGrpSpPr/>
+        <p:nvPr/>
+      </p:nvGrpSpPr>
+      <p:grpSpPr>
+        <a:xfrm>
+          <a:off x="0" y="0"/>
+          <a:ext cx="0" cy="0"/>
+          <a:chOff x="0" y="0"/>
+          <a:chExt cx="0" cy="0"/>
+        </a:xfrm>
+      </p:grpSpPr>
+      <p:sp>
+        <p:nvSpPr>
+          <p:cNvPr id="2" name="Title 1"/>
+          <p:cNvSpPr>
+            <a:spLocks noGrp="1"/>
+          </p:cNvSpPr>
+          <p:nvPr>
+            <p:ph type="title"/>
+          </p:nvPr>
+        </p:nvSpPr>
+        <p:spPr/>
+        <p:txBody>
+          <a:bodyPr/>
+          <a:lstStyle/>
+          <a:p>
+            <a:r>
+              <a:rPr lang="en-US" dirty="0" smtClean="0"/>
+              <a:t>Deploy App</a:t>
+            </a:r>
+            <a:endParaRPr lang="en-US" dirty="0"/>
+          </a:p>
+        </p:txBody>
+      </p:sp>
+      <p:sp>
+        <p:nvSpPr>
+          <p:cNvPr id="3" name="Content Placeholder 2"/>
+          <p:cNvSpPr>
+            <a:spLocks noGrp="1"/>
+          </p:cNvSpPr>
+          <p:nvPr>
+            <p:ph idx="1"/>
+          </p:nvPr>
+        </p:nvSpPr>
+        <p:spPr/>
+        <p:txBody>
+          <a:bodyPr/>
+          <a:lstStyle/>
+          <a:p>
+            <a:r>
+              <a:rPr lang="en-US" dirty="0" smtClean="0"/>
+              <a:t>Node </a:t>
+            </a:r>
+            <a:r>
+              <a:rPr lang="en-US" dirty="0" err="1" smtClean="0"/>
+              <a:t>js</a:t>
+            </a:r>
+            <a:r>
+              <a:rPr lang="en-US" smtClean="0"/>
+              <a:t> </a:t>
+            </a:r>
+            <a:endParaRPr lang="en-US"/>
+          </a:p>
+        </p:txBody>
+      </p:sp>
+    </p:spTree>
+    <p:extLst>
+      <p:ext uri="{BB962C8B-B14F-4D97-AF65-F5344CB8AC3E}">
+        <p14:creationId xmlns:p14="http://schemas.microsoft.com/office/powerpoint/2010/main" val="2877315175"/>
+      </p:ext>
+    </p:extLst>
+  </p:cSld>
+  <p:clrMapOvr>
+    <a:masterClrMapping/>
+  </p:clrMapOvr>
+</p:sld>
+</file>
+
+<file path=ppt/slides/slide16.xml><?xml version="1.0" encoding="utf-8"?>
+<p:sld xmlns:a="http://schemas.openxmlformats.org/drawingml/2006/main" xmlns:r="http://schemas.openxmlformats.org/officeDocument/2006/relationships" xmlns:p="http://schemas.openxmlformats.org/presentationml/2006/main">
+  <p:cSld>
+    <p:spTree>
+      <p:nvGrpSpPr>
+        <p:cNvPr id="1" name=""/>
+        <p:cNvGrpSpPr/>
+        <p:nvPr/>
+      </p:nvGrpSpPr>
+      <p:grpSpPr>
+        <a:xfrm>
+          <a:off x="0" y="0"/>
+          <a:ext cx="0" cy="0"/>
+          <a:chOff x="0" y="0"/>
+          <a:chExt cx="0" cy="0"/>
+        </a:xfrm>
+      </p:grpSpPr>
+      <p:sp>
+        <p:nvSpPr>
+          <p:cNvPr id="2" name="Title 1"/>
+          <p:cNvSpPr>
+            <a:spLocks noGrp="1"/>
+          </p:cNvSpPr>
+          <p:nvPr>
+            <p:ph type="title"/>
+          </p:nvPr>
+        </p:nvSpPr>
+        <p:spPr/>
+        <p:txBody>
+          <a:bodyPr/>
+          <a:lstStyle/>
+          <a:p>
+            <a:r>
+              <a:rPr lang="en-US" dirty="0" smtClean="0"/>
+              <a:t>References</a:t>
+            </a:r>
+            <a:endParaRPr lang="en-US" dirty="0"/>
+          </a:p>
+        </p:txBody>
+      </p:sp>
+      <p:sp>
+        <p:nvSpPr>
+          <p:cNvPr id="3" name="Content Placeholder 2"/>
+          <p:cNvSpPr>
+            <a:spLocks noGrp="1"/>
+          </p:cNvSpPr>
+          <p:nvPr>
+            <p:ph idx="1"/>
+          </p:nvPr>
+        </p:nvSpPr>
+        <p:spPr/>
+        <p:txBody>
+          <a:bodyPr>
+            <a:normAutofit/>
+          </a:bodyPr>
+          <a:lstStyle/>
+          <a:p>
+            <a:r>
+              <a:rPr lang="en-US" sz="2400" dirty="0">
+                <a:hlinkClick r:id="rId2"/>
+              </a:rPr>
+              <a:t>A Conceptual Introduction to AngularJS</a:t>
+            </a:r>
+            <a:endParaRPr lang="en-US" sz="2400" dirty="0"/>
+          </a:p>
+          <a:p>
+            <a:r>
+              <a:rPr lang="en-US" sz="2400" dirty="0">
+                <a:hlinkClick r:id="rId3"/>
+              </a:rPr>
+              <a:t>https://angular.io</a:t>
+            </a:r>
+            <a:r>
+              <a:rPr lang="en-US" sz="2400" dirty="0" smtClean="0">
+                <a:hlinkClick r:id="rId3"/>
+              </a:rPr>
+              <a:t>/</a:t>
+            </a:r>
+            <a:r>
+              <a:rPr lang="en-US" sz="2400" dirty="0" smtClean="0"/>
+              <a:t>.</a:t>
+            </a:r>
+          </a:p>
+          <a:p>
+            <a:endParaRPr lang="en-US" sz="2400" dirty="0"/>
+          </a:p>
+        </p:txBody>
+      </p:sp>
+    </p:spTree>
+    <p:extLst>
+      <p:ext uri="{BB962C8B-B14F-4D97-AF65-F5344CB8AC3E}">
+        <p14:creationId xmlns:p14="http://schemas.microsoft.com/office/powerpoint/2010/main" val="2640555480"/>
+      </p:ext>
+    </p:extLst>
+  </p:cSld>
+  <p:clrMapOvr>
+    <a:masterClrMapping/>
+  </p:clrMapOvr>
+</p:sld>
+</file>
+
+<file path=ppt/slides/slide17.xml><?xml version="1.0" encoding="utf-8"?>
+<p:sld xmlns:a="http://schemas.openxmlformats.org/drawingml/2006/main" xmlns:r="http://schemas.openxmlformats.org/officeDocument/2006/relationships" xmlns:p="http://schemas.openxmlformats.org/presentationml/2006/main">
+  <p:cSld>
+    <p:spTree>
+      <p:nvGrpSpPr>
+        <p:cNvPr id="1" name=""/>
+        <p:cNvGrpSpPr/>
+        <p:nvPr/>
+      </p:nvGrpSpPr>
+      <p:grpSpPr>
+        <a:xfrm>
+          <a:off x="0" y="0"/>
+          <a:ext cx="0" cy="0"/>
+          <a:chOff x="0" y="0"/>
+          <a:chExt cx="0" cy="0"/>
+        </a:xfrm>
+      </p:grpSpPr>
+      <p:sp>
+        <p:nvSpPr>
+          <p:cNvPr id="2" name="Title 1"/>
+          <p:cNvSpPr>
+            <a:spLocks noGrp="1"/>
+          </p:cNvSpPr>
+          <p:nvPr>
+            <p:ph type="ctrTitle"/>
+          </p:nvPr>
+        </p:nvSpPr>
+        <p:spPr/>
+        <p:txBody>
+          <a:bodyPr/>
+          <a:lstStyle/>
+          <a:p>
+            <a:r>
+              <a:rPr lang="en-US" dirty="0" smtClean="0"/>
+              <a:t>Any Questions?</a:t>
+            </a:r>
+            <a:endParaRPr lang="en-US" dirty="0"/>
+          </a:p>
+        </p:txBody>
+      </p:sp>
+      <p:sp>
+        <p:nvSpPr>
+          <p:cNvPr id="3" name="Subtitle 2"/>
+          <p:cNvSpPr>
+            <a:spLocks noGrp="1"/>
+          </p:cNvSpPr>
+          <p:nvPr>
+            <p:ph type="subTitle" idx="1"/>
+          </p:nvPr>
+        </p:nvSpPr>
+        <p:spPr/>
+        <p:txBody>
+          <a:bodyPr/>
+          <a:lstStyle/>
+          <a:p>
+            <a:endParaRPr lang="en-US"/>
+          </a:p>
+        </p:txBody>
+      </p:sp>
+    </p:spTree>
+    <p:extLst>
+      <p:ext uri="{BB962C8B-B14F-4D97-AF65-F5344CB8AC3E}">
+        <p14:creationId xmlns:p14="http://schemas.microsoft.com/office/powerpoint/2010/main" val="2403441843"/>
+      </p:ext>
+    </p:extLst>
+  </p:cSld>
+  <p:clrMapOvr>
+    <a:masterClrMapping/>
+  </p:clrMapOvr>
+</p:sld>
+</file>
+
+<file path=ppt/slides/slide18.xml><?xml version="1.0" encoding="utf-8"?>
+<p:sld xmlns:a="http://schemas.openxmlformats.org/drawingml/2006/main" xmlns:r="http://schemas.openxmlformats.org/officeDocument/2006/relationships" xmlns:p="http://schemas.openxmlformats.org/presentationml/2006/main">
+  <p:cSld>
+    <p:spTree>
+      <p:nvGrpSpPr>
+        <p:cNvPr id="1" name=""/>
+        <p:cNvGrpSpPr/>
+        <p:nvPr/>
+      </p:nvGrpSpPr>
+      <p:grpSpPr>
+        <a:xfrm>
+          <a:off x="0" y="0"/>
+          <a:ext cx="0" cy="0"/>
+          <a:chOff x="0" y="0"/>
+          <a:chExt cx="0" cy="0"/>
+        </a:xfrm>
+      </p:grpSpPr>
+      <p:sp>
+        <p:nvSpPr>
+          <p:cNvPr id="2" name="Title 1"/>
+          <p:cNvSpPr>
+            <a:spLocks noGrp="1"/>
+          </p:cNvSpPr>
+          <p:nvPr>
+            <p:ph type="ctrTitle"/>
+          </p:nvPr>
+        </p:nvSpPr>
+        <p:spPr/>
+        <p:txBody>
+          <a:bodyPr/>
+          <a:lstStyle/>
+          <a:p>
+            <a:r>
+              <a:rPr lang="en-US" dirty="0" smtClean="0"/>
+              <a:t>Thank you!!!!</a:t>
+            </a:r>
+            <a:endParaRPr lang="en-US" dirty="0"/>
+          </a:p>
+        </p:txBody>
+      </p:sp>
+      <p:sp>
+        <p:nvSpPr>
+          <p:cNvPr id="3" name="Subtitle 2"/>
+          <p:cNvSpPr>
+            <a:spLocks noGrp="1"/>
+          </p:cNvSpPr>
+          <p:nvPr>
+            <p:ph type="subTitle" idx="1"/>
+          </p:nvPr>
+        </p:nvSpPr>
+        <p:spPr/>
+        <p:txBody>
+          <a:bodyPr/>
+          <a:lstStyle/>
+          <a:p>
+            <a:endParaRPr lang="en-US"/>
+          </a:p>
+        </p:txBody>
+      </p:sp>
+    </p:spTree>
+    <p:extLst>
+      <p:ext uri="{BB962C8B-B14F-4D97-AF65-F5344CB8AC3E}">
+        <p14:creationId xmlns:p14="http://schemas.microsoft.com/office/powerpoint/2010/main" val="372981195"/>
+      </p:ext>
+    </p:extLst>
+  </p:cSld>
+  <p:clrMapOvr>
+    <a:masterClrMapping/>
+  </p:clrMapOvr>
+</p:sld>
+</file>
+
 <file path=ppt/slides/slide2.xml><?xml version="1.0" encoding="utf-8"?>
 <p:sld xmlns:a="http://schemas.openxmlformats.org/drawingml/2006/main" xmlns:r="http://schemas.openxmlformats.org/officeDocument/2006/relationships" xmlns:p="http://schemas.openxmlformats.org/presentationml/2006/main">
   <p:cSld>
@@ -4047,71 +4750,115 @@
         </p:nvSpPr>
         <p:spPr/>
         <p:txBody>
-          <a:bodyPr/>
-          <a:lstStyle/>
-          <a:p>
-            <a:r>
-              <a:rPr lang="en-US" sz="2400" dirty="0" smtClean="0"/>
+          <a:bodyPr>
+            <a:normAutofit/>
+          </a:bodyPr>
+          <a:lstStyle/>
+          <a:p>
+            <a:r>
+              <a:rPr lang="en-US" sz="2400" dirty="0">
+                <a:solidFill>
+                  <a:schemeClr val="tx1"/>
+                </a:solidFill>
+              </a:rPr>
               <a:t>Introduction to Angular JS.</a:t>
             </a:r>
           </a:p>
           <a:p>
             <a:r>
-              <a:rPr lang="en-US" sz="2400" dirty="0" smtClean="0"/>
+              <a:rPr lang="en-US" sz="2400" dirty="0">
+                <a:solidFill>
+                  <a:schemeClr val="tx1"/>
+                </a:solidFill>
+              </a:rPr>
               <a:t>Advantages of Angular JS.</a:t>
             </a:r>
           </a:p>
           <a:p>
             <a:r>
-              <a:rPr lang="en-US" sz="2400" dirty="0" smtClean="0"/>
+              <a:rPr lang="en-US" sz="2400" dirty="0">
+                <a:solidFill>
+                  <a:schemeClr val="tx1"/>
+                </a:solidFill>
+              </a:rPr>
               <a:t>App</a:t>
             </a:r>
           </a:p>
           <a:p>
             <a:r>
-              <a:rPr lang="en-US" sz="2400" dirty="0"/>
+              <a:rPr lang="en-US" sz="2400" dirty="0">
+                <a:solidFill>
+                  <a:schemeClr val="tx1"/>
+                </a:solidFill>
+              </a:rPr>
               <a:t>Directives.</a:t>
             </a:r>
-            <a:endParaRPr lang="en-US" sz="2400" dirty="0" smtClean="0"/>
-          </a:p>
-          <a:p>
-            <a:r>
-              <a:rPr lang="en-US" sz="2400" dirty="0" smtClean="0"/>
-              <a:t>Controllers</a:t>
-            </a:r>
-            <a:r>
-              <a:rPr lang="en-US" sz="2400" dirty="0" smtClean="0"/>
+            <a:endParaRPr lang="en-US" sz="2400" dirty="0">
+              <a:solidFill>
+                <a:schemeClr val="tx1"/>
+              </a:solidFill>
+            </a:endParaRPr>
+          </a:p>
+          <a:p>
+            <a:r>
+              <a:rPr lang="en-US" sz="2400" dirty="0">
+                <a:solidFill>
+                  <a:schemeClr val="tx1"/>
+                </a:solidFill>
+              </a:rPr>
+              <a:t>Controllers.</a:t>
+            </a:r>
+          </a:p>
+          <a:p>
+            <a:r>
+              <a:rPr lang="en-US" sz="2400" dirty="0">
+                <a:solidFill>
+                  <a:schemeClr val="tx1"/>
+                </a:solidFill>
+              </a:rPr>
+              <a:t>Routing.</a:t>
+            </a:r>
+          </a:p>
+          <a:p>
+            <a:r>
+              <a:rPr lang="en-US" sz="2400" dirty="0">
+                <a:solidFill>
+                  <a:schemeClr val="tx1"/>
+                </a:solidFill>
+              </a:rPr>
+              <a:t>Factory</a:t>
+            </a:r>
+            <a:r>
+              <a:rPr lang="en-US" sz="2400" dirty="0">
+                <a:solidFill>
+                  <a:schemeClr val="tx1"/>
+                </a:solidFill>
+              </a:rPr>
               <a:t>.</a:t>
             </a:r>
           </a:p>
           <a:p>
             <a:r>
-              <a:rPr lang="en-US" sz="2400" dirty="0" smtClean="0"/>
-              <a:t>Routing.</a:t>
-            </a:r>
-            <a:endParaRPr lang="en-US" sz="2400" dirty="0" smtClean="0"/>
-          </a:p>
-          <a:p>
-            <a:r>
-              <a:rPr lang="en-US" sz="2400" dirty="0" smtClean="0"/>
-              <a:t>Filters.</a:t>
-            </a:r>
-          </a:p>
-          <a:p>
-            <a:r>
-              <a:rPr lang="en-US" sz="2400" dirty="0" smtClean="0"/>
-              <a:t>Services.</a:t>
-            </a:r>
-          </a:p>
-          <a:p>
-            <a:r>
-              <a:rPr lang="en-US" sz="2400" dirty="0" smtClean="0"/>
-              <a:t>Factory.</a:t>
-            </a:r>
-            <a:endParaRPr lang="en-US" sz="2400" dirty="0" smtClean="0"/>
-          </a:p>
-          <a:p>
-            <a:endParaRPr lang="en-US" dirty="0"/>
+              <a:rPr lang="en-US" sz="2400" dirty="0">
+                <a:solidFill>
+                  <a:schemeClr val="tx1"/>
+                </a:solidFill>
+              </a:rPr>
+              <a:t>Custom Directives</a:t>
+            </a:r>
+            <a:r>
+              <a:rPr lang="en-US" sz="2400" dirty="0">
+                <a:solidFill>
+                  <a:schemeClr val="tx1"/>
+                </a:solidFill>
+              </a:rPr>
+              <a:t>.</a:t>
+            </a:r>
+            <a:endParaRPr lang="en-US" sz="2400" dirty="0">
+              <a:solidFill>
+                <a:schemeClr val="tx1"/>
+              </a:solidFill>
+            </a:endParaRPr>
           </a:p>
         </p:txBody>
       </p:sp>
@@ -4194,49 +4941,81 @@
           <a:lstStyle/>
           <a:p>
             <a:r>
-              <a:rPr lang="en-US" sz="2400" dirty="0" smtClean="0"/>
+              <a:rPr lang="en-US" sz="2400" dirty="0">
+                <a:solidFill>
+                  <a:schemeClr val="tx1"/>
+                </a:solidFill>
+              </a:rPr>
               <a:t>Angular JS is an open source JavaScript framework.</a:t>
             </a:r>
           </a:p>
           <a:p>
             <a:r>
-              <a:rPr lang="en-US" sz="2400" dirty="0" smtClean="0"/>
+              <a:rPr lang="en-US" sz="2400" dirty="0">
+                <a:solidFill>
+                  <a:schemeClr val="tx1"/>
+                </a:solidFill>
+              </a:rPr>
               <a:t>Developed  and maintained by Google.</a:t>
             </a:r>
           </a:p>
           <a:p>
             <a:r>
-              <a:rPr lang="en-US" sz="2400" dirty="0" smtClean="0"/>
+              <a:rPr lang="en-US" sz="2400" dirty="0">
+                <a:solidFill>
+                  <a:schemeClr val="tx1"/>
+                </a:solidFill>
+              </a:rPr>
               <a:t>It is based on Microsoft’s Typescript.</a:t>
             </a:r>
           </a:p>
           <a:p>
             <a:r>
-              <a:rPr lang="en-US" sz="2400" dirty="0"/>
+              <a:rPr lang="en-US" sz="2400" dirty="0">
+                <a:solidFill>
+                  <a:schemeClr val="tx1"/>
+                </a:solidFill>
+              </a:rPr>
               <a:t>Mainly used to build single page applications </a:t>
             </a:r>
-            <a:endParaRPr lang="en-US" sz="2400" dirty="0" smtClean="0"/>
-          </a:p>
-          <a:p>
-            <a:r>
-              <a:rPr lang="en-US" sz="2400" dirty="0"/>
+            <a:endParaRPr lang="en-US" sz="2400" dirty="0">
+              <a:solidFill>
+                <a:schemeClr val="tx1"/>
+              </a:solidFill>
+            </a:endParaRPr>
+          </a:p>
+          <a:p>
+            <a:r>
+              <a:rPr lang="en-US" sz="2400" dirty="0">
+                <a:solidFill>
+                  <a:schemeClr val="tx1"/>
+                </a:solidFill>
+              </a:rPr>
               <a:t>Angular brings traditionally </a:t>
             </a:r>
             <a:r>
-              <a:rPr lang="en-US" sz="2400" dirty="0" smtClean="0"/>
+              <a:rPr lang="en-US" sz="2400" dirty="0">
+                <a:solidFill>
+                  <a:schemeClr val="tx1"/>
+                </a:solidFill>
+              </a:rPr>
               <a:t>server-side</a:t>
             </a:r>
             <a:r>
-              <a:rPr lang="en-US" sz="2400" dirty="0"/>
+              <a:rPr lang="en-US" sz="2400" dirty="0">
+                <a:solidFill>
+                  <a:schemeClr val="tx1"/>
+                </a:solidFill>
+              </a:rPr>
               <a:t> services, such as view-dependent controllers, to client-side web applications. Consequently, much of the burden on the server can be </a:t>
             </a:r>
             <a:r>
-              <a:rPr lang="en-US" sz="2400" dirty="0" smtClean="0"/>
-              <a:t>reduced</a:t>
-            </a:r>
-            <a:r>
-              <a:rPr lang="en-US" dirty="0" smtClean="0"/>
-              <a:t>.</a:t>
+              <a:rPr lang="en-US" sz="2400" dirty="0">
+                <a:solidFill>
+                  <a:schemeClr val="tx1"/>
+                </a:solidFill>
+              </a:rPr>
+              <a:t>reduced.</a:t>
             </a:r>
           </a:p>
           <a:p>
@@ -4930,37 +5709,61 @@
           <a:lstStyle/>
           <a:p>
             <a:r>
-              <a:rPr lang="en-US" sz="2400" dirty="0" smtClean="0"/>
+              <a:rPr lang="en-US" sz="2400" dirty="0">
+                <a:solidFill>
+                  <a:schemeClr val="tx1"/>
+                </a:solidFill>
+              </a:rPr>
               <a:t>Addresses the challenges encountered in developing single page applications.</a:t>
             </a:r>
           </a:p>
           <a:p>
             <a:r>
-              <a:rPr lang="en-US" sz="2400" dirty="0" smtClean="0"/>
+              <a:rPr lang="en-US" sz="2400" dirty="0">
+                <a:solidFill>
+                  <a:schemeClr val="tx1"/>
+                </a:solidFill>
+              </a:rPr>
               <a:t>Can have easy DOM manipulations using directives.</a:t>
             </a:r>
           </a:p>
           <a:p>
             <a:r>
-              <a:rPr lang="en-US" sz="2400" dirty="0" smtClean="0"/>
+              <a:rPr lang="en-US" sz="2400" dirty="0">
+                <a:solidFill>
+                  <a:schemeClr val="tx1"/>
+                </a:solidFill>
+              </a:rPr>
               <a:t>Dependency injection.</a:t>
             </a:r>
           </a:p>
           <a:p>
             <a:r>
-              <a:rPr lang="en-US" sz="2400" dirty="0" smtClean="0"/>
+              <a:rPr lang="en-US" sz="2400" dirty="0">
+                <a:solidFill>
+                  <a:schemeClr val="tx1"/>
+                </a:solidFill>
+              </a:rPr>
               <a:t>Supports two way data binding.</a:t>
             </a:r>
           </a:p>
           <a:p>
             <a:r>
-              <a:rPr lang="en-US" sz="2400" dirty="0" smtClean="0"/>
+              <a:rPr lang="en-US" sz="2400" dirty="0">
+                <a:solidFill>
+                  <a:schemeClr val="tx1"/>
+                </a:solidFill>
+              </a:rPr>
               <a:t>Testing .</a:t>
             </a:r>
           </a:p>
           <a:p>
             <a:r>
-              <a:rPr lang="en-US" sz="2400" dirty="0" smtClean="0"/>
+              <a:rPr lang="en-US" sz="2400" dirty="0">
+                <a:solidFill>
+                  <a:schemeClr val="tx1"/>
+                </a:solidFill>
+              </a:rPr>
               <a:t>Very easy to develop MVC components.</a:t>
             </a:r>
           </a:p>
@@ -5049,9 +5852,16 @@
           </a:bodyPr>
           <a:lstStyle/>
           <a:p>
+            <a:endParaRPr lang="en-US" sz="2400" dirty="0" smtClean="0"/>
+          </a:p>
+          <a:p>
             <a:r>
               <a:rPr lang="en-US" sz="2400" dirty="0" smtClean="0"/>
-              <a:t>Download AngularJS  from </a:t>
+              <a:t>Download </a:t>
+            </a:r>
+            <a:r>
+              <a:rPr lang="en-US" sz="2400" dirty="0" smtClean="0"/>
+              <a:t>AngularJS  from </a:t>
             </a:r>
             <a:r>
               <a:rPr lang="en-US" sz="2400" b="1" dirty="0">
@@ -5060,24 +5870,196 @@
                 </a:solidFill>
                 <a:hlinkClick r:id="rId2"/>
               </a:rPr>
-              <a:t>https://angularjs.org/</a:t>
-            </a:r>
-            <a:endParaRPr lang="en-US" sz="2400" b="1" dirty="0" smtClean="0">
+              <a:t>https://angularjs.org</a:t>
+            </a:r>
+            <a:r>
+              <a:rPr lang="en-US" sz="2400" b="1" dirty="0" smtClean="0">
+                <a:solidFill>
+                  <a:schemeClr val="tx1"/>
+                </a:solidFill>
+                <a:hlinkClick r:id="rId2"/>
+              </a:rPr>
+              <a:t>/</a:t>
+            </a:r>
+            <a:endParaRPr lang="en-US" sz="2400" b="1" dirty="0">
               <a:solidFill>
                 <a:schemeClr val="tx1"/>
               </a:solidFill>
             </a:endParaRPr>
           </a:p>
           <a:p>
-            <a:r>
-              <a:rPr lang="en-US" sz="2400" dirty="0"/>
+            <a:pPr marL="0" indent="0">
+              <a:buNone/>
+            </a:pPr>
+            <a:r>
+              <a:rPr lang="en-US" sz="2400" b="1" dirty="0" smtClean="0">
+                <a:solidFill>
+                  <a:schemeClr val="tx1"/>
+                </a:solidFill>
+              </a:rPr>
+              <a:t>    </a:t>
+            </a:r>
+            <a:r>
+              <a:rPr lang="en-US" sz="2400" dirty="0" smtClean="0">
+                <a:solidFill>
+                  <a:schemeClr val="tx1"/>
+                </a:solidFill>
+              </a:rPr>
+              <a:t>(or)</a:t>
+            </a:r>
+          </a:p>
+          <a:p>
+            <a:r>
+              <a:rPr lang="en-US" sz="2400" dirty="0" smtClean="0">
+                <a:solidFill>
+                  <a:schemeClr val="tx1"/>
+                </a:solidFill>
+              </a:rPr>
+              <a:t>Use the </a:t>
+            </a:r>
+            <a:r>
+              <a:rPr lang="en-US" sz="2400" dirty="0">
+                <a:solidFill>
+                  <a:schemeClr val="tx1"/>
+                </a:solidFill>
+              </a:rPr>
+              <a:t>CDN link </a:t>
+            </a:r>
+            <a:r>
+              <a:rPr lang="en-US" sz="2400" dirty="0">
+                <a:solidFill>
+                  <a:schemeClr val="tx1"/>
+                </a:solidFill>
+                <a:hlinkClick r:id="rId3"/>
+              </a:rPr>
+              <a:t>https://</a:t>
+            </a:r>
+            <a:r>
+              <a:rPr lang="en-US" sz="2400" dirty="0" smtClean="0">
+                <a:solidFill>
+                  <a:schemeClr val="tx1"/>
+                </a:solidFill>
+                <a:hlinkClick r:id="rId3"/>
+              </a:rPr>
+              <a:t>ajax.googleapis.com/ajax/libs/angularjs/1.7.8/angular.min.js</a:t>
+            </a:r>
+            <a:endParaRPr lang="en-US" sz="2400" dirty="0" smtClean="0">
+              <a:solidFill>
+                <a:schemeClr val="tx1"/>
+              </a:solidFill>
+            </a:endParaRPr>
+          </a:p>
+          <a:p>
+            <a:r>
+              <a:rPr lang="en-US" sz="2400" dirty="0">
+                <a:solidFill>
+                  <a:schemeClr val="tx1"/>
+                </a:solidFill>
+              </a:rPr>
+              <a:t>Setup </a:t>
+            </a:r>
+            <a:r>
+              <a:rPr lang="en-US" sz="2400" dirty="0">
+                <a:solidFill>
+                  <a:schemeClr val="tx1"/>
+                </a:solidFill>
+              </a:rPr>
+              <a:t>IntelliSense</a:t>
+            </a:r>
+            <a:r>
+              <a:rPr lang="en-US" sz="2400" dirty="0">
+                <a:solidFill>
+                  <a:schemeClr val="tx1"/>
+                </a:solidFill>
+              </a:rPr>
+              <a:t> on </a:t>
+            </a:r>
+            <a:r>
+              <a:rPr lang="en-US" sz="2400" dirty="0" smtClean="0">
+                <a:solidFill>
+                  <a:schemeClr val="tx1"/>
+                </a:solidFill>
+              </a:rPr>
+              <a:t>VS code </a:t>
+            </a:r>
+            <a:r>
+              <a:rPr lang="en-US" sz="2400" dirty="0">
+                <a:solidFill>
+                  <a:schemeClr val="tx1"/>
+                </a:solidFill>
+              </a:rPr>
+              <a:t>using </a:t>
+            </a:r>
+            <a:endParaRPr lang="en-US" sz="2400" dirty="0" smtClean="0">
+              <a:solidFill>
+                <a:schemeClr val="tx1"/>
+              </a:solidFill>
+            </a:endParaRPr>
+          </a:p>
+          <a:p>
+            <a:pPr marL="0" indent="0">
+              <a:buNone/>
+            </a:pPr>
+            <a:r>
+              <a:rPr lang="en-US" sz="2400" dirty="0">
+                <a:solidFill>
+                  <a:schemeClr val="tx1"/>
+                </a:solidFill>
+              </a:rPr>
+              <a:t> </a:t>
+            </a:r>
+            <a:r>
+              <a:rPr lang="en-US" sz="2400" dirty="0">
+                <a:solidFill>
+                  <a:schemeClr val="tx1"/>
+                </a:solidFill>
+              </a:rPr>
+              <a:t>   </a:t>
+            </a:r>
+            <a:r>
+              <a:rPr lang="nb-NO" sz="2400" dirty="0">
+                <a:solidFill>
+                  <a:schemeClr val="tx1"/>
+                </a:solidFill>
+              </a:rPr>
+              <a:t>npm </a:t>
+            </a:r>
+            <a:r>
+              <a:rPr lang="nb-NO" sz="2400" dirty="0">
+                <a:solidFill>
+                  <a:schemeClr val="tx1"/>
+                </a:solidFill>
+              </a:rPr>
+              <a:t>install -g --save-dev @types/angular</a:t>
+            </a:r>
+            <a:endParaRPr lang="en-US" sz="2400" dirty="0">
+              <a:solidFill>
+                <a:schemeClr val="tx1"/>
+              </a:solidFill>
+            </a:endParaRPr>
+          </a:p>
+          <a:p>
+            <a:r>
+              <a:rPr lang="en-US" sz="2400" dirty="0">
+                <a:solidFill>
+                  <a:schemeClr val="tx1"/>
+                </a:solidFill>
+              </a:rPr>
               <a:t>Include ng-app attribute </a:t>
             </a:r>
             <a:r>
-              <a:rPr lang="en-US" sz="2400" dirty="0" smtClean="0"/>
+              <a:rPr lang="en-US" sz="2400" dirty="0">
+                <a:solidFill>
+                  <a:schemeClr val="tx1"/>
+                </a:solidFill>
+              </a:rPr>
               <a:t>in html code.</a:t>
             </a:r>
-            <a:endParaRPr lang="en-US" sz="2400" dirty="0"/>
+            <a:endParaRPr lang="en-US" sz="2400" dirty="0">
+              <a:solidFill>
+                <a:schemeClr val="tx1"/>
+              </a:solidFill>
+            </a:endParaRPr>
           </a:p>
         </p:txBody>
       </p:sp>
@@ -5156,110 +6138,134 @@
         </p:nvSpPr>
         <p:spPr/>
         <p:txBody>
-          <a:bodyPr/>
-          <a:lstStyle/>
-          <a:p>
-            <a:r>
-              <a:rPr lang="en-US" sz="2400" dirty="0" smtClean="0"/>
-              <a:t>In Angular a directive are extended html attributes with prefix ng</a:t>
-            </a:r>
-            <a:r>
-              <a:rPr lang="en-US" dirty="0" smtClean="0"/>
+          <a:bodyPr>
+            <a:normAutofit/>
+          </a:bodyPr>
+          <a:lstStyle/>
+          <a:p>
+            <a:r>
+              <a:rPr lang="en-US" sz="2400" dirty="0">
+                <a:solidFill>
+                  <a:schemeClr val="tx1"/>
+                </a:solidFill>
+              </a:rPr>
+              <a:t>In Angular a directive are extended html attributes with prefix ng.</a:t>
+            </a:r>
+          </a:p>
+          <a:p>
+            <a:r>
+              <a:rPr lang="en-US" sz="2400" dirty="0">
+                <a:solidFill>
+                  <a:schemeClr val="tx1"/>
+                </a:solidFill>
+              </a:rPr>
+              <a:t>Used to add functionality to html pages</a:t>
+            </a:r>
+          </a:p>
+          <a:p>
+            <a:r>
+              <a:rPr lang="en-US" sz="2400" dirty="0">
+                <a:solidFill>
+                  <a:schemeClr val="tx1"/>
+                </a:solidFill>
+              </a:rPr>
+              <a:t>There are 2 types of directives . Built-in Directives, custom directives.</a:t>
+            </a:r>
+          </a:p>
+          <a:p>
+            <a:r>
+              <a:rPr lang="en-US" sz="2400" dirty="0">
+                <a:solidFill>
+                  <a:schemeClr val="tx1"/>
+                </a:solidFill>
+              </a:rPr>
+              <a:t>ng-app directive initializes an AngularJS application.</a:t>
+            </a:r>
+          </a:p>
+          <a:p>
+            <a:r>
+              <a:rPr lang="en-US" sz="2400" dirty="0">
+                <a:solidFill>
+                  <a:schemeClr val="tx1"/>
+                </a:solidFill>
+              </a:rPr>
+              <a:t>ng-model directive binds the value of HTML controls (input, select, </a:t>
+            </a:r>
+            <a:r>
+              <a:rPr lang="en-US" sz="2400" dirty="0">
+                <a:solidFill>
+                  <a:schemeClr val="tx1"/>
+                </a:solidFill>
+              </a:rPr>
+              <a:t>text area) </a:t>
+            </a:r>
+            <a:r>
+              <a:rPr lang="en-US" sz="2400" dirty="0">
+                <a:solidFill>
+                  <a:schemeClr val="tx1"/>
+                </a:solidFill>
+              </a:rPr>
+              <a:t>to application data.</a:t>
+            </a:r>
+          </a:p>
+          <a:p>
+            <a:r>
+              <a:rPr lang="en-US" sz="2400" dirty="0">
+                <a:solidFill>
+                  <a:schemeClr val="tx1"/>
+                </a:solidFill>
+              </a:rPr>
+              <a:t>ng-controller directive attaches a controller class to the view</a:t>
+            </a:r>
+            <a:r>
+              <a:rPr lang="en-US" sz="2400" dirty="0">
+                <a:solidFill>
+                  <a:schemeClr val="tx1"/>
+                </a:solidFill>
+              </a:rPr>
               <a:t>.</a:t>
             </a:r>
           </a:p>
           <a:p>
             <a:r>
-              <a:rPr lang="en-US" sz="2400" dirty="0" smtClean="0"/>
-              <a:t>Used to add functionality to html pages</a:t>
-            </a:r>
-          </a:p>
-          <a:p>
-            <a:r>
-              <a:rPr lang="en-US" sz="2400" dirty="0" smtClean="0"/>
-              <a:t>There are 2 types of directives . Built-in Directives, custom directives.</a:t>
-            </a:r>
-          </a:p>
-          <a:p>
-            <a:r>
-              <a:rPr lang="en-US" sz="2400" dirty="0"/>
-              <a:t>n</a:t>
-            </a:r>
-            <a:r>
-              <a:rPr lang="en-US" sz="2400" dirty="0"/>
-              <a:t>g-app </a:t>
-            </a:r>
-            <a:r>
-              <a:rPr lang="en-US" sz="2400" dirty="0"/>
-              <a:t>directive initializes an AngularJS </a:t>
-            </a:r>
-            <a:r>
-              <a:rPr lang="en-US" sz="2400" dirty="0"/>
-              <a:t>application.</a:t>
-            </a:r>
-          </a:p>
-          <a:p>
-            <a:r>
-              <a:rPr lang="en-US" sz="2400" dirty="0"/>
-              <a:t>ng-model</a:t>
-            </a:r>
-            <a:r>
-              <a:rPr lang="en-US" sz="2400" dirty="0"/>
-              <a:t> directive binds the value of HTML controls (input, select, </a:t>
-            </a:r>
-            <a:r>
-              <a:rPr lang="en-US" sz="2400" dirty="0" err="1"/>
-              <a:t>textarea</a:t>
-            </a:r>
-            <a:r>
-              <a:rPr lang="en-US" sz="2400" dirty="0"/>
-              <a:t>) to application </a:t>
-            </a:r>
-            <a:r>
-              <a:rPr lang="en-US" sz="2400" dirty="0"/>
-              <a:t>data.</a:t>
-            </a:r>
-          </a:p>
-          <a:p>
-            <a:r>
-              <a:rPr lang="en-US" sz="2400" dirty="0"/>
-              <a:t>ng-controller </a:t>
-            </a:r>
-            <a:r>
-              <a:rPr lang="en-US" sz="2400" dirty="0"/>
-              <a:t>directive attaches a controller class to the </a:t>
-            </a:r>
-            <a:r>
-              <a:rPr lang="en-US" sz="2400" dirty="0"/>
-              <a:t>view</a:t>
-            </a:r>
-            <a:r>
-              <a:rPr lang="en-US" sz="2400" dirty="0" smtClean="0"/>
+              <a:rPr lang="en-US" sz="2400" dirty="0">
+                <a:solidFill>
+                  <a:schemeClr val="tx1"/>
+                </a:solidFill>
+              </a:rPr>
+              <a:t>Learn more at </a:t>
+            </a:r>
+            <a:r>
+              <a:rPr lang="en-US" sz="2400" dirty="0">
+                <a:solidFill>
+                  <a:srgbClr val="92D050"/>
+                </a:solidFill>
+                <a:hlinkClick r:id="rId2"/>
+              </a:rPr>
+              <a:t>https://</a:t>
+            </a:r>
+            <a:r>
+              <a:rPr lang="en-US" sz="2400" dirty="0">
+                <a:solidFill>
+                  <a:srgbClr val="92D050"/>
+                </a:solidFill>
+                <a:hlinkClick r:id="rId2"/>
+              </a:rPr>
+              <a:t>code.angularjs.org/1.7.8/docs/api/ng/directive</a:t>
+            </a:r>
+            <a:r>
+              <a:rPr lang="en-US" sz="2400" dirty="0">
+                <a:solidFill>
+                  <a:schemeClr val="tx1"/>
+                </a:solidFill>
+              </a:rPr>
               <a:t>.</a:t>
             </a:r>
-          </a:p>
-          <a:p>
-            <a:r>
-              <a:rPr lang="en-US" sz="2400" dirty="0" smtClean="0"/>
-              <a:t>Learn more at </a:t>
-            </a:r>
-            <a:r>
-              <a:rPr lang="en-US" sz="2400" dirty="0">
-                <a:hlinkClick r:id="rId2"/>
-              </a:rPr>
-              <a:t>https://</a:t>
-            </a:r>
-            <a:r>
-              <a:rPr lang="en-US" sz="2400" dirty="0" smtClean="0">
-                <a:hlinkClick r:id="rId2"/>
-              </a:rPr>
-              <a:t>code.angularjs.org/1.7.8/docs/api/ng/directive</a:t>
-            </a:r>
-            <a:r>
-              <a:rPr lang="en-US" sz="2400" dirty="0" smtClean="0"/>
-              <a:t>.</a:t>
-            </a:r>
-            <a:endParaRPr lang="en-US" sz="2400" dirty="0"/>
+            <a:endParaRPr lang="en-US" sz="2400" dirty="0">
+              <a:solidFill>
+                <a:schemeClr val="tx1"/>
+              </a:solidFill>
+            </a:endParaRPr>
           </a:p>
         </p:txBody>
       </p:sp>
@@ -5317,6 +6323,109 @@
           <a:p>
             <a:r>
               <a:rPr lang="en-US" dirty="0" smtClean="0"/>
+              <a:t>Angular JS Conceptual Structure</a:t>
+            </a:r>
+            <a:endParaRPr lang="en-US" dirty="0"/>
+          </a:p>
+        </p:txBody>
+      </p:sp>
+      <p:pic>
+        <p:nvPicPr>
+          <p:cNvPr id="1026" name="Picture 2" descr="AngularJS object diagram"/>
+          <p:cNvPicPr>
+            <a:picLocks noGrp="1" noChangeAspect="1" noChangeArrowheads="1"/>
+          </p:cNvPicPr>
+          <p:nvPr>
+            <p:ph idx="1"/>
+          </p:nvPr>
+        </p:nvPicPr>
+        <p:blipFill>
+          <a:blip r:embed="rId2">
+            <a:extLst>
+              <a:ext uri="{28A0092B-C50C-407E-A947-70E740481C1C}">
+                <a14:useLocalDpi xmlns:a14="http://schemas.microsoft.com/office/drawing/2010/main" val="0"/>
+              </a:ext>
+            </a:extLst>
+          </a:blip>
+          <a:srcRect/>
+          <a:stretch>
+            <a:fillRect/>
+          </a:stretch>
+        </p:blipFill>
+        <p:spPr bwMode="auto">
+          <a:xfrm>
+            <a:off x="3868738" y="1001728"/>
+            <a:ext cx="7315200" cy="4845019"/>
+          </a:xfrm>
+          <a:prstGeom prst="rect">
+            <a:avLst/>
+          </a:prstGeom>
+          <a:noFill/>
+          <a:extLst>
+            <a:ext uri="{909E8E84-426E-40DD-AFC4-6F175D3DCCD1}">
+              <a14:hiddenFill xmlns:a14="http://schemas.microsoft.com/office/drawing/2010/main">
+                <a:solidFill>
+                  <a:srgbClr val="FFFFFF"/>
+                </a:solidFill>
+              </a14:hiddenFill>
+            </a:ext>
+          </a:extLst>
+        </p:spPr>
+      </p:pic>
+    </p:spTree>
+    <p:extLst>
+      <p:ext uri="{BB962C8B-B14F-4D97-AF65-F5344CB8AC3E}">
+        <p14:creationId xmlns:p14="http://schemas.microsoft.com/office/powerpoint/2010/main" val="3431796827"/>
+      </p:ext>
+    </p:extLst>
+  </p:cSld>
+  <p:clrMapOvr>
+    <a:masterClrMapping/>
+  </p:clrMapOvr>
+  <p:timing>
+    <p:tnLst>
+      <p:par>
+        <p:cTn id="1" dur="indefinite" restart="never" nodeType="tmRoot"/>
+      </p:par>
+    </p:tnLst>
+  </p:timing>
+</p:sld>
+</file>
+
+<file path=ppt/slides/slide8.xml><?xml version="1.0" encoding="utf-8"?>
+<p:sld xmlns:a="http://schemas.openxmlformats.org/drawingml/2006/main" xmlns:r="http://schemas.openxmlformats.org/officeDocument/2006/relationships" xmlns:p="http://schemas.openxmlformats.org/presentationml/2006/main">
+  <p:cSld>
+    <p:spTree>
+      <p:nvGrpSpPr>
+        <p:cNvPr id="1" name=""/>
+        <p:cNvGrpSpPr/>
+        <p:nvPr/>
+      </p:nvGrpSpPr>
+      <p:grpSpPr>
+        <a:xfrm>
+          <a:off x="0" y="0"/>
+          <a:ext cx="0" cy="0"/>
+          <a:chOff x="0" y="0"/>
+          <a:chExt cx="0" cy="0"/>
+        </a:xfrm>
+      </p:grpSpPr>
+      <p:sp>
+        <p:nvSpPr>
+          <p:cNvPr id="2" name="Title 1"/>
+          <p:cNvSpPr>
+            <a:spLocks noGrp="1"/>
+          </p:cNvSpPr>
+          <p:nvPr>
+            <p:ph type="title"/>
+          </p:nvPr>
+        </p:nvSpPr>
+        <p:spPr/>
+        <p:txBody>
+          <a:bodyPr/>
+          <a:lstStyle/>
+          <a:p>
+            <a:r>
+              <a:rPr lang="en-US" dirty="0" smtClean="0"/>
               <a:t>Module</a:t>
             </a:r>
             <a:endParaRPr lang="en-US" dirty="0"/>
@@ -5339,24 +6448,32 @@
           <a:lstStyle/>
           <a:p>
             <a:r>
-              <a:rPr lang="en-US" sz="2400" dirty="0" smtClean="0"/>
+              <a:rPr lang="en-US" sz="2400" dirty="0">
+                <a:solidFill>
+                  <a:schemeClr val="tx1"/>
+                </a:solidFill>
+              </a:rPr>
               <a:t>A module is a container for different parts of application i.e. controllers , services, directives ,filters.</a:t>
             </a:r>
           </a:p>
           <a:p>
             <a:r>
-              <a:rPr lang="en-US" sz="2400" dirty="0" smtClean="0"/>
+              <a:rPr lang="en-US" sz="2400" dirty="0">
+                <a:solidFill>
+                  <a:schemeClr val="tx1"/>
+                </a:solidFill>
+              </a:rPr>
               <a:t>You can think of a module as a main() method in other types of application.</a:t>
             </a:r>
           </a:p>
           <a:p>
             <a:r>
-              <a:rPr lang="en-US" sz="2400" dirty="0" smtClean="0"/>
-              <a:t>How to create a Module </a:t>
-            </a:r>
-            <a:r>
-              <a:rPr lang="en-US" sz="2400" dirty="0" smtClean="0"/>
-              <a:t>?</a:t>
+              <a:rPr lang="en-US" sz="2400" dirty="0">
+                <a:solidFill>
+                  <a:schemeClr val="tx1"/>
+                </a:solidFill>
+              </a:rPr>
+              <a:t>How to create a Module ?</a:t>
             </a:r>
           </a:p>
           <a:p>
@@ -5364,89 +6481,125 @@
               <a:buNone/>
             </a:pPr>
             <a:r>
-              <a:rPr lang="en-US" sz="2400" dirty="0"/>
+              <a:rPr lang="en-US" sz="2400" dirty="0">
+                <a:solidFill>
+                  <a:schemeClr val="tx1"/>
+                </a:solidFill>
+              </a:rPr>
               <a:t> </a:t>
             </a:r>
             <a:r>
-              <a:rPr lang="en-US" sz="2400" dirty="0" smtClean="0"/>
+              <a:rPr lang="en-US" sz="2400" dirty="0">
+                <a:solidFill>
+                  <a:schemeClr val="tx1"/>
+                </a:solidFill>
+              </a:rPr>
+              <a:t>    use the angular objects module method to create a           </a:t>
+            </a:r>
+          </a:p>
+          <a:p>
+            <a:pPr marL="0" indent="0">
+              <a:buNone/>
+            </a:pPr>
+            <a:r>
+              <a:rPr lang="en-US" sz="2400" dirty="0">
+                <a:solidFill>
+                  <a:schemeClr val="tx1"/>
+                </a:solidFill>
+              </a:rPr>
+              <a:t> </a:t>
+            </a:r>
+            <a:r>
+              <a:rPr lang="en-US" sz="2400" dirty="0">
+                <a:solidFill>
+                  <a:schemeClr val="tx1"/>
+                </a:solidFill>
+              </a:rPr>
+              <a:t>    module.</a:t>
+            </a:r>
+          </a:p>
+          <a:p>
+            <a:pPr marL="0" indent="0">
+              <a:buNone/>
+            </a:pPr>
+            <a:r>
+              <a:rPr lang="en-US" sz="2400" dirty="0">
+                <a:solidFill>
+                  <a:schemeClr val="tx1"/>
+                </a:solidFill>
+              </a:rPr>
+              <a:t> </a:t>
+            </a:r>
+            <a:r>
+              <a:rPr lang="en-US" sz="2400" dirty="0">
+                <a:solidFill>
+                  <a:schemeClr val="tx1"/>
+                </a:solidFill>
+              </a:rPr>
               <a:t>    </a:t>
             </a:r>
             <a:r>
-              <a:rPr lang="en-US" sz="2400" dirty="0" smtClean="0"/>
-              <a:t>use </a:t>
-            </a:r>
-            <a:r>
-              <a:rPr lang="en-US" sz="2400" dirty="0" smtClean="0"/>
-              <a:t>the angular objects module method to create a </a:t>
-            </a:r>
-            <a:r>
-              <a:rPr lang="en-US" sz="2400" dirty="0" smtClean="0"/>
-              <a:t>          </a:t>
-            </a:r>
-          </a:p>
-          <a:p>
-            <a:pPr marL="0" indent="0">
-              <a:buNone/>
-            </a:pPr>
-            <a:r>
-              <a:rPr lang="en-US" sz="2400" dirty="0"/>
+              <a:rPr lang="en-US" sz="2400" dirty="0" err="1">
+                <a:solidFill>
+                  <a:schemeClr val="tx1"/>
+                </a:solidFill>
+              </a:rPr>
+              <a:t>var</a:t>
+            </a:r>
+            <a:r>
+              <a:rPr lang="en-US" sz="2400" dirty="0">
+                <a:solidFill>
+                  <a:schemeClr val="tx1"/>
+                </a:solidFill>
+              </a:rPr>
               <a:t> </a:t>
             </a:r>
             <a:r>
-              <a:rPr lang="en-US" sz="2400" dirty="0" smtClean="0"/>
-              <a:t>    </a:t>
-            </a:r>
-            <a:r>
-              <a:rPr lang="en-US" sz="2400" dirty="0" smtClean="0"/>
-              <a:t>module</a:t>
-            </a:r>
-            <a:r>
-              <a:rPr lang="en-US" sz="2400" dirty="0" smtClean="0"/>
-              <a:t>.</a:t>
-            </a:r>
-          </a:p>
-          <a:p>
-            <a:pPr marL="0" indent="0">
-              <a:buNone/>
-            </a:pPr>
-            <a:r>
-              <a:rPr lang="en-US" sz="2400" dirty="0"/>
-              <a:t> </a:t>
-            </a:r>
-            <a:r>
-              <a:rPr lang="en-US" sz="2400" dirty="0" smtClean="0"/>
-              <a:t>    </a:t>
-            </a:r>
-            <a:r>
-              <a:rPr lang="en-US" sz="2400" dirty="0" err="1" smtClean="0"/>
-              <a:t>var</a:t>
-            </a:r>
-            <a:r>
-              <a:rPr lang="en-US" sz="2400" dirty="0" smtClean="0"/>
-              <a:t> </a:t>
-            </a:r>
-            <a:r>
-              <a:rPr lang="en-US" sz="2400" dirty="0"/>
+              <a:rPr lang="en-US" sz="2400" dirty="0">
+                <a:solidFill>
+                  <a:schemeClr val="tx1"/>
+                </a:solidFill>
+              </a:rPr>
               <a:t>app = </a:t>
             </a:r>
             <a:r>
-              <a:rPr lang="en-US" sz="2400" dirty="0" err="1"/>
+              <a:rPr lang="en-US" sz="2400" dirty="0" err="1">
+                <a:solidFill>
+                  <a:schemeClr val="tx1"/>
+                </a:solidFill>
+              </a:rPr>
               <a:t>angular.module</a:t>
             </a:r>
             <a:r>
-              <a:rPr lang="en-US" sz="2400" dirty="0"/>
+              <a:rPr lang="en-US" sz="2400" dirty="0">
+                <a:solidFill>
+                  <a:schemeClr val="tx1"/>
+                </a:solidFill>
+              </a:rPr>
               <a:t>("</a:t>
             </a:r>
             <a:r>
-              <a:rPr lang="en-US" sz="2400" dirty="0" err="1"/>
+              <a:rPr lang="en-US" sz="2400" dirty="0" err="1">
+                <a:solidFill>
+                  <a:schemeClr val="tx1"/>
+                </a:solidFill>
+              </a:rPr>
               <a:t>myApp</a:t>
             </a:r>
             <a:r>
-              <a:rPr lang="en-US" sz="2400" dirty="0"/>
+              <a:rPr lang="en-US" sz="2400" dirty="0">
+                <a:solidFill>
+                  <a:schemeClr val="tx1"/>
+                </a:solidFill>
+              </a:rPr>
               <a:t>", </a:t>
             </a:r>
             <a:r>
-              <a:rPr lang="en-US" sz="2400" dirty="0" smtClean="0"/>
+              <a:rPr lang="en-US" sz="2400" dirty="0">
+                <a:solidFill>
+                  <a:schemeClr val="tx1"/>
+                </a:solidFill>
+              </a:rPr>
               <a:t>[]); </a:t>
             </a:r>
           </a:p>
@@ -5617,7 +6770,7 @@
 </p:sld>
 </file>
 
-<file path=ppt/slides/slide8.xml><?xml version="1.0" encoding="utf-8"?>
+<file path=ppt/slides/slide9.xml><?xml version="1.0" encoding="utf-8"?>
 <p:sld xmlns:a="http://schemas.openxmlformats.org/drawingml/2006/main" xmlns:r="http://schemas.openxmlformats.org/officeDocument/2006/relationships" xmlns:p="http://schemas.openxmlformats.org/presentationml/2006/main">
   <p:cSld>
     <p:spTree>
@@ -5675,19 +6828,31 @@
           <a:lstStyle/>
           <a:p>
             <a:r>
-              <a:rPr lang="en-US" sz="2400" dirty="0" smtClean="0"/>
+              <a:rPr lang="en-US" sz="2400" dirty="0">
+                <a:solidFill>
+                  <a:schemeClr val="tx1"/>
+                </a:solidFill>
+              </a:rPr>
               <a:t>In Angular Controller is a JavaScript function.</a:t>
             </a:r>
           </a:p>
           <a:p>
             <a:r>
-              <a:rPr lang="en-US" sz="2400" dirty="0" smtClean="0"/>
+              <a:rPr lang="en-US" sz="2400" dirty="0">
+                <a:solidFill>
+                  <a:schemeClr val="tx1"/>
+                </a:solidFill>
+              </a:rPr>
               <a:t>The job of the controller is to build model for a view.</a:t>
             </a:r>
           </a:p>
           <a:p>
             <a:r>
-              <a:rPr lang="en-US" sz="2400" dirty="0" smtClean="0"/>
+              <a:rPr lang="en-US" sz="2400" dirty="0">
+                <a:solidFill>
+                  <a:schemeClr val="tx1"/>
+                </a:solidFill>
+              </a:rPr>
               <a:t>How to create a controller?</a:t>
             </a:r>
           </a:p>
@@ -5696,27 +6861,51 @@
               <a:buNone/>
             </a:pPr>
             <a:r>
-              <a:rPr lang="en-US" sz="2400" dirty="0"/>
+              <a:rPr lang="en-US" sz="2400" dirty="0">
+                <a:solidFill>
+                  <a:schemeClr val="tx1"/>
+                </a:solidFill>
+              </a:rPr>
               <a:t> </a:t>
             </a:r>
             <a:r>
-              <a:rPr lang="en-US" sz="2400" dirty="0" smtClean="0"/>
+              <a:rPr lang="en-US" sz="2400" dirty="0">
+                <a:solidFill>
+                  <a:schemeClr val="tx1"/>
+                </a:solidFill>
+              </a:rPr>
               <a:t>    </a:t>
             </a:r>
             <a:r>
-              <a:rPr lang="en-US" sz="2400" dirty="0" err="1" smtClean="0"/>
+              <a:rPr lang="en-US" sz="2400" dirty="0" err="1">
+                <a:solidFill>
+                  <a:schemeClr val="tx1"/>
+                </a:solidFill>
+              </a:rPr>
               <a:t>var</a:t>
             </a:r>
             <a:r>
-              <a:rPr lang="en-US" sz="2400" dirty="0" smtClean="0"/>
+              <a:rPr lang="en-US" sz="2400" dirty="0">
+                <a:solidFill>
+                  <a:schemeClr val="tx1"/>
+                </a:solidFill>
+              </a:rPr>
               <a:t> </a:t>
             </a:r>
             <a:r>
-              <a:rPr lang="en-US" sz="2400" dirty="0" err="1" smtClean="0"/>
+              <a:rPr lang="en-US" sz="2400" dirty="0" err="1">
+                <a:solidFill>
+                  <a:schemeClr val="tx1"/>
+                </a:solidFill>
+              </a:rPr>
               <a:t>myController</a:t>
             </a:r>
             <a:r>
-              <a:rPr lang="en-US" sz="2400" dirty="0" smtClean="0"/>
+              <a:rPr lang="en-US" sz="2400" dirty="0">
+                <a:solidFill>
+                  <a:schemeClr val="tx1"/>
+                </a:solidFill>
+              </a:rPr>
               <a:t>= function($scope){</a:t>
             </a:r>
           </a:p>
@@ -5725,43 +6914,84 @@
               <a:buNone/>
             </a:pPr>
             <a:r>
-              <a:rPr lang="en-US" sz="2400" dirty="0"/>
+              <a:rPr lang="en-US" sz="2400" dirty="0">
+                <a:solidFill>
+                  <a:schemeClr val="tx1"/>
+                </a:solidFill>
+              </a:rPr>
               <a:t> </a:t>
             </a:r>
             <a:r>
-              <a:rPr lang="en-US" sz="2400" dirty="0" smtClean="0"/>
+              <a:rPr lang="en-US" sz="2400" dirty="0">
+                <a:solidFill>
+                  <a:schemeClr val="tx1"/>
+                </a:solidFill>
+              </a:rPr>
               <a:t>     $</a:t>
             </a:r>
             <a:r>
-              <a:rPr lang="en-US" sz="2400" dirty="0" err="1" smtClean="0"/>
+              <a:rPr lang="en-US" sz="2400" dirty="0" err="1" smtClean="0">
+                <a:solidFill>
+                  <a:schemeClr val="tx1"/>
+                </a:solidFill>
+              </a:rPr>
               <a:t>scope.</a:t>
             </a:r>
             <a:r>
-              <a:rPr lang="en-US" sz="2400" b="1" dirty="0" err="1" smtClean="0"/>
+              <a:rPr lang="en-US" sz="2400" b="1" dirty="0" err="1" smtClean="0">
+                <a:solidFill>
+                  <a:schemeClr val="tx1"/>
+                </a:solidFill>
+              </a:rPr>
               <a:t>message</a:t>
             </a:r>
             <a:r>
-              <a:rPr lang="en-US" sz="2400" b="1" dirty="0" smtClean="0"/>
+              <a:rPr lang="en-US" sz="2400" b="1" dirty="0" smtClean="0">
+                <a:solidFill>
+                  <a:schemeClr val="tx1"/>
+                </a:solidFill>
+              </a:rPr>
               <a:t>= “Hey !!! This is AngularJS”</a:t>
             </a:r>
             <a:r>
-              <a:rPr lang="en-US" sz="2400" dirty="0" smtClean="0"/>
+              <a:rPr lang="en-US" sz="2400" dirty="0" smtClean="0">
+                <a:solidFill>
+                  <a:schemeClr val="tx1"/>
+                </a:solidFill>
+              </a:rPr>
               <a:t>;</a:t>
             </a:r>
+            <a:endParaRPr lang="en-US" sz="2400" dirty="0">
+              <a:solidFill>
+                <a:schemeClr val="tx1"/>
+              </a:solidFill>
+            </a:endParaRPr>
           </a:p>
           <a:p>
             <a:pPr marL="0" indent="0">
               <a:buNone/>
             </a:pPr>
             <a:r>
-              <a:rPr lang="en-US" sz="2400" dirty="0"/>
+              <a:rPr lang="en-US" sz="2400" dirty="0">
+                <a:solidFill>
+                  <a:schemeClr val="tx1"/>
+                </a:solidFill>
+              </a:rPr>
               <a:t> </a:t>
             </a:r>
             <a:r>
-              <a:rPr lang="en-US" sz="2400" dirty="0" smtClean="0"/>
+              <a:rPr lang="en-US" sz="2400" dirty="0">
+                <a:solidFill>
+                  <a:schemeClr val="tx1"/>
+                </a:solidFill>
+              </a:rPr>
               <a:t>     }</a:t>
             </a:r>
-            <a:endParaRPr lang="en-US" sz="2400" dirty="0"/>
+            <a:endParaRPr lang="en-US" sz="2400" dirty="0">
+              <a:solidFill>
+                <a:schemeClr val="tx1"/>
+              </a:solidFill>
+            </a:endParaRPr>
           </a:p>
         </p:txBody>
       </p:sp>
@@ -6084,174 +7314,6 @@
 </p:sld>
 </file>
 
-<file path=ppt/slides/slide9.xml><?xml version="1.0" encoding="utf-8"?>
-<p:sld xmlns:a="http://schemas.openxmlformats.org/drawingml/2006/main" xmlns:r="http://schemas.openxmlformats.org/officeDocument/2006/relationships" xmlns:p="http://schemas.openxmlformats.org/presentationml/2006/main">
-  <p:cSld>
-    <p:spTree>
-      <p:nvGrpSpPr>
-        <p:cNvPr id="1" name=""/>
-        <p:cNvGrpSpPr/>
-        <p:nvPr/>
-      </p:nvGrpSpPr>
-      <p:grpSpPr>
-        <a:xfrm>
-          <a:off x="0" y="0"/>
-          <a:ext cx="0" cy="0"/>
-          <a:chOff x="0" y="0"/>
-          <a:chExt cx="0" cy="0"/>
-        </a:xfrm>
-      </p:grpSpPr>
-      <p:sp>
-        <p:nvSpPr>
-          <p:cNvPr id="2" name="Title 1"/>
-          <p:cNvSpPr>
-            <a:spLocks noGrp="1"/>
-          </p:cNvSpPr>
-          <p:nvPr>
-            <p:ph type="title"/>
-          </p:nvPr>
-        </p:nvSpPr>
-        <p:spPr/>
-        <p:txBody>
-          <a:bodyPr/>
-          <a:lstStyle/>
-          <a:p>
-            <a:r>
-              <a:rPr lang="en-US" dirty="0" smtClean="0"/>
-              <a:t>Registering a controller with a module</a:t>
-            </a:r>
-            <a:endParaRPr lang="en-US" dirty="0"/>
-          </a:p>
-        </p:txBody>
-      </p:sp>
-      <p:sp>
-        <p:nvSpPr>
-          <p:cNvPr id="3" name="Content Placeholder 2"/>
-          <p:cNvSpPr>
-            <a:spLocks noGrp="1"/>
-          </p:cNvSpPr>
-          <p:nvPr>
-            <p:ph idx="1"/>
-          </p:nvPr>
-        </p:nvSpPr>
-        <p:spPr/>
-        <p:txBody>
-          <a:bodyPr/>
-          <a:lstStyle/>
-          <a:p>
-            <a:r>
-              <a:rPr lang="en-US" sz="2400" dirty="0" smtClean="0"/>
-              <a:t>Create a module.</a:t>
-            </a:r>
-          </a:p>
-          <a:p>
-            <a:r>
-              <a:rPr lang="en-US" sz="2400" dirty="0" smtClean="0"/>
-              <a:t>Create a controller.</a:t>
-            </a:r>
-          </a:p>
-          <a:p>
-            <a:r>
-              <a:rPr lang="en-US" sz="2400" dirty="0" smtClean="0"/>
-              <a:t>Use controller method to register a </a:t>
-            </a:r>
-            <a:r>
-              <a:rPr lang="en-US" sz="2400" dirty="0" smtClean="0"/>
-              <a:t>controller. </a:t>
-            </a:r>
-            <a:endParaRPr lang="en-US" sz="2400" dirty="0" smtClean="0"/>
-          </a:p>
-          <a:p>
-            <a:pPr marL="0" indent="0">
-              <a:buNone/>
-            </a:pPr>
-            <a:r>
-              <a:rPr lang="en-US" dirty="0"/>
-              <a:t> </a:t>
-            </a:r>
-            <a:r>
-              <a:rPr lang="en-US" dirty="0" smtClean="0"/>
-              <a:t>    </a:t>
-            </a:r>
-            <a:r>
-              <a:rPr lang="en-US" sz="2400" dirty="0" err="1"/>
-              <a:t>myApp.controller</a:t>
-            </a:r>
-            <a:r>
-              <a:rPr lang="en-US" sz="2400" dirty="0"/>
-              <a:t>("</a:t>
-            </a:r>
-            <a:r>
-              <a:rPr lang="en-US" sz="2400" dirty="0" err="1"/>
-              <a:t>MyController</a:t>
-            </a:r>
-            <a:r>
-              <a:rPr lang="en-US" sz="2400" dirty="0"/>
-              <a:t>",function($scope){</a:t>
-            </a:r>
-          </a:p>
-          <a:p>
-            <a:pPr marL="0" indent="0">
-              <a:buNone/>
-            </a:pPr>
-            <a:r>
-              <a:rPr lang="en-US" sz="2400" dirty="0"/>
-              <a:t>    $</a:t>
-            </a:r>
-            <a:r>
-              <a:rPr lang="en-US" sz="2400" dirty="0" err="1"/>
-              <a:t>scope.message</a:t>
-            </a:r>
-            <a:r>
-              <a:rPr lang="en-US" sz="2400" dirty="0"/>
-              <a:t>= "Hi This is angular";</a:t>
-            </a:r>
-          </a:p>
-          <a:p>
-            <a:pPr marL="0" indent="0">
-              <a:buNone/>
-            </a:pPr>
-            <a:r>
-              <a:rPr lang="en-US" sz="2400" dirty="0" smtClean="0"/>
-              <a:t>     });</a:t>
-            </a:r>
-          </a:p>
-          <a:p>
-            <a:pPr>
-              <a:buFont typeface="Arial" panose="020B0604020202020204" pitchFamily="34" charset="0"/>
-              <a:buChar char="•"/>
-            </a:pPr>
-            <a:r>
-              <a:rPr lang="en-US" sz="2400" dirty="0" smtClean="0"/>
-              <a:t>In Views ,use variables created in controller method. </a:t>
-            </a:r>
-            <a:endParaRPr lang="en-US" sz="2400" dirty="0" smtClean="0"/>
-          </a:p>
-        </p:txBody>
-      </p:sp>
-    </p:spTree>
-    <p:extLst>
-      <p:ext uri="{BB962C8B-B14F-4D97-AF65-F5344CB8AC3E}">
-        <p14:creationId xmlns:p14="http://schemas.microsoft.com/office/powerpoint/2010/main" val="2356886733"/>
-      </p:ext>
-    </p:extLst>
-  </p:cSld>
-  <p:clrMapOvr>
-    <a:masterClrMapping/>
-  </p:clrMapOvr>
-  <p:transition spd="slow">
-    <p:push dir="u"/>
-  </p:transition>
-  <p:timing>
-    <p:tnLst>
-      <p:par>
-        <p:cTn id="1" dur="indefinite" restart="never" nodeType="tmRoot"/>
-      </p:par>
-    </p:tnLst>
-  </p:timing>
-</p:sld>
-</file>
-
 <file path=ppt/theme/theme1.xml><?xml version="1.0" encoding="utf-8"?>
 <a:theme xmlns:a="http://schemas.openxmlformats.org/drawingml/2006/main" name="Frame">
   <a:themeElements>
@@ -6481,4 +7543,47 @@
     </a:ext>
   </a:extLst>
 </a:theme>
+</file>
+
+<file path=ppt/theme/themeOverride1.xml><?xml version="1.0" encoding="utf-8"?>
+<a:themeOverride xmlns:a="http://schemas.openxmlformats.org/drawingml/2006/main">
+  <a:clrScheme name="Frame">
+    <a:dk1>
+      <a:srgbClr val="000000"/>
+    </a:dk1>
+    <a:lt1>
+      <a:srgbClr val="FFFFFF"/>
+    </a:lt1>
+    <a:dk2>
+      <a:srgbClr val="545454"/>
+    </a:dk2>
+    <a:lt2>
+      <a:srgbClr val="BFBFBF"/>
+    </a:lt2>
+    <a:accent1>
+      <a:srgbClr val="40BAD2"/>
+    </a:accent1>
+    <a:accent2>
+      <a:srgbClr val="FAB900"/>
+    </a:accent2>
+    <a:accent3>
+      <a:srgbClr val="90BB23"/>
+    </a:accent3>
+    <a:accent4>
+      <a:srgbClr val="EE7008"/>
+    </a:accent4>
+    <a:accent5>
+      <a:srgbClr val="1AB39F"/>
+    </a:accent5>
+    <a:accent6>
+      <a:srgbClr val="D5393D"/>
+    </a:accent6>
+    <a:hlink>
+      <a:srgbClr val="90BB23"/>
+    </a:hlink>
+    <a:folHlink>
+      <a:srgbClr val="EE7008"/>
+    </a:folHlink>
+  </a:clrScheme>
+</a:themeOverride>
 </file>
--- a/Angular JS - Workshop.pptx
+++ b/Angular JS - Workshop.pptx
@@ -19,10 +19,9 @@
     <p:sldId id="265" r:id="rId13"/>
     <p:sldId id="266" r:id="rId14"/>
     <p:sldId id="268" r:id="rId15"/>
-    <p:sldId id="273" r:id="rId16"/>
-    <p:sldId id="270" r:id="rId17"/>
-    <p:sldId id="271" r:id="rId18"/>
-    <p:sldId id="272" r:id="rId19"/>
+    <p:sldId id="270" r:id="rId16"/>
+    <p:sldId id="271" r:id="rId17"/>
+    <p:sldId id="272" r:id="rId18"/>
   </p:sldIdLst>
   <p:sldSz cx="12192000" cy="6858000"/>
   <p:notesSz cx="6858000" cy="9144000"/>
@@ -3556,15 +3555,7 @@
                   <a:schemeClr val="tx1"/>
                 </a:solidFill>
               </a:rPr>
-              <a:t> </a:t>
-            </a:r>
-            <a:r>
-              <a:rPr lang="en-US" sz="2400" dirty="0">
-                <a:solidFill>
-                  <a:schemeClr val="tx1"/>
-                </a:solidFill>
-              </a:rPr>
-              <a:t>    </a:t>
+              <a:t>     </a:t>
             </a:r>
             <a:r>
               <a:rPr lang="en-US" sz="2400" dirty="0" err="1">
@@ -4073,21 +4064,8 @@
                   <a:schemeClr val="tx1"/>
                 </a:solidFill>
               </a:rPr>
-              <a:t>The </a:t>
-            </a:r>
-            <a:r>
-              <a:rPr lang="en-US" sz="3800" dirty="0">
-                <a:solidFill>
-                  <a:schemeClr val="tx1"/>
-                </a:solidFill>
-              </a:rPr>
-              <a:t>routing is done in angular JS using the ng route module. </a:t>
-            </a:r>
-            <a:endParaRPr lang="en-US" sz="3800" dirty="0">
-              <a:solidFill>
-                <a:schemeClr val="tx1"/>
-              </a:solidFill>
-            </a:endParaRPr>
+              <a:t>The routing is done in angular JS using the ng route module. </a:t>
+            </a:r>
           </a:p>
           <a:p>
             <a:pPr>
@@ -4110,16 +4088,7 @@
                 </a:solidFill>
                 <a:hlinkClick r:id="rId2"/>
               </a:rPr>
-              <a:t>https://</a:t>
-            </a:r>
-            <a:r>
-              <a:rPr lang="en-US" sz="3800" dirty="0">
-                <a:solidFill>
-                  <a:schemeClr val="tx1"/>
-                </a:solidFill>
-                <a:hlinkClick r:id="rId2"/>
-              </a:rPr>
-              <a:t>code.angularjs.org/1.7.8/angular-route.min.js</a:t>
+              <a:t>https://code.angularjs.org/1.7.8/angular-route.min.js</a:t>
             </a:r>
             <a:r>
               <a:rPr lang="en-US" sz="3800" dirty="0">
@@ -4175,11 +4144,6 @@
               </a:rPr>
               <a:t> dependency to your module. </a:t>
             </a:r>
-            <a:endParaRPr lang="en-US" sz="3800" dirty="0">
-              <a:solidFill>
-                <a:schemeClr val="tx1"/>
-              </a:solidFill>
-            </a:endParaRPr>
           </a:p>
           <a:p>
             <a:pPr marL="0" indent="0">
@@ -4403,7 +4367,7 @@
           <a:p>
             <a:r>
               <a:rPr lang="en-US" dirty="0" smtClean="0"/>
-              <a:t>Deploy App</a:t>
+              <a:t>References</a:t>
             </a:r>
             <a:endParaRPr lang="en-US" dirty="0"/>
           </a:p>
@@ -4421,35 +4385,59 @@
         </p:nvSpPr>
         <p:spPr/>
         <p:txBody>
-          <a:bodyPr/>
-          <a:lstStyle/>
-          <a:p>
-            <a:r>
-              <a:rPr lang="en-US" dirty="0" smtClean="0"/>
-              <a:t>Node </a:t>
-            </a:r>
-            <a:r>
-              <a:rPr lang="en-US" dirty="0" err="1" smtClean="0"/>
-              <a:t>js</a:t>
-            </a:r>
-            <a:r>
-              <a:rPr lang="en-US" smtClean="0"/>
-              <a:t> </a:t>
-            </a:r>
-            <a:endParaRPr lang="en-US"/>
+          <a:bodyPr>
+            <a:normAutofit/>
+          </a:bodyPr>
+          <a:lstStyle/>
+          <a:p>
+            <a:r>
+              <a:rPr lang="en-US" sz="2400" dirty="0">
+                <a:hlinkClick r:id="rId2"/>
+              </a:rPr>
+              <a:t>A Conceptual Introduction to AngularJS</a:t>
+            </a:r>
+            <a:endParaRPr lang="en-US" sz="2400" dirty="0"/>
+          </a:p>
+          <a:p>
+            <a:r>
+              <a:rPr lang="en-US" sz="2400" dirty="0">
+                <a:hlinkClick r:id="rId3"/>
+              </a:rPr>
+              <a:t>https://angular.io</a:t>
+            </a:r>
+            <a:r>
+              <a:rPr lang="en-US" sz="2400" dirty="0" smtClean="0">
+                <a:hlinkClick r:id="rId3"/>
+              </a:rPr>
+              <a:t>/</a:t>
+            </a:r>
+            <a:r>
+              <a:rPr lang="en-US" sz="2400" dirty="0" smtClean="0"/>
+              <a:t>.</a:t>
+            </a:r>
+          </a:p>
+          <a:p>
+            <a:endParaRPr lang="en-US" sz="2400" dirty="0"/>
           </a:p>
         </p:txBody>
       </p:sp>
     </p:spTree>
     <p:extLst>
       <p:ext uri="{BB962C8B-B14F-4D97-AF65-F5344CB8AC3E}">
-        <p14:creationId xmlns:p14="http://schemas.microsoft.com/office/powerpoint/2010/main" val="2877315175"/>
+        <p14:creationId xmlns:p14="http://schemas.microsoft.com/office/powerpoint/2010/main" val="2640555480"/>
       </p:ext>
     </p:extLst>
   </p:cSld>
   <p:clrMapOvr>
     <a:masterClrMapping/>
   </p:clrMapOvr>
+  <p:timing>
+    <p:tnLst>
+      <p:par>
+        <p:cTn id="1" dur="indefinite" restart="never" nodeType="tmRoot"/>
+      </p:par>
+    </p:tnLst>
+  </p:timing>
 </p:sld>
 </file>
 
@@ -4477,7 +4465,7 @@
             <a:spLocks noGrp="1"/>
           </p:cNvSpPr>
           <p:nvPr>
-            <p:ph type="title"/>
+            <p:ph type="ctrTitle"/>
           </p:nvPr>
         </p:nvSpPr>
         <p:spPr/>
@@ -4487,70 +4475,48 @@
           <a:p>
             <a:r>
               <a:rPr lang="en-US" dirty="0" smtClean="0"/>
-              <a:t>References</a:t>
-            </a:r>
-            <a:endParaRPr lang="en-US" dirty="0"/>
-          </a:p>
-        </p:txBody>
-      </p:sp>
-      <p:sp>
-        <p:nvSpPr>
-          <p:cNvPr id="3" name="Content Placeholder 2"/>
-          <p:cNvSpPr>
-            <a:spLocks noGrp="1"/>
-          </p:cNvSpPr>
-          <p:nvPr>
-            <p:ph idx="1"/>
+              <a:t>Any Questions?</a:t>
+            </a:r>
+            <a:endParaRPr lang="en-US" dirty="0"/>
+          </a:p>
+        </p:txBody>
+      </p:sp>
+      <p:sp>
+        <p:nvSpPr>
+          <p:cNvPr id="3" name="Subtitle 2"/>
+          <p:cNvSpPr>
+            <a:spLocks noGrp="1"/>
+          </p:cNvSpPr>
+          <p:nvPr>
+            <p:ph type="subTitle" idx="1"/>
           </p:nvPr>
         </p:nvSpPr>
         <p:spPr/>
         <p:txBody>
-          <a:bodyPr>
-            <a:normAutofit/>
-          </a:bodyPr>
-          <a:lstStyle/>
-          <a:p>
-            <a:r>
-              <a:rPr lang="en-US" sz="2400" dirty="0">
-                <a:hlinkClick r:id="rId2"/>
-              </a:rPr>
-              <a:t>A Conceptual Introduction to AngularJS</a:t>
-            </a:r>
-            <a:endParaRPr lang="en-US" sz="2400" dirty="0"/>
-          </a:p>
-          <a:p>
-            <a:r>
-              <a:rPr lang="en-US" sz="2400" dirty="0">
-                <a:hlinkClick r:id="rId3"/>
-              </a:rPr>
-              <a:t>https://angular.io</a:t>
-            </a:r>
-            <a:r>
-              <a:rPr lang="en-US" sz="2400" dirty="0" smtClean="0">
-                <a:hlinkClick r:id="rId3"/>
-              </a:rPr>
-              <a:t>/</a:t>
-            </a:r>
-            <a:r>
-              <a:rPr lang="en-US" sz="2400" dirty="0" smtClean="0"/>
-              <a:t>.</a:t>
-            </a:r>
-          </a:p>
-          <a:p>
-            <a:endParaRPr lang="en-US" sz="2400" dirty="0"/>
+          <a:bodyPr/>
+          <a:lstStyle/>
+          <a:p>
+            <a:endParaRPr lang="en-US"/>
           </a:p>
         </p:txBody>
       </p:sp>
     </p:spTree>
     <p:extLst>
       <p:ext uri="{BB962C8B-B14F-4D97-AF65-F5344CB8AC3E}">
-        <p14:creationId xmlns:p14="http://schemas.microsoft.com/office/powerpoint/2010/main" val="2640555480"/>
+        <p14:creationId xmlns:p14="http://schemas.microsoft.com/office/powerpoint/2010/main" val="2403441843"/>
       </p:ext>
     </p:extLst>
   </p:cSld>
   <p:clrMapOvr>
     <a:masterClrMapping/>
   </p:clrMapOvr>
+  <p:timing>
+    <p:tnLst>
+      <p:par>
+        <p:cTn id="1" dur="indefinite" restart="never" nodeType="tmRoot"/>
+      </p:par>
+    </p:tnLst>
+  </p:timing>
 </p:sld>
 </file>
 
@@ -4588,78 +4554,6 @@
           <a:p>
             <a:r>
               <a:rPr lang="en-US" dirty="0" smtClean="0"/>
-              <a:t>Any Questions?</a:t>
-            </a:r>
-            <a:endParaRPr lang="en-US" dirty="0"/>
-          </a:p>
-        </p:txBody>
-      </p:sp>
-      <p:sp>
-        <p:nvSpPr>
-          <p:cNvPr id="3" name="Subtitle 2"/>
-          <p:cNvSpPr>
-            <a:spLocks noGrp="1"/>
-          </p:cNvSpPr>
-          <p:nvPr>
-            <p:ph type="subTitle" idx="1"/>
-          </p:nvPr>
-        </p:nvSpPr>
-        <p:spPr/>
-        <p:txBody>
-          <a:bodyPr/>
-          <a:lstStyle/>
-          <a:p>
-            <a:endParaRPr lang="en-US"/>
-          </a:p>
-        </p:txBody>
-      </p:sp>
-    </p:spTree>
-    <p:extLst>
-      <p:ext uri="{BB962C8B-B14F-4D97-AF65-F5344CB8AC3E}">
-        <p14:creationId xmlns:p14="http://schemas.microsoft.com/office/powerpoint/2010/main" val="2403441843"/>
-      </p:ext>
-    </p:extLst>
-  </p:cSld>
-  <p:clrMapOvr>
-    <a:masterClrMapping/>
-  </p:clrMapOvr>
-</p:sld>
-</file>
-
-<file path=ppt/slides/slide18.xml><?xml version="1.0" encoding="utf-8"?>
-<p:sld xmlns:a="http://schemas.openxmlformats.org/drawingml/2006/main" xmlns:r="http://schemas.openxmlformats.org/officeDocument/2006/relationships" xmlns:p="http://schemas.openxmlformats.org/presentationml/2006/main">
-  <p:cSld>
-    <p:spTree>
-      <p:nvGrpSpPr>
-        <p:cNvPr id="1" name=""/>
-        <p:cNvGrpSpPr/>
-        <p:nvPr/>
-      </p:nvGrpSpPr>
-      <p:grpSpPr>
-        <a:xfrm>
-          <a:off x="0" y="0"/>
-          <a:ext cx="0" cy="0"/>
-          <a:chOff x="0" y="0"/>
-          <a:chExt cx="0" cy="0"/>
-        </a:xfrm>
-      </p:grpSpPr>
-      <p:sp>
-        <p:nvSpPr>
-          <p:cNvPr id="2" name="Title 1"/>
-          <p:cNvSpPr>
-            <a:spLocks noGrp="1"/>
-          </p:cNvSpPr>
-          <p:nvPr>
-            <p:ph type="ctrTitle"/>
-          </p:nvPr>
-        </p:nvSpPr>
-        <p:spPr/>
-        <p:txBody>
-          <a:bodyPr/>
-          <a:lstStyle/>
-          <a:p>
-            <a:r>
-              <a:rPr lang="en-US" dirty="0" smtClean="0"/>
               <a:t>Thank you!!!!</a:t>
             </a:r>
             <a:endParaRPr lang="en-US" dirty="0"/>
@@ -4695,6 +4589,13 @@
   <p:clrMapOvr>
     <a:masterClrMapping/>
   </p:clrMapOvr>
+  <p:timing>
+    <p:tnLst>
+      <p:par>
+        <p:cTn id="1" dur="indefinite" restart="never" nodeType="tmRoot"/>
+      </p:par>
+    </p:tnLst>
+  </p:timing>
 </p:sld>
 </file>
 
@@ -4793,11 +4694,6 @@
               </a:rPr>
               <a:t>Directives.</a:t>
             </a:r>
-            <a:endParaRPr lang="en-US" sz="2400" dirty="0">
-              <a:solidFill>
-                <a:schemeClr val="tx1"/>
-              </a:solidFill>
-            </a:endParaRPr>
           </a:p>
           <a:p>
             <a:r>
@@ -4826,39 +4722,18 @@
                   <a:schemeClr val="tx1"/>
                 </a:solidFill>
               </a:rPr>
-              <a:t>Factory</a:t>
-            </a:r>
+              <a:t>Factory.</a:t>
+            </a:r>
+          </a:p>
+          <a:p>
             <a:r>
               <a:rPr lang="en-US" sz="2400" dirty="0">
                 <a:solidFill>
                   <a:schemeClr val="tx1"/>
                 </a:solidFill>
               </a:rPr>
-              <a:t>.</a:t>
-            </a:r>
-          </a:p>
-          <a:p>
-            <a:r>
-              <a:rPr lang="en-US" sz="2400" dirty="0">
-                <a:solidFill>
-                  <a:schemeClr val="tx1"/>
-                </a:solidFill>
-              </a:rPr>
-              <a:t>Custom Directives</a:t>
-            </a:r>
-            <a:r>
-              <a:rPr lang="en-US" sz="2400" dirty="0">
-                <a:solidFill>
-                  <a:schemeClr val="tx1"/>
-                </a:solidFill>
-              </a:rPr>
-              <a:t>.</a:t>
-            </a:r>
-            <a:endParaRPr lang="en-US" sz="2400" dirty="0">
-              <a:solidFill>
-                <a:schemeClr val="tx1"/>
-              </a:solidFill>
-            </a:endParaRPr>
+              <a:t>Custom Directives.</a:t>
+            </a:r>
           </a:p>
         </p:txBody>
       </p:sp>
@@ -4978,11 +4853,6 @@
               </a:rPr>
               <a:t>Mainly used to build single page applications </a:t>
             </a:r>
-            <a:endParaRPr lang="en-US" sz="2400" dirty="0">
-              <a:solidFill>
-                <a:schemeClr val="tx1"/>
-              </a:solidFill>
-            </a:endParaRPr>
           </a:p>
           <a:p>
             <a:r>
@@ -4991,31 +4861,7 @@
                   <a:schemeClr val="tx1"/>
                 </a:solidFill>
               </a:rPr>
-              <a:t>Angular brings traditionally </a:t>
-            </a:r>
-            <a:r>
-              <a:rPr lang="en-US" sz="2400" dirty="0">
-                <a:solidFill>
-                  <a:schemeClr val="tx1"/>
-                </a:solidFill>
-              </a:rPr>
-              <a:t>server-side</a:t>
-            </a:r>
-            <a:r>
-              <a:rPr lang="en-US" sz="2400" dirty="0">
-                <a:solidFill>
-                  <a:schemeClr val="tx1"/>
-                </a:solidFill>
-              </a:rPr>
-              <a:t> services, such as view-dependent controllers, to client-side web applications. Consequently, much of the burden on the server can be </a:t>
-            </a:r>
-            <a:r>
-              <a:rPr lang="en-US" sz="2400" dirty="0">
-                <a:solidFill>
-                  <a:schemeClr val="tx1"/>
-                </a:solidFill>
-              </a:rPr>
-              <a:t>reduced.</a:t>
+              <a:t>Angular brings traditionally server-side services, such as view-dependent controllers, to client-side web applications. Consequently, much of the burden on the server can be reduced.</a:t>
             </a:r>
           </a:p>
           <a:p>
@@ -5848,7 +5694,7 @@
         <p:spPr/>
         <p:txBody>
           <a:bodyPr>
-            <a:normAutofit/>
+            <a:normAutofit fontScale="92500" lnSpcReduction="10000"/>
           </a:bodyPr>
           <a:lstStyle/>
           <a:p>
@@ -5856,12 +5702,12 @@
           </a:p>
           <a:p>
             <a:r>
-              <a:rPr lang="en-US" sz="2400" dirty="0" smtClean="0"/>
-              <a:t>Download </a:t>
-            </a:r>
-            <a:r>
-              <a:rPr lang="en-US" sz="2400" dirty="0" smtClean="0"/>
-              <a:t>AngularJS  from </a:t>
+              <a:rPr lang="en-US" sz="2400" dirty="0">
+                <a:solidFill>
+                  <a:schemeClr val="tx1"/>
+                </a:solidFill>
+              </a:rPr>
+              <a:t>Download AngularJS  from </a:t>
             </a:r>
             <a:r>
               <a:rPr lang="en-US" sz="2400" b="1" dirty="0">
@@ -5951,44 +5797,24 @@
           </a:p>
           <a:p>
             <a:r>
+              <a:rPr lang="en-US" sz="2400" dirty="0" smtClean="0">
+                <a:solidFill>
+                  <a:schemeClr val="tx1"/>
+                </a:solidFill>
+              </a:rPr>
+              <a:t>Clone Repository </a:t>
+            </a:r>
+            <a:r>
               <a:rPr lang="en-US" sz="2400" dirty="0">
-                <a:solidFill>
-                  <a:schemeClr val="tx1"/>
-                </a:solidFill>
-              </a:rPr>
-              <a:t>Setup </a:t>
-            </a:r>
-            <a:r>
-              <a:rPr lang="en-US" sz="2400" dirty="0">
-                <a:solidFill>
-                  <a:schemeClr val="tx1"/>
-                </a:solidFill>
-              </a:rPr>
-              <a:t>IntelliSense</a:t>
-            </a:r>
-            <a:r>
-              <a:rPr lang="en-US" sz="2400" dirty="0">
-                <a:solidFill>
-                  <a:schemeClr val="tx1"/>
-                </a:solidFill>
-              </a:rPr>
-              <a:t> on </a:t>
+                <a:hlinkClick r:id="rId4"/>
+              </a:rPr>
+              <a:t>https://</a:t>
             </a:r>
             <a:r>
               <a:rPr lang="en-US" sz="2400" dirty="0" smtClean="0">
-                <a:solidFill>
-                  <a:schemeClr val="tx1"/>
-                </a:solidFill>
-              </a:rPr>
-              <a:t>VS code </a:t>
-            </a:r>
-            <a:r>
-              <a:rPr lang="en-US" sz="2400" dirty="0">
-                <a:solidFill>
-                  <a:schemeClr val="tx1"/>
-                </a:solidFill>
-              </a:rPr>
-              <a:t>using </a:t>
+                <a:hlinkClick r:id="rId4"/>
+              </a:rPr>
+              <a:t>github.com/GunashekarKoppula/angular_sample_app</a:t>
             </a:r>
             <a:endParaRPr lang="en-US" sz="2400" dirty="0" smtClean="0">
               <a:solidFill>
@@ -5997,6 +5823,37 @@
             </a:endParaRPr>
           </a:p>
           <a:p>
+            <a:r>
+              <a:rPr lang="en-US" sz="2400" dirty="0">
+                <a:solidFill>
+                  <a:schemeClr val="tx1"/>
+                </a:solidFill>
+              </a:rPr>
+              <a:t>Setup IntelliSense on </a:t>
+            </a:r>
+            <a:r>
+              <a:rPr lang="en-US" sz="2400" dirty="0" smtClean="0">
+                <a:solidFill>
+                  <a:schemeClr val="tx1"/>
+                </a:solidFill>
+              </a:rPr>
+              <a:t>VS code </a:t>
+            </a:r>
+            <a:r>
+              <a:rPr lang="en-US" sz="2400" dirty="0">
+                <a:solidFill>
+                  <a:schemeClr val="tx1"/>
+                </a:solidFill>
+              </a:rPr>
+              <a:t>using </a:t>
+            </a:r>
+            <a:endParaRPr lang="en-US" sz="2400" dirty="0" smtClean="0">
+              <a:solidFill>
+                <a:schemeClr val="tx1"/>
+              </a:solidFill>
+            </a:endParaRPr>
+          </a:p>
+          <a:p>
             <a:pPr marL="0" indent="0">
               <a:buNone/>
             </a:pPr>
@@ -6006,7 +5863,33 @@
                   <a:schemeClr val="tx1"/>
                 </a:solidFill>
               </a:rPr>
-              <a:t> </a:t>
+              <a:t>    </a:t>
+            </a:r>
+            <a:r>
+              <a:rPr lang="nb-NO" sz="2400" dirty="0">
+                <a:solidFill>
+                  <a:schemeClr val="tx1"/>
+                </a:solidFill>
+              </a:rPr>
+              <a:t>npm install -g --save-dev @</a:t>
+            </a:r>
+            <a:r>
+              <a:rPr lang="nb-NO" sz="2400" dirty="0" smtClean="0">
+                <a:solidFill>
+                  <a:schemeClr val="tx1"/>
+                </a:solidFill>
+              </a:rPr>
+              <a:t>types/angular</a:t>
+            </a:r>
+          </a:p>
+          <a:p>
+            <a:r>
+              <a:rPr lang="en-US" sz="2400" dirty="0" err="1">
+                <a:solidFill>
+                  <a:schemeClr val="tx1"/>
+                </a:solidFill>
+              </a:rPr>
+              <a:t>Npm</a:t>
             </a:r>
             <a:r>
               <a:rPr lang="en-US" sz="2400" dirty="0">
@@ -6014,23 +5897,47 @@
                   <a:schemeClr val="tx1"/>
                 </a:solidFill>
               </a:rPr>
-              <a:t>   </a:t>
-            </a:r>
-            <a:r>
-              <a:rPr lang="nb-NO" sz="2400" dirty="0">
-                <a:solidFill>
-                  <a:schemeClr val="tx1"/>
-                </a:solidFill>
-              </a:rPr>
-              <a:t>npm </a:t>
-            </a:r>
-            <a:r>
-              <a:rPr lang="nb-NO" sz="2400" dirty="0">
-                <a:solidFill>
-                  <a:schemeClr val="tx1"/>
-                </a:solidFill>
-              </a:rPr>
-              <a:t>install -g --save-dev @types/angular</a:t>
+              <a:t> install –g static-server </a:t>
+            </a:r>
+            <a:r>
+              <a:rPr lang="en-US" sz="2400" dirty="0" smtClean="0">
+                <a:solidFill>
+                  <a:schemeClr val="tx1"/>
+                </a:solidFill>
+              </a:rPr>
+              <a:t> &amp; Static </a:t>
+            </a:r>
+            <a:r>
+              <a:rPr lang="en-US" sz="2400" dirty="0">
+                <a:solidFill>
+                  <a:schemeClr val="tx1"/>
+                </a:solidFill>
+              </a:rPr>
+              <a:t>–p </a:t>
+            </a:r>
+            <a:r>
+              <a:rPr lang="en-US" sz="2400" dirty="0" smtClean="0">
+                <a:solidFill>
+                  <a:schemeClr val="tx1"/>
+                </a:solidFill>
+              </a:rPr>
+              <a:t>“</a:t>
+            </a:r>
+            <a:r>
+              <a:rPr lang="en-US" sz="2400" dirty="0" err="1" smtClean="0">
+                <a:solidFill>
+                  <a:schemeClr val="tx1"/>
+                </a:solidFill>
+              </a:rPr>
+              <a:t>portnumber</a:t>
+            </a:r>
+            <a:r>
+              <a:rPr lang="en-US" sz="2400" dirty="0" smtClean="0">
+                <a:solidFill>
+                  <a:schemeClr val="tx1"/>
+                </a:solidFill>
+              </a:rPr>
+              <a:t>”</a:t>
             </a:r>
             <a:endParaRPr lang="en-US" sz="2400" dirty="0">
               <a:solidFill>
@@ -6045,21 +5952,8 @@
                   <a:schemeClr val="tx1"/>
                 </a:solidFill>
               </a:rPr>
-              <a:t>Include ng-app attribute </a:t>
-            </a:r>
-            <a:r>
-              <a:rPr lang="en-US" sz="2400" dirty="0">
-                <a:solidFill>
-                  <a:schemeClr val="tx1"/>
-                </a:solidFill>
-              </a:rPr>
-              <a:t>in html code.</a:t>
-            </a:r>
-            <a:endParaRPr lang="en-US" sz="2400" dirty="0">
-              <a:solidFill>
-                <a:schemeClr val="tx1"/>
-              </a:solidFill>
-            </a:endParaRPr>
+              <a:t>Include ng-app attribute in html code.</a:t>
+            </a:r>
           </a:p>
         </p:txBody>
       </p:sp>
@@ -6189,33 +6083,36 @@
                   <a:schemeClr val="tx1"/>
                 </a:solidFill>
               </a:rPr>
-              <a:t>ng-model directive binds the value of HTML controls (input, select, </a:t>
-            </a:r>
+              <a:t>ng-model directive binds the value of HTML controls (input, select, text area) to application data.</a:t>
+            </a:r>
+          </a:p>
+          <a:p>
             <a:r>
               <a:rPr lang="en-US" sz="2400" dirty="0">
                 <a:solidFill>
                   <a:schemeClr val="tx1"/>
                 </a:solidFill>
               </a:rPr>
-              <a:t>text area) </a:t>
-            </a:r>
+              <a:t>ng-controller directive attaches a controller class to the view.</a:t>
+            </a:r>
+          </a:p>
+          <a:p>
             <a:r>
               <a:rPr lang="en-US" sz="2400" dirty="0">
                 <a:solidFill>
                   <a:schemeClr val="tx1"/>
                 </a:solidFill>
               </a:rPr>
-              <a:t>to application data.</a:t>
-            </a:r>
-          </a:p>
-          <a:p>
+              <a:t>Learn more at </a:t>
+            </a:r>
             <a:r>
               <a:rPr lang="en-US" sz="2400" dirty="0">
                 <a:solidFill>
-                  <a:schemeClr val="tx1"/>
-                </a:solidFill>
-              </a:rPr>
-              <a:t>ng-controller directive attaches a controller class to the view</a:t>
+                  <a:srgbClr val="92D050"/>
+                </a:solidFill>
+                <a:hlinkClick r:id="rId2"/>
+              </a:rPr>
+              <a:t>https://code.angularjs.org/1.7.8/docs/api/ng/directive</a:t>
             </a:r>
             <a:r>
               <a:rPr lang="en-US" sz="2400" dirty="0">
@@ -6225,47 +6122,6 @@
               </a:rPr>
               <a:t>.</a:t>
             </a:r>
-          </a:p>
-          <a:p>
-            <a:r>
-              <a:rPr lang="en-US" sz="2400" dirty="0">
-                <a:solidFill>
-                  <a:schemeClr val="tx1"/>
-                </a:solidFill>
-              </a:rPr>
-              <a:t>Learn more at </a:t>
-            </a:r>
-            <a:r>
-              <a:rPr lang="en-US" sz="2400" dirty="0">
-                <a:solidFill>
-                  <a:srgbClr val="92D050"/>
-                </a:solidFill>
-                <a:hlinkClick r:id="rId2"/>
-              </a:rPr>
-              <a:t>https://</a:t>
-            </a:r>
-            <a:r>
-              <a:rPr lang="en-US" sz="2400" dirty="0">
-                <a:solidFill>
-                  <a:srgbClr val="92D050"/>
-                </a:solidFill>
-                <a:hlinkClick r:id="rId2"/>
-              </a:rPr>
-              <a:t>code.angularjs.org/1.7.8/docs/api/ng/directive</a:t>
-            </a:r>
-            <a:r>
-              <a:rPr lang="en-US" sz="2400" dirty="0">
-                <a:solidFill>
-                  <a:schemeClr val="tx1"/>
-                </a:solidFill>
-              </a:rPr>
-              <a:t>.</a:t>
-            </a:r>
-            <a:endParaRPr lang="en-US" sz="2400" dirty="0">
-              <a:solidFill>
-                <a:schemeClr val="tx1"/>
-              </a:solidFill>
-            </a:endParaRPr>
           </a:p>
         </p:txBody>
       </p:sp>
@@ -6486,15 +6342,20 @@
                   <a:schemeClr val="tx1"/>
                 </a:solidFill>
               </a:rPr>
-              <a:t> </a:t>
-            </a:r>
+              <a:t>     use the angular objects module method to create a           </a:t>
+            </a:r>
+          </a:p>
+          <a:p>
+            <a:pPr marL="0" indent="0">
+              <a:buNone/>
+            </a:pPr>
             <a:r>
               <a:rPr lang="en-US" sz="2400" dirty="0">
                 <a:solidFill>
                   <a:schemeClr val="tx1"/>
                 </a:solidFill>
               </a:rPr>
-              <a:t>    use the angular objects module method to create a           </a:t>
+              <a:t>     module.</a:t>
             </a:r>
           </a:p>
           <a:p>
@@ -6507,7 +6368,15 @@
                   <a:schemeClr val="tx1"/>
                 </a:solidFill>
               </a:rPr>
-              <a:t> </a:t>
+              <a:t>     </a:t>
+            </a:r>
+            <a:r>
+              <a:rPr lang="en-US" sz="2400" dirty="0" err="1">
+                <a:solidFill>
+                  <a:schemeClr val="tx1"/>
+                </a:solidFill>
+              </a:rPr>
+              <a:t>var</a:t>
             </a:r>
             <a:r>
               <a:rPr lang="en-US" sz="2400" dirty="0">
@@ -6515,20 +6384,31 @@
                   <a:schemeClr val="tx1"/>
                 </a:solidFill>
               </a:rPr>
-              <a:t>    module.</a:t>
-            </a:r>
-          </a:p>
-          <a:p>
-            <a:pPr marL="0" indent="0">
-              <a:buNone/>
-            </a:pPr>
+              <a:t> app = </a:t>
+            </a:r>
+            <a:r>
+              <a:rPr lang="en-US" sz="2400" dirty="0" err="1">
+                <a:solidFill>
+                  <a:schemeClr val="tx1"/>
+                </a:solidFill>
+              </a:rPr>
+              <a:t>angular.module</a:t>
+            </a:r>
             <a:r>
               <a:rPr lang="en-US" sz="2400" dirty="0">
                 <a:solidFill>
                   <a:schemeClr val="tx1"/>
                 </a:solidFill>
               </a:rPr>
-              <a:t> </a:t>
+              <a:t>("</a:t>
+            </a:r>
+            <a:r>
+              <a:rPr lang="en-US" sz="2400" dirty="0" err="1">
+                <a:solidFill>
+                  <a:schemeClr val="tx1"/>
+                </a:solidFill>
+              </a:rPr>
+              <a:t>myApp</a:t>
             </a:r>
             <a:r>
               <a:rPr lang="en-US" sz="2400" dirty="0">
@@ -6536,71 +6416,7 @@
                   <a:schemeClr val="tx1"/>
                 </a:solidFill>
               </a:rPr>
-              <a:t>    </a:t>
-            </a:r>
-            <a:r>
-              <a:rPr lang="en-US" sz="2400" dirty="0" err="1">
-                <a:solidFill>
-                  <a:schemeClr val="tx1"/>
-                </a:solidFill>
-              </a:rPr>
-              <a:t>var</a:t>
-            </a:r>
-            <a:r>
-              <a:rPr lang="en-US" sz="2400" dirty="0">
-                <a:solidFill>
-                  <a:schemeClr val="tx1"/>
-                </a:solidFill>
-              </a:rPr>
-              <a:t> </a:t>
-            </a:r>
-            <a:r>
-              <a:rPr lang="en-US" sz="2400" dirty="0">
-                <a:solidFill>
-                  <a:schemeClr val="tx1"/>
-                </a:solidFill>
-              </a:rPr>
-              <a:t>app = </a:t>
-            </a:r>
-            <a:r>
-              <a:rPr lang="en-US" sz="2400" dirty="0" err="1">
-                <a:solidFill>
-                  <a:schemeClr val="tx1"/>
-                </a:solidFill>
-              </a:rPr>
-              <a:t>angular.module</a:t>
-            </a:r>
-            <a:r>
-              <a:rPr lang="en-US" sz="2400" dirty="0">
-                <a:solidFill>
-                  <a:schemeClr val="tx1"/>
-                </a:solidFill>
-              </a:rPr>
-              <a:t>("</a:t>
-            </a:r>
-            <a:r>
-              <a:rPr lang="en-US" sz="2400" dirty="0" err="1">
-                <a:solidFill>
-                  <a:schemeClr val="tx1"/>
-                </a:solidFill>
-              </a:rPr>
-              <a:t>myApp</a:t>
-            </a:r>
-            <a:r>
-              <a:rPr lang="en-US" sz="2400" dirty="0">
-                <a:solidFill>
-                  <a:schemeClr val="tx1"/>
-                </a:solidFill>
-              </a:rPr>
-              <a:t>", </a:t>
-            </a:r>
-            <a:r>
-              <a:rPr lang="en-US" sz="2400" dirty="0">
-                <a:solidFill>
-                  <a:schemeClr val="tx1"/>
-                </a:solidFill>
-              </a:rPr>
-              <a:t>[]); </a:t>
+              <a:t>", []); </a:t>
             </a:r>
           </a:p>
           <a:p>
@@ -6866,68 +6682,52 @@
                   <a:schemeClr val="tx1"/>
                 </a:solidFill>
               </a:rPr>
+              <a:t>     </a:t>
+            </a:r>
+            <a:r>
+              <a:rPr lang="en-US" sz="2400" dirty="0" err="1">
+                <a:solidFill>
+                  <a:schemeClr val="tx1"/>
+                </a:solidFill>
+              </a:rPr>
+              <a:t>var</a:t>
+            </a:r>
+            <a:r>
+              <a:rPr lang="en-US" sz="2400" dirty="0">
+                <a:solidFill>
+                  <a:schemeClr val="tx1"/>
+                </a:solidFill>
+              </a:rPr>
               <a:t> </a:t>
             </a:r>
             <a:r>
+              <a:rPr lang="en-US" sz="2400" dirty="0" err="1">
+                <a:solidFill>
+                  <a:schemeClr val="tx1"/>
+                </a:solidFill>
+              </a:rPr>
+              <a:t>myController</a:t>
+            </a:r>
+            <a:r>
               <a:rPr lang="en-US" sz="2400" dirty="0">
                 <a:solidFill>
                   <a:schemeClr val="tx1"/>
                 </a:solidFill>
               </a:rPr>
-              <a:t>    </a:t>
-            </a:r>
-            <a:r>
-              <a:rPr lang="en-US" sz="2400" dirty="0" err="1">
-                <a:solidFill>
-                  <a:schemeClr val="tx1"/>
-                </a:solidFill>
-              </a:rPr>
-              <a:t>var</a:t>
-            </a:r>
+              <a:t>= function($scope){</a:t>
+            </a:r>
+          </a:p>
+          <a:p>
+            <a:pPr marL="0" indent="0">
+              <a:buNone/>
+            </a:pPr>
             <a:r>
               <a:rPr lang="en-US" sz="2400" dirty="0">
                 <a:solidFill>
                   <a:schemeClr val="tx1"/>
                 </a:solidFill>
               </a:rPr>
-              <a:t> </a:t>
-            </a:r>
-            <a:r>
-              <a:rPr lang="en-US" sz="2400" dirty="0" err="1">
-                <a:solidFill>
-                  <a:schemeClr val="tx1"/>
-                </a:solidFill>
-              </a:rPr>
-              <a:t>myController</a:t>
-            </a:r>
-            <a:r>
-              <a:rPr lang="en-US" sz="2400" dirty="0">
-                <a:solidFill>
-                  <a:schemeClr val="tx1"/>
-                </a:solidFill>
-              </a:rPr>
-              <a:t>= function($scope){</a:t>
-            </a:r>
-          </a:p>
-          <a:p>
-            <a:pPr marL="0" indent="0">
-              <a:buNone/>
-            </a:pPr>
-            <a:r>
-              <a:rPr lang="en-US" sz="2400" dirty="0">
-                <a:solidFill>
-                  <a:schemeClr val="tx1"/>
-                </a:solidFill>
-              </a:rPr>
-              <a:t> </a:t>
-            </a:r>
-            <a:r>
-              <a:rPr lang="en-US" sz="2400" dirty="0">
-                <a:solidFill>
-                  <a:schemeClr val="tx1"/>
-                </a:solidFill>
-              </a:rPr>
-              <a:t>     $</a:t>
+              <a:t>      $</a:t>
             </a:r>
             <a:r>
               <a:rPr lang="en-US" sz="2400" dirty="0" err="1" smtClean="0">
@@ -6977,21 +6777,8 @@
                   <a:schemeClr val="tx1"/>
                 </a:solidFill>
               </a:rPr>
-              <a:t> </a:t>
-            </a:r>
-            <a:r>
-              <a:rPr lang="en-US" sz="2400" dirty="0">
-                <a:solidFill>
-                  <a:schemeClr val="tx1"/>
-                </a:solidFill>
-              </a:rPr>
-              <a:t>     }</a:t>
-            </a:r>
-            <a:endParaRPr lang="en-US" sz="2400" dirty="0">
-              <a:solidFill>
-                <a:schemeClr val="tx1"/>
-              </a:solidFill>
-            </a:endParaRPr>
+              <a:t>      }</a:t>
+            </a:r>
           </a:p>
         </p:txBody>
       </p:sp>

--- a/Angular JS - Workshop.pptx
+++ b/Angular JS - Workshop.pptx
@@ -19,9 +19,10 @@
     <p:sldId id="265" r:id="rId13"/>
     <p:sldId id="266" r:id="rId14"/>
     <p:sldId id="268" r:id="rId15"/>
-    <p:sldId id="270" r:id="rId16"/>
-    <p:sldId id="271" r:id="rId17"/>
-    <p:sldId id="272" r:id="rId18"/>
+    <p:sldId id="273" r:id="rId16"/>
+    <p:sldId id="270" r:id="rId17"/>
+    <p:sldId id="271" r:id="rId18"/>
+    <p:sldId id="272" r:id="rId19"/>
   </p:sldIdLst>
   <p:sldSz cx="12192000" cy="6858000"/>
   <p:notesSz cx="6858000" cy="9144000"/>
@@ -254,7 +255,7 @@
           </a:lstStyle>
           <a:p>
             <a:r>
-              <a:rPr lang="en-US" smtClean="0"/>
+              <a:rPr lang="en-US"/>
               <a:t>Click to edit Master title style</a:t>
             </a:r>
             <a:endParaRPr lang="en-US" dirty="0"/>
@@ -328,7 +329,7 @@
           </a:lstStyle>
           <a:p>
             <a:r>
-              <a:rPr lang="en-US" smtClean="0"/>
+              <a:rPr lang="en-US"/>
               <a:t>Click to edit Master subtitle style</a:t>
             </a:r>
             <a:endParaRPr lang="en-US" dirty="0"/>
@@ -353,7 +354,7 @@
             <a:fld id="{5586B75A-687E-405C-8A0B-8D00578BA2C3}" type="datetimeFigureOut">
               <a:rPr lang="en-US" dirty="0"/>
               <a:pPr/>
-              <a:t>5/20/2019</a:t>
+              <a:t>5/21/2019</a:t>
             </a:fld>
             <a:endParaRPr lang="en-US" dirty="0"/>
           </a:p>
@@ -443,7 +444,7 @@
           <a:lstStyle/>
           <a:p>
             <a:r>
-              <a:rPr lang="en-US" smtClean="0"/>
+              <a:rPr lang="en-US"/>
               <a:t>Click to edit Master title style</a:t>
             </a:r>
             <a:endParaRPr lang="en-US" dirty="0"/>
@@ -467,35 +468,35 @@
           <a:p>
             <a:pPr lvl="0"/>
             <a:r>
-              <a:rPr lang="en-US" smtClean="0"/>
+              <a:rPr lang="en-US"/>
               <a:t>Edit Master text styles</a:t>
             </a:r>
           </a:p>
           <a:p>
             <a:pPr lvl="1"/>
             <a:r>
-              <a:rPr lang="en-US" smtClean="0"/>
+              <a:rPr lang="en-US"/>
               <a:t>Second level</a:t>
             </a:r>
           </a:p>
           <a:p>
             <a:pPr lvl="2"/>
             <a:r>
-              <a:rPr lang="en-US" smtClean="0"/>
+              <a:rPr lang="en-US"/>
               <a:t>Third level</a:t>
             </a:r>
           </a:p>
           <a:p>
             <a:pPr lvl="3"/>
             <a:r>
-              <a:rPr lang="en-US" smtClean="0"/>
+              <a:rPr lang="en-US"/>
               <a:t>Fourth level</a:t>
             </a:r>
           </a:p>
           <a:p>
             <a:pPr lvl="4"/>
             <a:r>
-              <a:rPr lang="en-US" smtClean="0"/>
+              <a:rPr lang="en-US"/>
               <a:t>Fifth level</a:t>
             </a:r>
             <a:endParaRPr lang="en-US" dirty="0"/>
@@ -520,7 +521,7 @@
             <a:fld id="{5586B75A-687E-405C-8A0B-8D00578BA2C3}" type="datetimeFigureOut">
               <a:rPr lang="en-US" dirty="0"/>
               <a:pPr/>
-              <a:t>5/20/2019</a:t>
+              <a:t>5/21/2019</a:t>
             </a:fld>
             <a:endParaRPr lang="en-US" dirty="0"/>
           </a:p>
@@ -615,7 +616,7 @@
           <a:lstStyle/>
           <a:p>
             <a:r>
-              <a:rPr lang="en-US" smtClean="0"/>
+              <a:rPr lang="en-US"/>
               <a:t>Click to edit Master title style</a:t>
             </a:r>
             <a:endParaRPr lang="en-US" dirty="0"/>
@@ -644,35 +645,35 @@
           <a:p>
             <a:pPr lvl="0"/>
             <a:r>
-              <a:rPr lang="en-US" smtClean="0"/>
+              <a:rPr lang="en-US"/>
               <a:t>Edit Master text styles</a:t>
             </a:r>
           </a:p>
           <a:p>
             <a:pPr lvl="1"/>
             <a:r>
-              <a:rPr lang="en-US" smtClean="0"/>
+              <a:rPr lang="en-US"/>
               <a:t>Second level</a:t>
             </a:r>
           </a:p>
           <a:p>
             <a:pPr lvl="2"/>
             <a:r>
-              <a:rPr lang="en-US" smtClean="0"/>
+              <a:rPr lang="en-US"/>
               <a:t>Third level</a:t>
             </a:r>
           </a:p>
           <a:p>
             <a:pPr lvl="3"/>
             <a:r>
-              <a:rPr lang="en-US" smtClean="0"/>
+              <a:rPr lang="en-US"/>
               <a:t>Fourth level</a:t>
             </a:r>
           </a:p>
           <a:p>
             <a:pPr lvl="4"/>
             <a:r>
-              <a:rPr lang="en-US" smtClean="0"/>
+              <a:rPr lang="en-US"/>
               <a:t>Fifth level</a:t>
             </a:r>
             <a:endParaRPr lang="en-US" dirty="0"/>
@@ -697,7 +698,7 @@
             <a:fld id="{5586B75A-687E-405C-8A0B-8D00578BA2C3}" type="datetimeFigureOut">
               <a:rPr lang="en-US" dirty="0"/>
               <a:pPr/>
-              <a:t>5/20/2019</a:t>
+              <a:t>5/21/2019</a:t>
             </a:fld>
             <a:endParaRPr lang="en-US" dirty="0"/>
           </a:p>
@@ -787,7 +788,7 @@
           <a:lstStyle/>
           <a:p>
             <a:r>
-              <a:rPr lang="en-US" smtClean="0"/>
+              <a:rPr lang="en-US"/>
               <a:t>Click to edit Master title style</a:t>
             </a:r>
             <a:endParaRPr lang="en-US" dirty="0"/>
@@ -811,35 +812,35 @@
           <a:p>
             <a:pPr lvl="0"/>
             <a:r>
-              <a:rPr lang="en-US" smtClean="0"/>
+              <a:rPr lang="en-US"/>
               <a:t>Edit Master text styles</a:t>
             </a:r>
           </a:p>
           <a:p>
             <a:pPr lvl="1"/>
             <a:r>
-              <a:rPr lang="en-US" smtClean="0"/>
+              <a:rPr lang="en-US"/>
               <a:t>Second level</a:t>
             </a:r>
           </a:p>
           <a:p>
             <a:pPr lvl="2"/>
             <a:r>
-              <a:rPr lang="en-US" smtClean="0"/>
+              <a:rPr lang="en-US"/>
               <a:t>Third level</a:t>
             </a:r>
           </a:p>
           <a:p>
             <a:pPr lvl="3"/>
             <a:r>
-              <a:rPr lang="en-US" smtClean="0"/>
+              <a:rPr lang="en-US"/>
               <a:t>Fourth level</a:t>
             </a:r>
           </a:p>
           <a:p>
             <a:pPr lvl="4"/>
             <a:r>
-              <a:rPr lang="en-US" smtClean="0"/>
+              <a:rPr lang="en-US"/>
               <a:t>Fifth level</a:t>
             </a:r>
             <a:endParaRPr lang="en-US" dirty="0"/>
@@ -864,7 +865,7 @@
             <a:fld id="{5586B75A-687E-405C-8A0B-8D00578BA2C3}" type="datetimeFigureOut">
               <a:rPr lang="en-US" dirty="0"/>
               <a:pPr/>
-              <a:t>5/20/2019</a:t>
+              <a:t>5/21/2019</a:t>
             </a:fld>
             <a:endParaRPr lang="en-US" dirty="0"/>
           </a:p>
@@ -972,7 +973,7 @@
           </a:lstStyle>
           <a:p>
             <a:r>
-              <a:rPr lang="en-US" smtClean="0"/>
+              <a:rPr lang="en-US"/>
               <a:t>Click to edit Master title style</a:t>
             </a:r>
             <a:endParaRPr lang="en-US" dirty="0"/>
@@ -1095,7 +1096,7 @@
           <a:p>
             <a:pPr lvl="0"/>
             <a:r>
-              <a:rPr lang="en-US" smtClean="0"/>
+              <a:rPr lang="en-US"/>
               <a:t>Edit Master text styles</a:t>
             </a:r>
           </a:p>
@@ -1119,7 +1120,7 @@
             <a:fld id="{5586B75A-687E-405C-8A0B-8D00578BA2C3}" type="datetimeFigureOut">
               <a:rPr lang="en-US" dirty="0"/>
               <a:pPr/>
-              <a:t>5/20/2019</a:t>
+              <a:t>5/21/2019</a:t>
             </a:fld>
             <a:endParaRPr lang="en-US" dirty="0"/>
           </a:p>
@@ -1209,7 +1210,7 @@
           <a:lstStyle/>
           <a:p>
             <a:r>
-              <a:rPr lang="en-US" smtClean="0"/>
+              <a:rPr lang="en-US"/>
               <a:t>Click to edit Master title style</a:t>
             </a:r>
             <a:endParaRPr lang="en-US" dirty="0"/>
@@ -1266,35 +1267,35 @@
           <a:p>
             <a:pPr lvl="0"/>
             <a:r>
-              <a:rPr lang="en-US" smtClean="0"/>
+              <a:rPr lang="en-US"/>
               <a:t>Edit Master text styles</a:t>
             </a:r>
           </a:p>
           <a:p>
             <a:pPr lvl="1"/>
             <a:r>
-              <a:rPr lang="en-US" smtClean="0"/>
+              <a:rPr lang="en-US"/>
               <a:t>Second level</a:t>
             </a:r>
           </a:p>
           <a:p>
             <a:pPr lvl="2"/>
             <a:r>
-              <a:rPr lang="en-US" smtClean="0"/>
+              <a:rPr lang="en-US"/>
               <a:t>Third level</a:t>
             </a:r>
           </a:p>
           <a:p>
             <a:pPr lvl="3"/>
             <a:r>
-              <a:rPr lang="en-US" smtClean="0"/>
+              <a:rPr lang="en-US"/>
               <a:t>Fourth level</a:t>
             </a:r>
           </a:p>
           <a:p>
             <a:pPr lvl="4"/>
             <a:r>
-              <a:rPr lang="en-US" smtClean="0"/>
+              <a:rPr lang="en-US"/>
               <a:t>Fifth level</a:t>
             </a:r>
             <a:endParaRPr lang="en-US" dirty="0"/>
@@ -1351,35 +1352,35 @@
           <a:p>
             <a:pPr lvl="0"/>
             <a:r>
-              <a:rPr lang="en-US" smtClean="0"/>
+              <a:rPr lang="en-US"/>
               <a:t>Edit Master text styles</a:t>
             </a:r>
           </a:p>
           <a:p>
             <a:pPr lvl="1"/>
             <a:r>
-              <a:rPr lang="en-US" smtClean="0"/>
+              <a:rPr lang="en-US"/>
               <a:t>Second level</a:t>
             </a:r>
           </a:p>
           <a:p>
             <a:pPr lvl="2"/>
             <a:r>
-              <a:rPr lang="en-US" smtClean="0"/>
+              <a:rPr lang="en-US"/>
               <a:t>Third level</a:t>
             </a:r>
           </a:p>
           <a:p>
             <a:pPr lvl="3"/>
             <a:r>
-              <a:rPr lang="en-US" smtClean="0"/>
+              <a:rPr lang="en-US"/>
               <a:t>Fourth level</a:t>
             </a:r>
           </a:p>
           <a:p>
             <a:pPr lvl="4"/>
             <a:r>
-              <a:rPr lang="en-US" smtClean="0"/>
+              <a:rPr lang="en-US"/>
               <a:t>Fifth level</a:t>
             </a:r>
             <a:endParaRPr lang="en-US" dirty="0"/>
@@ -1404,7 +1405,7 @@
             <a:fld id="{5586B75A-687E-405C-8A0B-8D00578BA2C3}" type="datetimeFigureOut">
               <a:rPr lang="en-US" dirty="0"/>
               <a:pPr/>
-              <a:t>5/20/2019</a:t>
+              <a:t>5/21/2019</a:t>
             </a:fld>
             <a:endParaRPr lang="en-US" dirty="0"/>
           </a:p>
@@ -1494,7 +1495,7 @@
           <a:lstStyle/>
           <a:p>
             <a:r>
-              <a:rPr lang="en-US" smtClean="0"/>
+              <a:rPr lang="en-US"/>
               <a:t>Click to edit Master title style</a:t>
             </a:r>
             <a:endParaRPr lang="en-US" dirty="0"/>
@@ -1572,7 +1573,7 @@
           <a:p>
             <a:pPr lvl="0"/>
             <a:r>
-              <a:rPr lang="en-US" smtClean="0"/>
+              <a:rPr lang="en-US"/>
               <a:t>Edit Master text styles</a:t>
             </a:r>
           </a:p>
@@ -1628,35 +1629,35 @@
           <a:p>
             <a:pPr lvl="0"/>
             <a:r>
-              <a:rPr lang="en-US" smtClean="0"/>
+              <a:rPr lang="en-US"/>
               <a:t>Edit Master text styles</a:t>
             </a:r>
           </a:p>
           <a:p>
             <a:pPr lvl="1"/>
             <a:r>
-              <a:rPr lang="en-US" smtClean="0"/>
+              <a:rPr lang="en-US"/>
               <a:t>Second level</a:t>
             </a:r>
           </a:p>
           <a:p>
             <a:pPr lvl="2"/>
             <a:r>
-              <a:rPr lang="en-US" smtClean="0"/>
+              <a:rPr lang="en-US"/>
               <a:t>Third level</a:t>
             </a:r>
           </a:p>
           <a:p>
             <a:pPr lvl="3"/>
             <a:r>
-              <a:rPr lang="en-US" smtClean="0"/>
+              <a:rPr lang="en-US"/>
               <a:t>Fourth level</a:t>
             </a:r>
           </a:p>
           <a:p>
             <a:pPr lvl="4"/>
             <a:r>
-              <a:rPr lang="en-US" smtClean="0"/>
+              <a:rPr lang="en-US"/>
               <a:t>Fifth level</a:t>
             </a:r>
             <a:endParaRPr lang="en-US" dirty="0"/>
@@ -1734,7 +1735,7 @@
           <a:p>
             <a:pPr lvl="0"/>
             <a:r>
-              <a:rPr lang="en-US" smtClean="0"/>
+              <a:rPr lang="en-US"/>
               <a:t>Edit Master text styles</a:t>
             </a:r>
           </a:p>
@@ -1790,35 +1791,35 @@
           <a:p>
             <a:pPr lvl="0"/>
             <a:r>
-              <a:rPr lang="en-US" smtClean="0"/>
+              <a:rPr lang="en-US"/>
               <a:t>Edit Master text styles</a:t>
             </a:r>
           </a:p>
           <a:p>
             <a:pPr lvl="1"/>
             <a:r>
-              <a:rPr lang="en-US" smtClean="0"/>
+              <a:rPr lang="en-US"/>
               <a:t>Second level</a:t>
             </a:r>
           </a:p>
           <a:p>
             <a:pPr lvl="2"/>
             <a:r>
-              <a:rPr lang="en-US" smtClean="0"/>
+              <a:rPr lang="en-US"/>
               <a:t>Third level</a:t>
             </a:r>
           </a:p>
           <a:p>
             <a:pPr lvl="3"/>
             <a:r>
-              <a:rPr lang="en-US" smtClean="0"/>
+              <a:rPr lang="en-US"/>
               <a:t>Fourth level</a:t>
             </a:r>
           </a:p>
           <a:p>
             <a:pPr lvl="4"/>
             <a:r>
-              <a:rPr lang="en-US" smtClean="0"/>
+              <a:rPr lang="en-US"/>
               <a:t>Fifth level</a:t>
             </a:r>
             <a:endParaRPr lang="en-US" dirty="0"/>
@@ -1843,7 +1844,7 @@
             <a:fld id="{5586B75A-687E-405C-8A0B-8D00578BA2C3}" type="datetimeFigureOut">
               <a:rPr lang="en-US" dirty="0"/>
               <a:pPr/>
-              <a:t>5/20/2019</a:t>
+              <a:t>5/21/2019</a:t>
             </a:fld>
             <a:endParaRPr lang="en-US" dirty="0"/>
           </a:p>
@@ -1933,7 +1934,7 @@
           <a:lstStyle/>
           <a:p>
             <a:r>
-              <a:rPr lang="en-US" smtClean="0"/>
+              <a:rPr lang="en-US"/>
               <a:t>Click to edit Master title style</a:t>
             </a:r>
             <a:endParaRPr lang="en-US" dirty="0"/>
@@ -1958,7 +1959,7 @@
             <a:fld id="{5586B75A-687E-405C-8A0B-8D00578BA2C3}" type="datetimeFigureOut">
               <a:rPr lang="en-US" dirty="0"/>
               <a:pPr/>
-              <a:t>5/20/2019</a:t>
+              <a:t>5/21/2019</a:t>
             </a:fld>
             <a:endParaRPr lang="en-US" dirty="0"/>
           </a:p>
@@ -2050,7 +2051,7 @@
             <a:fld id="{5586B75A-687E-405C-8A0B-8D00578BA2C3}" type="datetimeFigureOut">
               <a:rPr lang="en-US" dirty="0"/>
               <a:pPr/>
-              <a:t>5/20/2019</a:t>
+              <a:t>5/21/2019</a:t>
             </a:fld>
             <a:endParaRPr lang="en-US" dirty="0"/>
           </a:p>
@@ -2151,7 +2152,7 @@
           </a:lstStyle>
           <a:p>
             <a:r>
-              <a:rPr lang="en-US" smtClean="0"/>
+              <a:rPr lang="en-US"/>
               <a:t>Click to edit Master title style</a:t>
             </a:r>
             <a:endParaRPr lang="en-US" dirty="0"/>
@@ -2208,35 +2209,35 @@
           <a:p>
             <a:pPr lvl="0"/>
             <a:r>
-              <a:rPr lang="en-US" smtClean="0"/>
+              <a:rPr lang="en-US"/>
               <a:t>Edit Master text styles</a:t>
             </a:r>
           </a:p>
           <a:p>
             <a:pPr lvl="1"/>
             <a:r>
-              <a:rPr lang="en-US" smtClean="0"/>
+              <a:rPr lang="en-US"/>
               <a:t>Second level</a:t>
             </a:r>
           </a:p>
           <a:p>
             <a:pPr lvl="2"/>
             <a:r>
-              <a:rPr lang="en-US" smtClean="0"/>
+              <a:rPr lang="en-US"/>
               <a:t>Third level</a:t>
             </a:r>
           </a:p>
           <a:p>
             <a:pPr lvl="3"/>
             <a:r>
-              <a:rPr lang="en-US" smtClean="0"/>
+              <a:rPr lang="en-US"/>
               <a:t>Fourth level</a:t>
             </a:r>
           </a:p>
           <a:p>
             <a:pPr lvl="4"/>
             <a:r>
-              <a:rPr lang="en-US" smtClean="0"/>
+              <a:rPr lang="en-US"/>
               <a:t>Fifth level</a:t>
             </a:r>
             <a:endParaRPr lang="en-US" dirty="0"/>
@@ -2311,7 +2312,7 @@
           <a:p>
             <a:pPr lvl="0"/>
             <a:r>
-              <a:rPr lang="en-US" smtClean="0"/>
+              <a:rPr lang="en-US"/>
               <a:t>Edit Master text styles</a:t>
             </a:r>
           </a:p>
@@ -2335,7 +2336,7 @@
             <a:fld id="{5586B75A-687E-405C-8A0B-8D00578BA2C3}" type="datetimeFigureOut">
               <a:rPr lang="en-US" dirty="0"/>
               <a:pPr/>
-              <a:t>5/20/2019</a:t>
+              <a:t>5/21/2019</a:t>
             </a:fld>
             <a:endParaRPr lang="en-US" dirty="0"/>
           </a:p>
@@ -2436,7 +2437,7 @@
           </a:lstStyle>
           <a:p>
             <a:r>
-              <a:rPr lang="en-US" smtClean="0"/>
+              <a:rPr lang="en-US"/>
               <a:t>Click to edit Master title style</a:t>
             </a:r>
             <a:endParaRPr lang="en-US" dirty="0"/>
@@ -2506,7 +2507,7 @@
           </a:lstStyle>
           <a:p>
             <a:r>
-              <a:rPr lang="en-US" smtClean="0"/>
+              <a:rPr lang="en-US"/>
               <a:t>Click icon to add picture</a:t>
             </a:r>
             <a:endParaRPr lang="en-US" dirty="0"/>
@@ -2581,7 +2582,7 @@
           <a:p>
             <a:pPr lvl="0"/>
             <a:r>
-              <a:rPr lang="en-US" smtClean="0"/>
+              <a:rPr lang="en-US"/>
               <a:t>Edit Master text styles</a:t>
             </a:r>
           </a:p>
@@ -2605,7 +2606,7 @@
             <a:fld id="{5586B75A-687E-405C-8A0B-8D00578BA2C3}" type="datetimeFigureOut">
               <a:rPr lang="en-US" dirty="0"/>
               <a:pPr/>
-              <a:t>5/20/2019</a:t>
+              <a:t>5/21/2019</a:t>
             </a:fld>
             <a:endParaRPr lang="en-US" dirty="0"/>
           </a:p>
@@ -2753,7 +2754,7 @@
           <a:lstStyle/>
           <a:p>
             <a:r>
-              <a:rPr lang="en-US" smtClean="0"/>
+              <a:rPr lang="en-US"/>
               <a:t>Click to edit Master title style</a:t>
             </a:r>
             <a:endParaRPr lang="en-US" dirty="0"/>
@@ -2827,35 +2828,35 @@
           <a:p>
             <a:pPr lvl="0"/>
             <a:r>
-              <a:rPr lang="en-US" smtClean="0"/>
+              <a:rPr lang="en-US"/>
               <a:t>Edit Master text styles</a:t>
             </a:r>
           </a:p>
           <a:p>
             <a:pPr lvl="1"/>
             <a:r>
-              <a:rPr lang="en-US" smtClean="0"/>
+              <a:rPr lang="en-US"/>
               <a:t>Second level</a:t>
             </a:r>
           </a:p>
           <a:p>
             <a:pPr lvl="2"/>
             <a:r>
-              <a:rPr lang="en-US" smtClean="0"/>
+              <a:rPr lang="en-US"/>
               <a:t>Third level</a:t>
             </a:r>
           </a:p>
           <a:p>
             <a:pPr lvl="3"/>
             <a:r>
-              <a:rPr lang="en-US" smtClean="0"/>
+              <a:rPr lang="en-US"/>
               <a:t>Fourth level</a:t>
             </a:r>
           </a:p>
           <a:p>
             <a:pPr lvl="4"/>
             <a:r>
-              <a:rPr lang="en-US" smtClean="0"/>
+              <a:rPr lang="en-US"/>
               <a:t>Fifth level</a:t>
             </a:r>
             <a:endParaRPr lang="en-US" dirty="0"/>
@@ -2899,7 +2900,7 @@
             <a:fld id="{5586B75A-687E-405C-8A0B-8D00578BA2C3}" type="datetimeFigureOut">
               <a:rPr lang="en-US" dirty="0"/>
               <a:pPr/>
-              <a:t>5/20/2019</a:t>
+              <a:t>5/21/2019</a:t>
             </a:fld>
             <a:endParaRPr lang="en-US" dirty="0"/>
           </a:p>
@@ -3394,10 +3395,9 @@
           <a:lstStyle/>
           <a:p>
             <a:r>
-              <a:rPr lang="en-US" b="1" dirty="0" smtClean="0"/>
+              <a:rPr lang="en-US" b="1" dirty="0"/>
               <a:t>Angular JS - Workshop</a:t>
             </a:r>
-            <a:endParaRPr lang="en-US" b="1" dirty="0"/>
           </a:p>
         </p:txBody>
       </p:sp>
@@ -3419,20 +3419,15 @@
           <a:lstStyle/>
           <a:p>
             <a:r>
-              <a:rPr lang="en-US" b="1" dirty="0" smtClean="0"/>
+              <a:rPr lang="en-US" b="1" dirty="0"/>
               <a:t>		</a:t>
             </a:r>
           </a:p>
           <a:p>
             <a:r>
               <a:rPr lang="en-US" b="1" dirty="0"/>
-              <a:t>	</a:t>
-            </a:r>
-            <a:r>
-              <a:rPr lang="en-US" b="1" dirty="0" smtClean="0"/>
-              <a:t>	by Rohit Saidugari &amp; Gunashekar Koppula</a:t>
-            </a:r>
-            <a:endParaRPr lang="en-US" b="1" dirty="0"/>
+              <a:t>		by Rohit Saidugari &amp; Gunashekar Koppula</a:t>
+            </a:r>
           </a:p>
         </p:txBody>
       </p:sp>
@@ -3449,13 +3444,6 @@
   <p:transition spd="slow">
     <p:push dir="u"/>
   </p:transition>
-  <p:timing>
-    <p:tnLst>
-      <p:par>
-        <p:cTn id="1" dur="indefinite" restart="never" nodeType="tmRoot"/>
-      </p:par>
-    </p:tnLst>
-  </p:timing>
 </p:sld>
 </file>
 
@@ -3492,10 +3480,9 @@
           <a:lstStyle/>
           <a:p>
             <a:r>
-              <a:rPr lang="en-US" dirty="0" smtClean="0"/>
+              <a:rPr lang="en-US" dirty="0"/>
               <a:t>Registering a controller with a module</a:t>
             </a:r>
-            <a:endParaRPr lang="en-US" dirty="0"/>
           </a:p>
         </p:txBody>
       </p:sp>
@@ -3661,13 +3648,6 @@
   <p:transition spd="slow">
     <p:push dir="u"/>
   </p:transition>
-  <p:timing>
-    <p:tnLst>
-      <p:par>
-        <p:cTn id="1" dur="indefinite" restart="never" nodeType="tmRoot"/>
-      </p:par>
-    </p:tnLst>
-  </p:timing>
 </p:sld>
 </file>
 
@@ -3872,13 +3852,6 @@
   <p:transition spd="slow">
     <p:push dir="u"/>
   </p:transition>
-  <p:timing>
-    <p:tnLst>
-      <p:par>
-        <p:cTn id="1" dur="indefinite" restart="never" nodeType="tmRoot"/>
-      </p:par>
-    </p:tnLst>
-  </p:timing>
 </p:sld>
 </file>
 
@@ -3920,10 +3893,9 @@
           <a:lstStyle/>
           <a:p>
             <a:r>
-              <a:rPr lang="en-US" dirty="0" smtClean="0"/>
+              <a:rPr lang="en-US" dirty="0"/>
               <a:t>Two - Way Data binding</a:t>
             </a:r>
-            <a:endParaRPr lang="en-US" dirty="0"/>
           </a:p>
         </p:txBody>
       </p:sp>
@@ -3986,13 +3958,6 @@
   <p:transition spd="slow">
     <p:push dir="u"/>
   </p:transition>
-  <p:timing>
-    <p:tnLst>
-      <p:par>
-        <p:cTn id="1" dur="indefinite" restart="never" nodeType="tmRoot"/>
-      </p:par>
-    </p:tnLst>
-  </p:timing>
 </p:sld>
 </file>
 
@@ -4029,10 +3994,9 @@
           <a:lstStyle/>
           <a:p>
             <a:r>
-              <a:rPr lang="en-US" dirty="0" smtClean="0"/>
+              <a:rPr lang="en-US" dirty="0"/>
               <a:t>Routing</a:t>
             </a:r>
-            <a:endParaRPr lang="en-US" dirty="0"/>
           </a:p>
         </p:txBody>
       </p:sp>
@@ -4150,7 +4114,7 @@
               <a:buNone/>
             </a:pPr>
             <a:r>
-              <a:rPr lang="en-US" sz="2600" dirty="0" smtClean="0"/>
+              <a:rPr lang="en-US" sz="2600" dirty="0"/>
               <a:t>   </a:t>
             </a:r>
           </a:p>
@@ -4164,7 +4128,7 @@
             <a:pPr marL="0" indent="0">
               <a:buNone/>
             </a:pPr>
-            <a:endParaRPr lang="en-US" sz="2600" dirty="0" smtClean="0"/>
+            <a:endParaRPr lang="en-US" sz="2600" dirty="0"/>
           </a:p>
           <a:p>
             <a:pPr marL="0" indent="0">
@@ -4176,7 +4140,7 @@
             <a:pPr marL="0" indent="0">
               <a:buNone/>
             </a:pPr>
-            <a:endParaRPr lang="en-US" sz="2600" dirty="0" smtClean="0"/>
+            <a:endParaRPr lang="en-US" sz="2600" dirty="0"/>
           </a:p>
           <a:p>
             <a:pPr marL="0" indent="0">
@@ -4188,15 +4152,11 @@
             <a:pPr marL="0" indent="0">
               <a:buNone/>
             </a:pPr>
-            <a:r>
-              <a:rPr lang="en-US" sz="2600" dirty="0" smtClean="0"/>
-              <a:t/>
-            </a:r>
             <a:br>
-              <a:rPr lang="en-US" sz="2600" dirty="0" smtClean="0"/>
+              <a:rPr lang="en-US" sz="2600" dirty="0"/>
             </a:br>
             <a:r>
-              <a:rPr lang="en-US" sz="2600" dirty="0" smtClean="0"/>
+              <a:rPr lang="en-US" sz="2600" dirty="0"/>
               <a:t> </a:t>
             </a:r>
             <a:endParaRPr lang="en-US" dirty="0"/>
@@ -4240,13 +4200,6 @@
   <p:transition spd="slow">
     <p:push dir="u"/>
   </p:transition>
-  <p:timing>
-    <p:tnLst>
-      <p:par>
-        <p:cTn id="1" dur="indefinite" restart="never" nodeType="tmRoot"/>
-      </p:par>
-    </p:tnLst>
-  </p:timing>
 </p:sld>
 </file>
 
@@ -4283,32 +4236,63 @@
           <a:lstStyle/>
           <a:p>
             <a:r>
-              <a:rPr lang="en-US" dirty="0" smtClean="0"/>
+              <a:rPr lang="en-US" dirty="0"/>
               <a:t>How to invoke APIs</a:t>
             </a:r>
+          </a:p>
+        </p:txBody>
+      </p:sp>
+      <p:sp>
+        <p:nvSpPr>
+          <p:cNvPr id="3" name="Content Placeholder 2"/>
+          <p:cNvSpPr>
+            <a:spLocks noGrp="1"/>
+          </p:cNvSpPr>
+          <p:nvPr>
+            <p:ph idx="1"/>
+          </p:nvPr>
+        </p:nvSpPr>
+        <p:spPr/>
+        <p:txBody>
+          <a:bodyPr/>
+          <a:lstStyle/>
+          <a:p>
+            <a:r>
+              <a:rPr lang="en-US" sz="2400" dirty="0">
+                <a:solidFill>
+                  <a:schemeClr val="tx1"/>
+                </a:solidFill>
+              </a:rPr>
+              <a:t>In Angular JS factory is the most common way to create and configure a service.</a:t>
+            </a:r>
+          </a:p>
+          <a:p>
+            <a:r>
+              <a:rPr lang="en-US" sz="2400" dirty="0">
+                <a:solidFill>
+                  <a:schemeClr val="tx1"/>
+                </a:solidFill>
+              </a:rPr>
+              <a:t>We create an object and add properties to it and later we will return the same object.</a:t>
+            </a:r>
+          </a:p>
+          <a:p>
+            <a:r>
+              <a:rPr lang="en-US" sz="2400" dirty="0">
+                <a:solidFill>
+                  <a:schemeClr val="tx1"/>
+                </a:solidFill>
+              </a:rPr>
+              <a:t>In our case the properties would be the methods that call the API’s</a:t>
+            </a:r>
+          </a:p>
+          <a:p>
+            <a:pPr marL="0" indent="0">
+              <a:buNone/>
+            </a:pPr>
             <a:endParaRPr lang="en-US" dirty="0"/>
           </a:p>
-        </p:txBody>
-      </p:sp>
-      <p:sp>
-        <p:nvSpPr>
-          <p:cNvPr id="3" name="Content Placeholder 2"/>
-          <p:cNvSpPr>
-            <a:spLocks noGrp="1"/>
-          </p:cNvSpPr>
-          <p:nvPr>
-            <p:ph idx="1"/>
-          </p:nvPr>
-        </p:nvSpPr>
-        <p:spPr/>
-        <p:txBody>
-          <a:bodyPr/>
-          <a:lstStyle/>
-          <a:p>
-            <a:r>
-              <a:rPr lang="en-US" dirty="0" smtClean="0"/>
-              <a:t>Angular Factory is used to  </a:t>
-            </a:r>
+          <a:p>
             <a:endParaRPr lang="en-US" dirty="0"/>
           </a:p>
         </p:txBody>
@@ -4323,13 +4307,6 @@
   <p:clrMapOvr>
     <a:masterClrMapping/>
   </p:clrMapOvr>
-  <p:timing>
-    <p:tnLst>
-      <p:par>
-        <p:cTn id="1" dur="indefinite" restart="never" nodeType="tmRoot"/>
-      </p:par>
-    </p:tnLst>
-  </p:timing>
 </p:sld>
 </file>
 
@@ -4352,7 +4329,13 @@
       </p:grpSpPr>
       <p:sp>
         <p:nvSpPr>
-          <p:cNvPr id="2" name="Title 1"/>
+          <p:cNvPr id="2" name="Title 1">
+            <a:extLst>
+              <a:ext uri="{FF2B5EF4-FFF2-40B4-BE49-F238E27FC236}">
+                <a16:creationId xmlns:a16="http://schemas.microsoft.com/office/drawing/2014/main" id="{5DCF564D-D260-4B5C-AAE2-449DC98D695A}"/>
+              </a:ext>
+            </a:extLst>
+          </p:cNvPr>
           <p:cNvSpPr>
             <a:spLocks noGrp="1"/>
           </p:cNvSpPr>
@@ -4366,78 +4349,80 @@
           <a:lstStyle/>
           <a:p>
             <a:r>
-              <a:rPr lang="en-US" dirty="0" smtClean="0"/>
-              <a:t>References</a:t>
-            </a:r>
+              <a:rPr lang="en-US" dirty="0"/>
+              <a:t>Custom Directives</a:t>
+            </a:r>
+          </a:p>
+        </p:txBody>
+      </p:sp>
+      <p:sp>
+        <p:nvSpPr>
+          <p:cNvPr id="3" name="Content Placeholder 2">
+            <a:extLst>
+              <a:ext uri="{FF2B5EF4-FFF2-40B4-BE49-F238E27FC236}">
+                <a16:creationId xmlns:a16="http://schemas.microsoft.com/office/drawing/2014/main" id="{BD9C845B-8BAA-4122-850D-C3922F73AAD7}"/>
+              </a:ext>
+            </a:extLst>
+          </p:cNvPr>
+          <p:cNvSpPr>
+            <a:spLocks noGrp="1"/>
+          </p:cNvSpPr>
+          <p:nvPr>
+            <p:ph idx="1"/>
+          </p:nvPr>
+        </p:nvSpPr>
+        <p:spPr/>
+        <p:txBody>
+          <a:bodyPr/>
+          <a:lstStyle/>
+          <a:p>
+            <a:r>
+              <a:rPr lang="en-US" sz="2400" dirty="0">
+                <a:solidFill>
+                  <a:schemeClr val="tx1"/>
+                </a:solidFill>
+              </a:rPr>
+              <a:t>A Custom directive is used to extend the functionality of HTML.</a:t>
+            </a:r>
+          </a:p>
+          <a:p>
+            <a:r>
+              <a:rPr lang="en-US" sz="2400" dirty="0">
+                <a:solidFill>
+                  <a:schemeClr val="tx1"/>
+                </a:solidFill>
+              </a:rPr>
+              <a:t>We use a directive function to create a custom directive.</a:t>
+            </a:r>
+          </a:p>
+          <a:p>
+            <a:r>
+              <a:rPr lang="en-US" sz="2400" dirty="0">
+                <a:solidFill>
+                  <a:schemeClr val="tx1"/>
+                </a:solidFill>
+              </a:rPr>
+              <a:t>While using a custom directive the custom tag is replaced with the template of the directive</a:t>
+            </a:r>
+          </a:p>
+          <a:p>
+            <a:pPr marL="0" indent="0">
+              <a:buNone/>
+            </a:pPr>
             <a:endParaRPr lang="en-US" dirty="0"/>
-          </a:p>
-        </p:txBody>
-      </p:sp>
-      <p:sp>
-        <p:nvSpPr>
-          <p:cNvPr id="3" name="Content Placeholder 2"/>
-          <p:cNvSpPr>
-            <a:spLocks noGrp="1"/>
-          </p:cNvSpPr>
-          <p:nvPr>
-            <p:ph idx="1"/>
-          </p:nvPr>
-        </p:nvSpPr>
-        <p:spPr/>
-        <p:txBody>
-          <a:bodyPr>
-            <a:normAutofit/>
-          </a:bodyPr>
-          <a:lstStyle/>
-          <a:p>
-            <a:r>
-              <a:rPr lang="en-US" sz="2400" dirty="0">
-                <a:hlinkClick r:id="rId2"/>
-              </a:rPr>
-              <a:t>A Conceptual Introduction to AngularJS</a:t>
-            </a:r>
-            <a:endParaRPr lang="en-US" sz="2400" dirty="0"/>
-          </a:p>
-          <a:p>
-            <a:r>
-              <a:rPr lang="en-US" sz="2400" dirty="0">
-                <a:hlinkClick r:id="rId3"/>
-              </a:rPr>
-              <a:t>https://angular.io</a:t>
-            </a:r>
-            <a:r>
-              <a:rPr lang="en-US" sz="2400" dirty="0" smtClean="0">
-                <a:hlinkClick r:id="rId3"/>
-              </a:rPr>
-              <a:t>/</a:t>
-            </a:r>
-            <a:r>
-              <a:rPr lang="en-US" sz="2400" dirty="0" smtClean="0"/>
-              <a:t>.</a:t>
-            </a:r>
-          </a:p>
-          <a:p>
-            <a:endParaRPr lang="en-US" sz="2400" dirty="0"/>
           </a:p>
         </p:txBody>
       </p:sp>
     </p:spTree>
     <p:extLst>
       <p:ext uri="{BB962C8B-B14F-4D97-AF65-F5344CB8AC3E}">
-        <p14:creationId xmlns:p14="http://schemas.microsoft.com/office/powerpoint/2010/main" val="2640555480"/>
+        <p14:creationId xmlns:p14="http://schemas.microsoft.com/office/powerpoint/2010/main" val="4251617314"/>
       </p:ext>
     </p:extLst>
   </p:cSld>
   <p:clrMapOvr>
     <a:masterClrMapping/>
   </p:clrMapOvr>
-  <p:timing>
-    <p:tnLst>
-      <p:par>
-        <p:cTn id="1" dur="indefinite" restart="never" nodeType="tmRoot"/>
-      </p:par>
-    </p:tnLst>
-  </p:timing>
 </p:sld>
 </file>
 
@@ -4465,7 +4450,7 @@
             <a:spLocks noGrp="1"/>
           </p:cNvSpPr>
           <p:nvPr>
-            <p:ph type="ctrTitle"/>
+            <p:ph type="title"/>
           </p:nvPr>
         </p:nvSpPr>
         <p:spPr/>
@@ -4474,49 +4459,64 @@
           <a:lstStyle/>
           <a:p>
             <a:r>
-              <a:rPr lang="en-US" dirty="0" smtClean="0"/>
-              <a:t>Any Questions?</a:t>
-            </a:r>
-            <a:endParaRPr lang="en-US" dirty="0"/>
-          </a:p>
-        </p:txBody>
-      </p:sp>
-      <p:sp>
-        <p:nvSpPr>
-          <p:cNvPr id="3" name="Subtitle 2"/>
-          <p:cNvSpPr>
-            <a:spLocks noGrp="1"/>
-          </p:cNvSpPr>
-          <p:nvPr>
-            <p:ph type="subTitle" idx="1"/>
+              <a:rPr lang="en-US" dirty="0"/>
+              <a:t>References</a:t>
+            </a:r>
+          </a:p>
+        </p:txBody>
+      </p:sp>
+      <p:sp>
+        <p:nvSpPr>
+          <p:cNvPr id="3" name="Content Placeholder 2"/>
+          <p:cNvSpPr>
+            <a:spLocks noGrp="1"/>
+          </p:cNvSpPr>
+          <p:nvPr>
+            <p:ph idx="1"/>
           </p:nvPr>
         </p:nvSpPr>
         <p:spPr/>
         <p:txBody>
-          <a:bodyPr/>
-          <a:lstStyle/>
-          <a:p>
-            <a:endParaRPr lang="en-US"/>
+          <a:bodyPr>
+            <a:normAutofit/>
+          </a:bodyPr>
+          <a:lstStyle/>
+          <a:p>
+            <a:r>
+              <a:rPr lang="en-US" sz="2400" dirty="0">
+                <a:hlinkClick r:id="rId2"/>
+              </a:rPr>
+              <a:t>A Conceptual Introduction to AngularJS</a:t>
+            </a:r>
+            <a:endParaRPr lang="en-US" sz="2400" dirty="0"/>
+          </a:p>
+          <a:p>
+            <a:r>
+              <a:rPr lang="en-US" sz="2400" dirty="0">
+                <a:hlinkClick r:id="rId3"/>
+              </a:rPr>
+              <a:t>https://angular.io/</a:t>
+            </a:r>
+            <a:r>
+              <a:rPr lang="en-US" sz="2400" dirty="0"/>
+              <a:t>.</a:t>
+            </a:r>
+          </a:p>
+          <a:p>
+            <a:endParaRPr lang="en-US" sz="2400" dirty="0"/>
           </a:p>
         </p:txBody>
       </p:sp>
     </p:spTree>
     <p:extLst>
       <p:ext uri="{BB962C8B-B14F-4D97-AF65-F5344CB8AC3E}">
-        <p14:creationId xmlns:p14="http://schemas.microsoft.com/office/powerpoint/2010/main" val="2403441843"/>
+        <p14:creationId xmlns:p14="http://schemas.microsoft.com/office/powerpoint/2010/main" val="2640555480"/>
       </p:ext>
     </p:extLst>
   </p:cSld>
   <p:clrMapOvr>
     <a:masterClrMapping/>
   </p:clrMapOvr>
-  <p:timing>
-    <p:tnLst>
-      <p:par>
-        <p:cTn id="1" dur="indefinite" restart="never" nodeType="tmRoot"/>
-      </p:par>
-    </p:tnLst>
-  </p:timing>
 </p:sld>
 </file>
 
@@ -4553,10 +4553,80 @@
           <a:lstStyle/>
           <a:p>
             <a:r>
-              <a:rPr lang="en-US" dirty="0" smtClean="0"/>
+              <a:rPr lang="en-US" dirty="0"/>
+              <a:t>Any Questions?</a:t>
+            </a:r>
+          </a:p>
+        </p:txBody>
+      </p:sp>
+      <p:sp>
+        <p:nvSpPr>
+          <p:cNvPr id="3" name="Subtitle 2"/>
+          <p:cNvSpPr>
+            <a:spLocks noGrp="1"/>
+          </p:cNvSpPr>
+          <p:nvPr>
+            <p:ph type="subTitle" idx="1"/>
+          </p:nvPr>
+        </p:nvSpPr>
+        <p:spPr/>
+        <p:txBody>
+          <a:bodyPr/>
+          <a:lstStyle/>
+          <a:p>
+            <a:endParaRPr lang="en-US"/>
+          </a:p>
+        </p:txBody>
+      </p:sp>
+    </p:spTree>
+    <p:extLst>
+      <p:ext uri="{BB962C8B-B14F-4D97-AF65-F5344CB8AC3E}">
+        <p14:creationId xmlns:p14="http://schemas.microsoft.com/office/powerpoint/2010/main" val="2403441843"/>
+      </p:ext>
+    </p:extLst>
+  </p:cSld>
+  <p:clrMapOvr>
+    <a:masterClrMapping/>
+  </p:clrMapOvr>
+</p:sld>
+</file>
+
+<file path=ppt/slides/slide18.xml><?xml version="1.0" encoding="utf-8"?>
+<p:sld xmlns:a="http://schemas.openxmlformats.org/drawingml/2006/main" xmlns:r="http://schemas.openxmlformats.org/officeDocument/2006/relationships" xmlns:p="http://schemas.openxmlformats.org/presentationml/2006/main">
+  <p:cSld>
+    <p:spTree>
+      <p:nvGrpSpPr>
+        <p:cNvPr id="1" name=""/>
+        <p:cNvGrpSpPr/>
+        <p:nvPr/>
+      </p:nvGrpSpPr>
+      <p:grpSpPr>
+        <a:xfrm>
+          <a:off x="0" y="0"/>
+          <a:ext cx="0" cy="0"/>
+          <a:chOff x="0" y="0"/>
+          <a:chExt cx="0" cy="0"/>
+        </a:xfrm>
+      </p:grpSpPr>
+      <p:sp>
+        <p:nvSpPr>
+          <p:cNvPr id="2" name="Title 1"/>
+          <p:cNvSpPr>
+            <a:spLocks noGrp="1"/>
+          </p:cNvSpPr>
+          <p:nvPr>
+            <p:ph type="ctrTitle"/>
+          </p:nvPr>
+        </p:nvSpPr>
+        <p:spPr/>
+        <p:txBody>
+          <a:bodyPr/>
+          <a:lstStyle/>
+          <a:p>
+            <a:r>
+              <a:rPr lang="en-US" dirty="0"/>
               <a:t>Thank you!!!!</a:t>
             </a:r>
-            <a:endParaRPr lang="en-US" dirty="0"/>
           </a:p>
         </p:txBody>
       </p:sp>
@@ -4589,13 +4659,6 @@
   <p:clrMapOvr>
     <a:masterClrMapping/>
   </p:clrMapOvr>
-  <p:timing>
-    <p:tnLst>
-      <p:par>
-        <p:cTn id="1" dur="indefinite" restart="never" nodeType="tmRoot"/>
-      </p:par>
-    </p:tnLst>
-  </p:timing>
 </p:sld>
 </file>
 
@@ -4750,13 +4813,6 @@
   <p:transition spd="slow">
     <p:push dir="u"/>
   </p:transition>
-  <p:timing>
-    <p:tnLst>
-      <p:par>
-        <p:cTn id="1" dur="indefinite" restart="never" nodeType="tmRoot"/>
-      </p:par>
-    </p:tnLst>
-  </p:timing>
 </p:sld>
 </file>
 
@@ -4793,82 +4849,81 @@
           <a:lstStyle/>
           <a:p>
             <a:r>
-              <a:rPr lang="en-US" dirty="0" smtClean="0"/>
+              <a:rPr lang="en-US" dirty="0"/>
               <a:t>What is Angular JS?</a:t>
             </a:r>
+          </a:p>
+        </p:txBody>
+      </p:sp>
+      <p:sp>
+        <p:nvSpPr>
+          <p:cNvPr id="3" name="Content Placeholder 2"/>
+          <p:cNvSpPr>
+            <a:spLocks noGrp="1"/>
+          </p:cNvSpPr>
+          <p:nvPr>
+            <p:ph idx="1"/>
+          </p:nvPr>
+        </p:nvSpPr>
+        <p:spPr/>
+        <p:txBody>
+          <a:bodyPr/>
+          <a:lstStyle/>
+          <a:p>
+            <a:r>
+              <a:rPr lang="en-US" sz="2400" dirty="0">
+                <a:solidFill>
+                  <a:schemeClr val="tx1"/>
+                </a:solidFill>
+              </a:rPr>
+              <a:t>Angular JS is an open source JavaScript framework.</a:t>
+            </a:r>
+          </a:p>
+          <a:p>
+            <a:r>
+              <a:rPr lang="en-US" sz="2400" dirty="0">
+                <a:solidFill>
+                  <a:schemeClr val="tx1"/>
+                </a:solidFill>
+              </a:rPr>
+              <a:t>Developed  and maintained by Google.</a:t>
+            </a:r>
+          </a:p>
+          <a:p>
+            <a:r>
+              <a:rPr lang="en-US" sz="2400" dirty="0">
+                <a:solidFill>
+                  <a:schemeClr val="tx1"/>
+                </a:solidFill>
+              </a:rPr>
+              <a:t>It is based on Microsoft’s Typescript.</a:t>
+            </a:r>
+          </a:p>
+          <a:p>
+            <a:r>
+              <a:rPr lang="en-US" sz="2400" dirty="0">
+                <a:solidFill>
+                  <a:schemeClr val="tx1"/>
+                </a:solidFill>
+              </a:rPr>
+              <a:t>Mainly used to build single page applications </a:t>
+            </a:r>
+          </a:p>
+          <a:p>
+            <a:r>
+              <a:rPr lang="en-US" sz="2400" dirty="0">
+                <a:solidFill>
+                  <a:schemeClr val="tx1"/>
+                </a:solidFill>
+              </a:rPr>
+              <a:t>Angular brings traditionally server-side services, such as view-dependent controllers, to client-side web applications. Consequently, much of the burden on the server can be reduced.</a:t>
+            </a:r>
+          </a:p>
+          <a:p>
             <a:endParaRPr lang="en-US" dirty="0"/>
           </a:p>
-        </p:txBody>
-      </p:sp>
-      <p:sp>
-        <p:nvSpPr>
-          <p:cNvPr id="3" name="Content Placeholder 2"/>
-          <p:cNvSpPr>
-            <a:spLocks noGrp="1"/>
-          </p:cNvSpPr>
-          <p:nvPr>
-            <p:ph idx="1"/>
-          </p:nvPr>
-        </p:nvSpPr>
-        <p:spPr/>
-        <p:txBody>
-          <a:bodyPr/>
-          <a:lstStyle/>
-          <a:p>
-            <a:r>
-              <a:rPr lang="en-US" sz="2400" dirty="0">
-                <a:solidFill>
-                  <a:schemeClr val="tx1"/>
-                </a:solidFill>
-              </a:rPr>
-              <a:t>Angular JS is an open source JavaScript framework.</a:t>
-            </a:r>
-          </a:p>
-          <a:p>
-            <a:r>
-              <a:rPr lang="en-US" sz="2400" dirty="0">
-                <a:solidFill>
-                  <a:schemeClr val="tx1"/>
-                </a:solidFill>
-              </a:rPr>
-              <a:t>Developed  and maintained by Google.</a:t>
-            </a:r>
-          </a:p>
-          <a:p>
-            <a:r>
-              <a:rPr lang="en-US" sz="2400" dirty="0">
-                <a:solidFill>
-                  <a:schemeClr val="tx1"/>
-                </a:solidFill>
-              </a:rPr>
-              <a:t>It is based on Microsoft’s Typescript.</a:t>
-            </a:r>
-          </a:p>
-          <a:p>
-            <a:r>
-              <a:rPr lang="en-US" sz="2400" dirty="0">
-                <a:solidFill>
-                  <a:schemeClr val="tx1"/>
-                </a:solidFill>
-              </a:rPr>
-              <a:t>Mainly used to build single page applications </a:t>
-            </a:r>
-          </a:p>
-          <a:p>
-            <a:r>
-              <a:rPr lang="en-US" sz="2400" dirty="0">
-                <a:solidFill>
-                  <a:schemeClr val="tx1"/>
-                </a:solidFill>
-              </a:rPr>
-              <a:t>Angular brings traditionally server-side services, such as view-dependent controllers, to client-side web applications. Consequently, much of the burden on the server can be reduced.</a:t>
-            </a:r>
-          </a:p>
           <a:p>
             <a:endParaRPr lang="en-US" dirty="0"/>
-          </a:p>
-          <a:p>
-            <a:endParaRPr lang="en-US" dirty="0" smtClean="0"/>
           </a:p>
           <a:p>
             <a:endParaRPr lang="en-US" dirty="0"/>
@@ -5532,10 +5587,9 @@
           <a:lstStyle/>
           <a:p>
             <a:r>
-              <a:rPr lang="en-US" dirty="0" smtClean="0"/>
+              <a:rPr lang="en-US" dirty="0"/>
               <a:t>Why Angular JS?</a:t>
             </a:r>
-            <a:endParaRPr lang="en-US" dirty="0"/>
           </a:p>
         </p:txBody>
       </p:sp>
@@ -5631,13 +5685,6 @@
   <p:transition spd="slow">
     <p:push dir="u"/>
   </p:transition>
-  <p:timing>
-    <p:tnLst>
-      <p:par>
-        <p:cTn id="1" dur="indefinite" restart="never" nodeType="tmRoot"/>
-      </p:par>
-    </p:tnLst>
-  </p:timing>
 </p:sld>
 </file>
 
@@ -5674,10 +5721,9 @@
           <a:lstStyle/>
           <a:p>
             <a:r>
-              <a:rPr lang="en-US" dirty="0" smtClean="0"/>
+              <a:rPr lang="en-US" dirty="0"/>
               <a:t>Get Started With Angular</a:t>
             </a:r>
-            <a:endParaRPr lang="en-US" dirty="0"/>
           </a:p>
         </p:txBody>
       </p:sp>
@@ -5698,7 +5744,7 @@
           </a:bodyPr>
           <a:lstStyle/>
           <a:p>
-            <a:endParaRPr lang="en-US" sz="2400" dirty="0" smtClean="0"/>
+            <a:endParaRPr lang="en-US" sz="2400" dirty="0"/>
           </a:p>
           <a:p>
             <a:r>
@@ -5716,16 +5762,7 @@
                 </a:solidFill>
                 <a:hlinkClick r:id="rId2"/>
               </a:rPr>
-              <a:t>https://angularjs.org</a:t>
-            </a:r>
-            <a:r>
-              <a:rPr lang="en-US" sz="2400" b="1" dirty="0" smtClean="0">
-                <a:solidFill>
-                  <a:schemeClr val="tx1"/>
-                </a:solidFill>
-                <a:hlinkClick r:id="rId2"/>
-              </a:rPr>
-              <a:t>/</a:t>
+              <a:t>https://angularjs.org/</a:t>
             </a:r>
             <a:endParaRPr lang="en-US" sz="2400" b="1" dirty="0">
               <a:solidFill>
@@ -5738,7 +5775,7 @@
               <a:buNone/>
             </a:pPr>
             <a:r>
-              <a:rPr lang="en-US" sz="2400" b="1" dirty="0" smtClean="0">
+              <a:rPr lang="en-US" sz="2400" b="1" dirty="0">
                 <a:solidFill>
                   <a:schemeClr val="tx1"/>
                 </a:solidFill>
@@ -5746,7 +5783,7 @@
               <a:t>    </a:t>
             </a:r>
             <a:r>
-              <a:rPr lang="en-US" sz="2400" dirty="0" smtClean="0">
+              <a:rPr lang="en-US" sz="2400" dirty="0">
                 <a:solidFill>
                   <a:schemeClr val="tx1"/>
                 </a:solidFill>
@@ -5756,194 +5793,139 @@
           </a:p>
           <a:p>
             <a:r>
-              <a:rPr lang="en-US" sz="2400" dirty="0" smtClean="0">
-                <a:solidFill>
-                  <a:schemeClr val="tx1"/>
-                </a:solidFill>
-              </a:rPr>
-              <a:t>Use the </a:t>
-            </a:r>
-            <a:r>
-              <a:rPr lang="en-US" sz="2400" dirty="0">
-                <a:solidFill>
-                  <a:schemeClr val="tx1"/>
-                </a:solidFill>
-              </a:rPr>
-              <a:t>CDN link </a:t>
-            </a:r>
-            <a:r>
-              <a:rPr lang="en-US" sz="2400" dirty="0">
-                <a:solidFill>
-                  <a:schemeClr val="tx1"/>
-                </a:solidFill>
+              <a:rPr lang="en-US" sz="2400" dirty="0">
+                <a:solidFill>
+                  <a:schemeClr val="tx1"/>
+                </a:solidFill>
+              </a:rPr>
+              <a:t>Use the CDN </a:t>
+            </a:r>
+            <a:r>
+              <a:rPr lang="en-US" sz="2400">
+                <a:solidFill>
+                  <a:schemeClr val="tx1"/>
+                </a:solidFill>
+              </a:rPr>
+              <a:t>link </a:t>
+            </a:r>
+            <a:r>
+              <a:rPr lang="en-US" sz="2400" b="1">
+                <a:solidFill>
+                  <a:srgbClr val="92D050"/>
+                </a:solidFill>
+              </a:rPr>
+              <a:t>:  </a:t>
+            </a:r>
+            <a:r>
+              <a:rPr lang="en-US" sz="2400" b="1"/>
+              <a:t>&lt;</a:t>
+            </a:r>
+            <a:r>
+              <a:rPr lang="en-US" sz="2400" b="1" dirty="0"/>
+              <a:t>script </a:t>
+            </a:r>
+            <a:r>
+              <a:rPr lang="en-US" sz="2400" b="1" dirty="0" err="1"/>
+              <a:t>src</a:t>
+            </a:r>
+            <a:r>
+              <a:rPr lang="en-US" sz="2400" b="1" dirty="0"/>
+              <a:t>="https://ajax.googleapis.com/ajax/libs/</a:t>
+            </a:r>
+            <a:r>
+              <a:rPr lang="en-US" sz="2400" b="1" dirty="0" err="1"/>
+              <a:t>angularjs</a:t>
+            </a:r>
+            <a:r>
+              <a:rPr lang="en-US" sz="2400" b="1" dirty="0"/>
+              <a:t>/1.6.9/angular.min.js"&gt;&lt;/script&gt;</a:t>
+            </a:r>
+          </a:p>
+          <a:p>
+            <a:r>
+              <a:rPr lang="en-US" sz="2400" dirty="0">
+                <a:solidFill>
+                  <a:schemeClr val="tx1"/>
+                </a:solidFill>
+              </a:rPr>
+              <a:t>Clone Repository </a:t>
+            </a:r>
+            <a:r>
+              <a:rPr lang="en-US" sz="2400" dirty="0">
                 <a:hlinkClick r:id="rId3"/>
               </a:rPr>
-              <a:t>https://</a:t>
-            </a:r>
-            <a:r>
-              <a:rPr lang="en-US" sz="2400" dirty="0" smtClean="0">
-                <a:solidFill>
-                  <a:schemeClr val="tx1"/>
-                </a:solidFill>
-                <a:hlinkClick r:id="rId3"/>
-              </a:rPr>
-              <a:t>ajax.googleapis.com/ajax/libs/angularjs/1.7.8/angular.min.js</a:t>
-            </a:r>
-            <a:endParaRPr lang="en-US" sz="2400" dirty="0" smtClean="0">
-              <a:solidFill>
-                <a:schemeClr val="tx1"/>
-              </a:solidFill>
-            </a:endParaRPr>
-          </a:p>
-          <a:p>
-            <a:r>
-              <a:rPr lang="en-US" sz="2400" dirty="0" smtClean="0">
-                <a:solidFill>
-                  <a:schemeClr val="tx1"/>
-                </a:solidFill>
-              </a:rPr>
-              <a:t>Clone Repository </a:t>
-            </a:r>
-            <a:r>
-              <a:rPr lang="en-US" sz="2400" dirty="0">
-                <a:hlinkClick r:id="rId4"/>
-              </a:rPr>
-              <a:t>https://</a:t>
-            </a:r>
-            <a:r>
-              <a:rPr lang="en-US" sz="2400" dirty="0" smtClean="0">
-                <a:hlinkClick r:id="rId4"/>
-              </a:rPr>
-              <a:t>github.com/GunashekarKoppula/angular_sample_app</a:t>
-            </a:r>
-            <a:endParaRPr lang="en-US" sz="2400" dirty="0" smtClean="0">
-              <a:solidFill>
-                <a:schemeClr val="tx1"/>
-              </a:solidFill>
-            </a:endParaRPr>
-          </a:p>
-          <a:p>
-            <a:r>
-              <a:rPr lang="en-US" sz="2400" dirty="0">
-                <a:solidFill>
-                  <a:schemeClr val="tx1"/>
-                </a:solidFill>
-              </a:rPr>
-              <a:t>Setup IntelliSense on </a:t>
-            </a:r>
-            <a:r>
-              <a:rPr lang="en-US" sz="2400" dirty="0" smtClean="0">
-                <a:solidFill>
-                  <a:schemeClr val="tx1"/>
-                </a:solidFill>
-              </a:rPr>
-              <a:t>VS code </a:t>
-            </a:r>
-            <a:r>
-              <a:rPr lang="en-US" sz="2400" dirty="0">
-                <a:solidFill>
-                  <a:schemeClr val="tx1"/>
-                </a:solidFill>
-              </a:rPr>
-              <a:t>using </a:t>
-            </a:r>
-            <a:endParaRPr lang="en-US" sz="2400" dirty="0" smtClean="0">
-              <a:solidFill>
-                <a:schemeClr val="tx1"/>
-              </a:solidFill>
-            </a:endParaRPr>
-          </a:p>
-          <a:p>
-            <a:pPr marL="0" indent="0">
-              <a:buNone/>
-            </a:pPr>
-            <a:r>
-              <a:rPr lang="en-US" sz="2400" dirty="0">
-                <a:solidFill>
-                  <a:schemeClr val="tx1"/>
-                </a:solidFill>
-              </a:rPr>
-              <a:t>    </a:t>
-            </a:r>
-            <a:r>
-              <a:rPr lang="nb-NO" sz="2400" dirty="0">
-                <a:solidFill>
-                  <a:schemeClr val="tx1"/>
-                </a:solidFill>
-              </a:rPr>
-              <a:t>npm install -g --save-dev @</a:t>
-            </a:r>
-            <a:r>
-              <a:rPr lang="nb-NO" sz="2400" dirty="0" smtClean="0">
-                <a:solidFill>
-                  <a:schemeClr val="tx1"/>
-                </a:solidFill>
-              </a:rPr>
-              <a:t>types/angular</a:t>
-            </a:r>
-          </a:p>
-          <a:p>
-            <a:r>
-              <a:rPr lang="en-US" sz="2400" dirty="0" err="1">
-                <a:solidFill>
-                  <a:schemeClr val="tx1"/>
-                </a:solidFill>
-              </a:rPr>
-              <a:t>Npm</a:t>
-            </a:r>
-            <a:r>
-              <a:rPr lang="en-US" sz="2400" dirty="0">
-                <a:solidFill>
-                  <a:schemeClr val="tx1"/>
-                </a:solidFill>
-              </a:rPr>
-              <a:t> install –g static-server </a:t>
-            </a:r>
-            <a:r>
-              <a:rPr lang="en-US" sz="2400" dirty="0" smtClean="0">
-                <a:solidFill>
-                  <a:schemeClr val="tx1"/>
-                </a:solidFill>
-              </a:rPr>
-              <a:t> &amp; Static </a:t>
-            </a:r>
-            <a:r>
-              <a:rPr lang="en-US" sz="2400" dirty="0">
-                <a:solidFill>
-                  <a:schemeClr val="tx1"/>
-                </a:solidFill>
-              </a:rPr>
-              <a:t>–p </a:t>
-            </a:r>
-            <a:r>
-              <a:rPr lang="en-US" sz="2400" dirty="0" smtClean="0">
-                <a:solidFill>
-                  <a:schemeClr val="tx1"/>
-                </a:solidFill>
-              </a:rPr>
-              <a:t>“</a:t>
-            </a:r>
-            <a:r>
-              <a:rPr lang="en-US" sz="2400" dirty="0" err="1" smtClean="0">
-                <a:solidFill>
-                  <a:schemeClr val="tx1"/>
-                </a:solidFill>
-              </a:rPr>
-              <a:t>portnumber</a:t>
-            </a:r>
-            <a:r>
-              <a:rPr lang="en-US" sz="2400" dirty="0" smtClean="0">
-                <a:solidFill>
-                  <a:schemeClr val="tx1"/>
-                </a:solidFill>
-              </a:rPr>
-              <a:t>”</a:t>
+              <a:t>https://github.com/GunashekarKoppula/angular_sample_app</a:t>
             </a:r>
             <a:endParaRPr lang="en-US" sz="2400" dirty="0">
               <a:solidFill>
                 <a:schemeClr val="tx1"/>
               </a:solidFill>
             </a:endParaRPr>
+          </a:p>
+          <a:p>
+            <a:r>
+              <a:rPr lang="en-US" sz="2400" dirty="0">
+                <a:solidFill>
+                  <a:schemeClr val="tx1"/>
+                </a:solidFill>
+              </a:rPr>
+              <a:t>Setup IntelliSense on VS code using </a:t>
+            </a:r>
+          </a:p>
+          <a:p>
+            <a:pPr marL="0" indent="0">
+              <a:buNone/>
+            </a:pPr>
+            <a:r>
+              <a:rPr lang="en-US" sz="2400" dirty="0">
+                <a:solidFill>
+                  <a:schemeClr val="tx1"/>
+                </a:solidFill>
+              </a:rPr>
+              <a:t>    </a:t>
+            </a:r>
+            <a:r>
+              <a:rPr lang="nb-NO" sz="2400" dirty="0">
+                <a:solidFill>
+                  <a:schemeClr val="tx1"/>
+                </a:solidFill>
+              </a:rPr>
+              <a:t>npm install -g --save-dev @types/angular</a:t>
+            </a:r>
+          </a:p>
+          <a:p>
+            <a:r>
+              <a:rPr lang="en-US" sz="2400" dirty="0" err="1">
+                <a:solidFill>
+                  <a:schemeClr val="tx1"/>
+                </a:solidFill>
+              </a:rPr>
+              <a:t>Npm</a:t>
+            </a:r>
+            <a:r>
+              <a:rPr lang="en-US" sz="2400" dirty="0">
+                <a:solidFill>
+                  <a:schemeClr val="tx1"/>
+                </a:solidFill>
+              </a:rPr>
+              <a:t> install –g static-server  &amp; Static –p “</a:t>
+            </a:r>
+            <a:r>
+              <a:rPr lang="en-US" sz="2400" dirty="0" err="1">
+                <a:solidFill>
+                  <a:schemeClr val="tx1"/>
+                </a:solidFill>
+              </a:rPr>
+              <a:t>portnumber</a:t>
+            </a:r>
+            <a:r>
+              <a:rPr lang="en-US" sz="2400" dirty="0">
+                <a:solidFill>
+                  <a:schemeClr val="tx1"/>
+                </a:solidFill>
+              </a:rPr>
+              <a:t>”</a:t>
+            </a:r>
           </a:p>
           <a:p>
             <a:r>
@@ -5970,13 +5952,6 @@
   <p:transition spd="slow">
     <p:push dir="u"/>
   </p:transition>
-  <p:timing>
-    <p:tnLst>
-      <p:par>
-        <p:cTn id="1" dur="indefinite" restart="never" nodeType="tmRoot"/>
-      </p:par>
-    </p:tnLst>
-  </p:timing>
 </p:sld>
 </file>
 
@@ -6013,10 +5988,9 @@
           <a:lstStyle/>
           <a:p>
             <a:r>
-              <a:rPr lang="en-US" dirty="0" smtClean="0"/>
+              <a:rPr lang="en-US" dirty="0"/>
               <a:t>Directives</a:t>
             </a:r>
-            <a:endParaRPr lang="en-US" dirty="0"/>
           </a:p>
         </p:txBody>
       </p:sp>
@@ -6135,13 +6109,6 @@
   <p:clrMapOvr>
     <a:masterClrMapping/>
   </p:clrMapOvr>
-  <p:timing>
-    <p:tnLst>
-      <p:par>
-        <p:cTn id="1" dur="indefinite" restart="never" nodeType="tmRoot"/>
-      </p:par>
-    </p:tnLst>
-  </p:timing>
 </p:sld>
 </file>
 
@@ -6178,10 +6145,9 @@
           <a:lstStyle/>
           <a:p>
             <a:r>
-              <a:rPr lang="en-US" dirty="0" smtClean="0"/>
+              <a:rPr lang="en-US" dirty="0"/>
               <a:t>Angular JS Conceptual Structure</a:t>
             </a:r>
-            <a:endParaRPr lang="en-US" dirty="0"/>
           </a:p>
         </p:txBody>
       </p:sp>
@@ -6238,13 +6204,6 @@
   <p:clrMapOvr>
     <a:masterClrMapping/>
   </p:clrMapOvr>
-  <p:timing>
-    <p:tnLst>
-      <p:par>
-        <p:cTn id="1" dur="indefinite" restart="never" nodeType="tmRoot"/>
-      </p:par>
-    </p:tnLst>
-  </p:timing>
 </p:sld>
 </file>
 
@@ -6281,10 +6240,9 @@
           <a:lstStyle/>
           <a:p>
             <a:r>
-              <a:rPr lang="en-US" dirty="0" smtClean="0"/>
+              <a:rPr lang="en-US" dirty="0"/>
               <a:t>Module</a:t>
             </a:r>
-            <a:endParaRPr lang="en-US" dirty="0"/>
           </a:p>
         </p:txBody>
       </p:sp>
@@ -6427,7 +6385,6 @@
               <a:rPr lang="en-US" dirty="0"/>
               <a:t> </a:t>
             </a:r>
-            <a:endParaRPr lang="en-US" dirty="0" smtClean="0"/>
           </a:p>
           <a:p>
             <a:endParaRPr lang="en-US" dirty="0"/>
@@ -6619,10 +6576,9 @@
           <a:lstStyle/>
           <a:p>
             <a:r>
-              <a:rPr lang="en-US" dirty="0" smtClean="0"/>
+              <a:rPr lang="en-US" dirty="0"/>
               <a:t>Controller</a:t>
             </a:r>
-            <a:endParaRPr lang="en-US" dirty="0"/>
           </a:p>
         </p:txBody>
       </p:sp>
@@ -6730,7 +6686,7 @@
               <a:t>      $</a:t>
             </a:r>
             <a:r>
-              <a:rPr lang="en-US" sz="2400" dirty="0" err="1" smtClean="0">
+              <a:rPr lang="en-US" sz="2400" dirty="0" err="1">
                 <a:solidFill>
                   <a:schemeClr val="tx1"/>
                 </a:solidFill>
@@ -6738,7 +6694,7 @@
               <a:t>scope.</a:t>
             </a:r>
             <a:r>
-              <a:rPr lang="en-US" sz="2400" b="1" dirty="0" err="1" smtClean="0">
+              <a:rPr lang="en-US" sz="2400" b="1" dirty="0" err="1">
                 <a:solidFill>
                   <a:schemeClr val="tx1"/>
                 </a:solidFill>
@@ -6746,7 +6702,7 @@
               <a:t>message</a:t>
             </a:r>
             <a:r>
-              <a:rPr lang="en-US" sz="2400" b="1" dirty="0" smtClean="0">
+              <a:rPr lang="en-US" sz="2400" b="1" dirty="0">
                 <a:solidFill>
                   <a:schemeClr val="tx1"/>
                 </a:solidFill>
@@ -6754,18 +6710,13 @@
               <a:t>= “Hey !!! This is AngularJS”</a:t>
             </a:r>
             <a:r>
-              <a:rPr lang="en-US" sz="2400" dirty="0" smtClean="0">
+              <a:rPr lang="en-US" sz="2400" dirty="0">
                 <a:solidFill>
                   <a:schemeClr val="tx1"/>
                 </a:solidFill>
               </a:rPr>
               <a:t>;</a:t>
             </a:r>
-            <a:endParaRPr lang="en-US" sz="2400" dirty="0">
-              <a:solidFill>
-                <a:schemeClr val="tx1"/>
-              </a:solidFill>
-            </a:endParaRPr>
           </a:p>
           <a:p>
             <a:pPr marL="0" indent="0">

--- a/Angular JS - Workshop.pptx
+++ b/Angular JS - Workshop.pptx
@@ -5798,18 +5798,10 @@
                   <a:schemeClr val="tx1"/>
                 </a:solidFill>
               </a:rPr>
-              <a:t>Use the CDN </a:t>
-            </a:r>
-            <a:r>
-              <a:rPr lang="en-US" sz="2400">
-                <a:solidFill>
-                  <a:schemeClr val="tx1"/>
-                </a:solidFill>
-              </a:rPr>
-              <a:t>link </a:t>
-            </a:r>
-            <a:r>
-              <a:rPr lang="en-US" sz="2400" b="1">
+              <a:t>Use the CDN link </a:t>
+            </a:r>
+            <a:r>
+              <a:rPr lang="en-US" sz="2400" b="1" dirty="0">
                 <a:solidFill>
                   <a:srgbClr val="92D050"/>
                 </a:solidFill>
@@ -5817,12 +5809,8 @@
               <a:t>:  </a:t>
             </a:r>
             <a:r>
-              <a:rPr lang="en-US" sz="2400" b="1"/>
-              <a:t>&lt;</a:t>
-            </a:r>
-            <a:r>
               <a:rPr lang="en-US" sz="2400" b="1" dirty="0"/>
-              <a:t>script </a:t>
+              <a:t>&lt;script </a:t>
             </a:r>
             <a:r>
               <a:rPr lang="en-US" sz="2400" b="1" dirty="0" err="1"/>

--- a/Angular JS - Workshop.pptx
+++ b/Angular JS - Workshop.pptx
@@ -10,9 +10,9 @@
     <p:sldId id="258" r:id="rId4"/>
     <p:sldId id="259" r:id="rId5"/>
     <p:sldId id="260" r:id="rId6"/>
-    <p:sldId id="267" r:id="rId7"/>
-    <p:sldId id="269" r:id="rId8"/>
-    <p:sldId id="261" r:id="rId9"/>
+    <p:sldId id="269" r:id="rId7"/>
+    <p:sldId id="261" r:id="rId8"/>
+    <p:sldId id="267" r:id="rId9"/>
     <p:sldId id="262" r:id="rId10"/>
     <p:sldId id="263" r:id="rId11"/>
     <p:sldId id="264" r:id="rId12"/>
@@ -3444,6 +3444,13 @@
   <p:transition spd="slow">
     <p:push dir="u"/>
   </p:transition>
+  <p:timing>
+    <p:tnLst>
+      <p:par>
+        <p:cTn id="1" dur="indefinite" restart="never" nodeType="tmRoot"/>
+      </p:par>
+    </p:tnLst>
+  </p:timing>
 </p:sld>
 </file>
 
@@ -4152,6 +4159,10 @@
             <a:pPr marL="0" indent="0">
               <a:buNone/>
             </a:pPr>
+            <a:r>
+              <a:rPr lang="en-US" sz="2600" dirty="0"/>
+              <a:t/>
+            </a:r>
             <a:br>
               <a:rPr lang="en-US" sz="2600" dirty="0"/>
             </a:br>
@@ -4200,6 +4211,13 @@
   <p:transition spd="slow">
     <p:push dir="u"/>
   </p:transition>
+  <p:timing>
+    <p:tnLst>
+      <p:par>
+        <p:cTn id="1" dur="indefinite" restart="never" nodeType="tmRoot"/>
+      </p:par>
+    </p:tnLst>
+  </p:timing>
 </p:sld>
 </file>
 
@@ -4307,6 +4325,16 @@
   <p:clrMapOvr>
     <a:masterClrMapping/>
   </p:clrMapOvr>
+  <p:transition spd="slow">
+    <p:push dir="u"/>
+  </p:transition>
+  <p:timing>
+    <p:tnLst>
+      <p:par>
+        <p:cTn id="1" dur="indefinite" restart="never" nodeType="tmRoot"/>
+      </p:par>
+    </p:tnLst>
+  </p:timing>
 </p:sld>
 </file>
 
@@ -4423,6 +4451,16 @@
   <p:clrMapOvr>
     <a:masterClrMapping/>
   </p:clrMapOvr>
+  <p:transition spd="slow">
+    <p:push dir="u"/>
+  </p:transition>
+  <p:timing>
+    <p:tnLst>
+      <p:par>
+        <p:cTn id="1" dur="indefinite" restart="never" nodeType="tmRoot"/>
+      </p:par>
+    </p:tnLst>
+  </p:timing>
 </p:sld>
 </file>
 
@@ -4517,6 +4555,16 @@
   <p:clrMapOvr>
     <a:masterClrMapping/>
   </p:clrMapOvr>
+  <p:transition spd="slow">
+    <p:push dir="u"/>
+  </p:transition>
+  <p:timing>
+    <p:tnLst>
+      <p:par>
+        <p:cTn id="1" dur="indefinite" restart="never" nodeType="tmRoot"/>
+      </p:par>
+    </p:tnLst>
+  </p:timing>
 </p:sld>
 </file>
 
@@ -4588,6 +4636,16 @@
   <p:clrMapOvr>
     <a:masterClrMapping/>
   </p:clrMapOvr>
+  <p:transition spd="slow">
+    <p:push dir="u"/>
+  </p:transition>
+  <p:timing>
+    <p:tnLst>
+      <p:par>
+        <p:cTn id="1" dur="indefinite" restart="never" nodeType="tmRoot"/>
+      </p:par>
+    </p:tnLst>
+  </p:timing>
 </p:sld>
 </file>
 
@@ -4659,6 +4717,16 @@
   <p:clrMapOvr>
     <a:masterClrMapping/>
   </p:clrMapOvr>
+  <p:transition spd="slow">
+    <p:push dir="u"/>
+  </p:transition>
+  <p:timing>
+    <p:tnLst>
+      <p:par>
+        <p:cTn id="1" dur="indefinite" restart="never" nodeType="tmRoot"/>
+      </p:par>
+    </p:tnLst>
+  </p:timing>
 </p:sld>
 </file>
 
@@ -4813,6 +4881,13 @@
   <p:transition spd="slow">
     <p:push dir="u"/>
   </p:transition>
+  <p:timing>
+    <p:tnLst>
+      <p:par>
+        <p:cTn id="1" dur="indefinite" restart="never" nodeType="tmRoot"/>
+      </p:par>
+    </p:tnLst>
+  </p:timing>
 </p:sld>
 </file>
 
@@ -5685,6 +5760,13 @@
   <p:transition spd="slow">
     <p:push dir="u"/>
   </p:transition>
+  <p:timing>
+    <p:tnLst>
+      <p:par>
+        <p:cTn id="1" dur="indefinite" restart="never" nodeType="tmRoot"/>
+      </p:par>
+    </p:tnLst>
+  </p:timing>
 </p:sld>
 </file>
 
@@ -5940,167 +6022,17 @@
   <p:transition spd="slow">
     <p:push dir="u"/>
   </p:transition>
+  <p:timing>
+    <p:tnLst>
+      <p:par>
+        <p:cTn id="1" dur="indefinite" restart="never" nodeType="tmRoot"/>
+      </p:par>
+    </p:tnLst>
+  </p:timing>
 </p:sld>
 </file>
 
 <file path=ppt/slides/slide6.xml><?xml version="1.0" encoding="utf-8"?>
-<p:sld xmlns:a="http://schemas.openxmlformats.org/drawingml/2006/main" xmlns:r="http://schemas.openxmlformats.org/officeDocument/2006/relationships" xmlns:p="http://schemas.openxmlformats.org/presentationml/2006/main">
-  <p:cSld>
-    <p:spTree>
-      <p:nvGrpSpPr>
-        <p:cNvPr id="1" name=""/>
-        <p:cNvGrpSpPr/>
-        <p:nvPr/>
-      </p:nvGrpSpPr>
-      <p:grpSpPr>
-        <a:xfrm>
-          <a:off x="0" y="0"/>
-          <a:ext cx="0" cy="0"/>
-          <a:chOff x="0" y="0"/>
-          <a:chExt cx="0" cy="0"/>
-        </a:xfrm>
-      </p:grpSpPr>
-      <p:sp>
-        <p:nvSpPr>
-          <p:cNvPr id="2" name="Title 1"/>
-          <p:cNvSpPr>
-            <a:spLocks noGrp="1"/>
-          </p:cNvSpPr>
-          <p:nvPr>
-            <p:ph type="title"/>
-          </p:nvPr>
-        </p:nvSpPr>
-        <p:spPr/>
-        <p:txBody>
-          <a:bodyPr/>
-          <a:lstStyle/>
-          <a:p>
-            <a:r>
-              <a:rPr lang="en-US" dirty="0"/>
-              <a:t>Directives</a:t>
-            </a:r>
-          </a:p>
-        </p:txBody>
-      </p:sp>
-      <p:sp>
-        <p:nvSpPr>
-          <p:cNvPr id="3" name="Content Placeholder 2"/>
-          <p:cNvSpPr>
-            <a:spLocks noGrp="1"/>
-          </p:cNvSpPr>
-          <p:nvPr>
-            <p:ph idx="1"/>
-          </p:nvPr>
-        </p:nvSpPr>
-        <p:spPr/>
-        <p:txBody>
-          <a:bodyPr>
-            <a:normAutofit/>
-          </a:bodyPr>
-          <a:lstStyle/>
-          <a:p>
-            <a:r>
-              <a:rPr lang="en-US" sz="2400" dirty="0">
-                <a:solidFill>
-                  <a:schemeClr val="tx1"/>
-                </a:solidFill>
-              </a:rPr>
-              <a:t>In Angular a directive are extended html attributes with prefix ng.</a:t>
-            </a:r>
-          </a:p>
-          <a:p>
-            <a:r>
-              <a:rPr lang="en-US" sz="2400" dirty="0">
-                <a:solidFill>
-                  <a:schemeClr val="tx1"/>
-                </a:solidFill>
-              </a:rPr>
-              <a:t>Used to add functionality to html pages</a:t>
-            </a:r>
-          </a:p>
-          <a:p>
-            <a:r>
-              <a:rPr lang="en-US" sz="2400" dirty="0">
-                <a:solidFill>
-                  <a:schemeClr val="tx1"/>
-                </a:solidFill>
-              </a:rPr>
-              <a:t>There are 2 types of directives . Built-in Directives, custom directives.</a:t>
-            </a:r>
-          </a:p>
-          <a:p>
-            <a:r>
-              <a:rPr lang="en-US" sz="2400" dirty="0">
-                <a:solidFill>
-                  <a:schemeClr val="tx1"/>
-                </a:solidFill>
-              </a:rPr>
-              <a:t>ng-app directive initializes an AngularJS application.</a:t>
-            </a:r>
-          </a:p>
-          <a:p>
-            <a:r>
-              <a:rPr lang="en-US" sz="2400" dirty="0">
-                <a:solidFill>
-                  <a:schemeClr val="tx1"/>
-                </a:solidFill>
-              </a:rPr>
-              <a:t>ng-model directive binds the value of HTML controls (input, select, text area) to application data.</a:t>
-            </a:r>
-          </a:p>
-          <a:p>
-            <a:r>
-              <a:rPr lang="en-US" sz="2400" dirty="0">
-                <a:solidFill>
-                  <a:schemeClr val="tx1"/>
-                </a:solidFill>
-              </a:rPr>
-              <a:t>ng-controller directive attaches a controller class to the view.</a:t>
-            </a:r>
-          </a:p>
-          <a:p>
-            <a:r>
-              <a:rPr lang="en-US" sz="2400" dirty="0">
-                <a:solidFill>
-                  <a:schemeClr val="tx1"/>
-                </a:solidFill>
-              </a:rPr>
-              <a:t>Learn more at </a:t>
-            </a:r>
-            <a:r>
-              <a:rPr lang="en-US" sz="2400" dirty="0">
-                <a:solidFill>
-                  <a:srgbClr val="92D050"/>
-                </a:solidFill>
-                <a:hlinkClick r:id="rId2"/>
-              </a:rPr>
-              <a:t>https://code.angularjs.org/1.7.8/docs/api/ng/directive</a:t>
-            </a:r>
-            <a:r>
-              <a:rPr lang="en-US" sz="2400" dirty="0">
-                <a:solidFill>
-                  <a:schemeClr val="tx1"/>
-                </a:solidFill>
-              </a:rPr>
-              <a:t>.</a:t>
-            </a:r>
-          </a:p>
-        </p:txBody>
-      </p:sp>
-    </p:spTree>
-    <p:extLst>
-      <p:ext uri="{BB962C8B-B14F-4D97-AF65-F5344CB8AC3E}">
-        <p14:creationId xmlns:p14="http://schemas.microsoft.com/office/powerpoint/2010/main" val="2889259754"/>
-      </p:ext>
-    </p:extLst>
-  </p:cSld>
-  <p:clrMapOvr>
-    <a:masterClrMapping/>
-  </p:clrMapOvr>
-</p:sld>
-</file>
-
-<file path=ppt/slides/slide7.xml><?xml version="1.0" encoding="utf-8"?>
 <p:sld xmlns:a="http://schemas.openxmlformats.org/drawingml/2006/main" xmlns:r="http://schemas.openxmlformats.org/officeDocument/2006/relationships" xmlns:p="http://schemas.openxmlformats.org/presentationml/2006/main">
   <p:cSld>
     <p:spTree>
@@ -6192,10 +6124,20 @@
   <p:clrMapOvr>
     <a:masterClrMapping/>
   </p:clrMapOvr>
+  <p:transition spd="slow">
+    <p:push dir="u"/>
+  </p:transition>
+  <p:timing>
+    <p:tnLst>
+      <p:par>
+        <p:cTn id="1" dur="indefinite" restart="never" nodeType="tmRoot"/>
+      </p:par>
+    </p:tnLst>
+  </p:timing>
 </p:sld>
 </file>
 
-<file path=ppt/slides/slide8.xml><?xml version="1.0" encoding="utf-8"?>
+<file path=ppt/slides/slide7.xml><?xml version="1.0" encoding="utf-8"?>
 <p:sld xmlns:a="http://schemas.openxmlformats.org/drawingml/2006/main" xmlns:r="http://schemas.openxmlformats.org/officeDocument/2006/relationships" xmlns:p="http://schemas.openxmlformats.org/presentationml/2006/main">
   <p:cSld>
     <p:spTree>
@@ -6527,6 +6469,173 @@
     <p:bldLst>
       <p:bldP spid="3" grpId="0" uiExpand="1" build="p"/>
     </p:bldLst>
+  </p:timing>
+</p:sld>
+</file>
+
+<file path=ppt/slides/slide8.xml><?xml version="1.0" encoding="utf-8"?>
+<p:sld xmlns:a="http://schemas.openxmlformats.org/drawingml/2006/main" xmlns:r="http://schemas.openxmlformats.org/officeDocument/2006/relationships" xmlns:p="http://schemas.openxmlformats.org/presentationml/2006/main">
+  <p:cSld>
+    <p:spTree>
+      <p:nvGrpSpPr>
+        <p:cNvPr id="1" name=""/>
+        <p:cNvGrpSpPr/>
+        <p:nvPr/>
+      </p:nvGrpSpPr>
+      <p:grpSpPr>
+        <a:xfrm>
+          <a:off x="0" y="0"/>
+          <a:ext cx="0" cy="0"/>
+          <a:chOff x="0" y="0"/>
+          <a:chExt cx="0" cy="0"/>
+        </a:xfrm>
+      </p:grpSpPr>
+      <p:sp>
+        <p:nvSpPr>
+          <p:cNvPr id="2" name="Title 1"/>
+          <p:cNvSpPr>
+            <a:spLocks noGrp="1"/>
+          </p:cNvSpPr>
+          <p:nvPr>
+            <p:ph type="title"/>
+          </p:nvPr>
+        </p:nvSpPr>
+        <p:spPr/>
+        <p:txBody>
+          <a:bodyPr/>
+          <a:lstStyle/>
+          <a:p>
+            <a:r>
+              <a:rPr lang="en-US" dirty="0"/>
+              <a:t>Directives</a:t>
+            </a:r>
+          </a:p>
+        </p:txBody>
+      </p:sp>
+      <p:sp>
+        <p:nvSpPr>
+          <p:cNvPr id="3" name="Content Placeholder 2"/>
+          <p:cNvSpPr>
+            <a:spLocks noGrp="1"/>
+          </p:cNvSpPr>
+          <p:nvPr>
+            <p:ph idx="1"/>
+          </p:nvPr>
+        </p:nvSpPr>
+        <p:spPr/>
+        <p:txBody>
+          <a:bodyPr>
+            <a:normAutofit/>
+          </a:bodyPr>
+          <a:lstStyle/>
+          <a:p>
+            <a:r>
+              <a:rPr lang="en-US" sz="2400" dirty="0">
+                <a:solidFill>
+                  <a:schemeClr val="tx1"/>
+                </a:solidFill>
+              </a:rPr>
+              <a:t>In Angular a directive are extended html attributes with prefix ng.</a:t>
+            </a:r>
+          </a:p>
+          <a:p>
+            <a:r>
+              <a:rPr lang="en-US" sz="2400" dirty="0">
+                <a:solidFill>
+                  <a:schemeClr val="tx1"/>
+                </a:solidFill>
+              </a:rPr>
+              <a:t>Used to add functionality to html pages</a:t>
+            </a:r>
+          </a:p>
+          <a:p>
+            <a:r>
+              <a:rPr lang="en-US" sz="2400" dirty="0">
+                <a:solidFill>
+                  <a:schemeClr val="tx1"/>
+                </a:solidFill>
+              </a:rPr>
+              <a:t>There are 2 types of directives . Built-in Directives, custom directives.</a:t>
+            </a:r>
+          </a:p>
+          <a:p>
+            <a:r>
+              <a:rPr lang="en-US" sz="2400" dirty="0">
+                <a:solidFill>
+                  <a:schemeClr val="tx1"/>
+                </a:solidFill>
+              </a:rPr>
+              <a:t>ng-app directive initializes an AngularJS application.</a:t>
+            </a:r>
+          </a:p>
+          <a:p>
+            <a:r>
+              <a:rPr lang="en-US" sz="2400" dirty="0">
+                <a:solidFill>
+                  <a:schemeClr val="tx1"/>
+                </a:solidFill>
+              </a:rPr>
+              <a:t>ng-model directive binds the value of HTML controls (input, select, text area) to application data.</a:t>
+            </a:r>
+          </a:p>
+          <a:p>
+            <a:r>
+              <a:rPr lang="en-US" sz="2400" dirty="0">
+                <a:solidFill>
+                  <a:schemeClr val="tx1"/>
+                </a:solidFill>
+              </a:rPr>
+              <a:t>ng-controller directive attaches a controller class to the view.</a:t>
+            </a:r>
+          </a:p>
+          <a:p>
+            <a:r>
+              <a:rPr lang="en-US" sz="2400" dirty="0">
+                <a:solidFill>
+                  <a:schemeClr val="tx1"/>
+                </a:solidFill>
+              </a:rPr>
+              <a:t>Learn more at </a:t>
+            </a:r>
+            <a:r>
+              <a:rPr lang="en-US" sz="2400" dirty="0">
+                <a:solidFill>
+                  <a:srgbClr val="92D050"/>
+                </a:solidFill>
+                <a:hlinkClick r:id="rId2"/>
+              </a:rPr>
+              <a:t>https://code.angularjs.org/1.7.8/docs/api/ng/directive</a:t>
+            </a:r>
+            <a:r>
+              <a:rPr lang="en-US" sz="2400" dirty="0">
+                <a:solidFill>
+                  <a:schemeClr val="tx1"/>
+                </a:solidFill>
+              </a:rPr>
+              <a:t>.</a:t>
+            </a:r>
+          </a:p>
+        </p:txBody>
+      </p:sp>
+    </p:spTree>
+    <p:extLst>
+      <p:ext uri="{BB962C8B-B14F-4D97-AF65-F5344CB8AC3E}">
+        <p14:creationId xmlns:p14="http://schemas.microsoft.com/office/powerpoint/2010/main" val="2889259754"/>
+      </p:ext>
+    </p:extLst>
+  </p:cSld>
+  <p:clrMapOvr>
+    <a:masterClrMapping/>
+  </p:clrMapOvr>
+  <p:transition spd="slow">
+    <p:push dir="u"/>
+  </p:transition>
+  <p:timing>
+    <p:tnLst>
+      <p:par>
+        <p:cTn id="1" dur="indefinite" restart="never" nodeType="tmRoot"/>
+      </p:par>
+    </p:tnLst>
   </p:timing>
 </p:sld>
 </file>
